--- a/src/main/resources/File/sonarQube扫描问题.pptx
+++ b/src/main/resources/File/sonarQube扫描问题.pptx
@@ -1,31 +1,31 @@
 
 <file path=ppt/presentation.xml><?xml version="1.0" encoding="utf-8"?>
-<p:presentation xmlns:a="http://schemas.openxmlformats.org/drawingml/2006/main" xmlns:r="http://schemas.openxmlformats.org/officeDocument/2006/relationships" xmlns:p="http://schemas.openxmlformats.org/presentationml/2006/main" saveSubsetFonts="1">
+<p:presentation xmlns:a="http://schemas.openxmlformats.org/drawingml/2006/main" xmlns:r="http://schemas.openxmlformats.org/officeDocument/2006/relationships" xmlns:p="http://schemas.openxmlformats.org/presentationml/2006/main">
   <p:sldMasterIdLst>
     <p:sldMasterId id="2147483648" r:id="rId1"/>
   </p:sldMasterIdLst>
   <p:sldIdLst>
-    <p:sldId id="256" r:id="rId2"/>
-    <p:sldId id="259" r:id="rId3"/>
-    <p:sldId id="262" r:id="rId4"/>
-    <p:sldId id="257" r:id="rId5"/>
-    <p:sldId id="264" r:id="rId6"/>
-    <p:sldId id="263" r:id="rId7"/>
-    <p:sldId id="265" r:id="rId8"/>
-    <p:sldId id="266" r:id="rId9"/>
-    <p:sldId id="267" r:id="rId10"/>
-    <p:sldId id="268" r:id="rId11"/>
-    <p:sldId id="269" r:id="rId12"/>
-    <p:sldId id="270" r:id="rId13"/>
-    <p:sldId id="273" r:id="rId14"/>
-    <p:sldId id="271" r:id="rId15"/>
-    <p:sldId id="272" r:id="rId16"/>
-    <p:sldId id="274" r:id="rId17"/>
-    <p:sldId id="277" r:id="rId18"/>
-    <p:sldId id="278" r:id="rId19"/>
-    <p:sldId id="279" r:id="rId20"/>
-    <p:sldId id="258" r:id="rId21"/>
-    <p:sldId id="280" r:id="rId22"/>
+    <p:sldId id="256" r:id="rId3"/>
+    <p:sldId id="259" r:id="rId4"/>
+    <p:sldId id="262" r:id="rId5"/>
+    <p:sldId id="257" r:id="rId6"/>
+    <p:sldId id="264" r:id="rId7"/>
+    <p:sldId id="263" r:id="rId8"/>
+    <p:sldId id="265" r:id="rId9"/>
+    <p:sldId id="266" r:id="rId10"/>
+    <p:sldId id="267" r:id="rId11"/>
+    <p:sldId id="268" r:id="rId12"/>
+    <p:sldId id="269" r:id="rId13"/>
+    <p:sldId id="270" r:id="rId14"/>
+    <p:sldId id="273" r:id="rId15"/>
+    <p:sldId id="271" r:id="rId16"/>
+    <p:sldId id="272" r:id="rId17"/>
+    <p:sldId id="274" r:id="rId18"/>
+    <p:sldId id="277" r:id="rId19"/>
+    <p:sldId id="278" r:id="rId20"/>
+    <p:sldId id="279" r:id="rId21"/>
+    <p:sldId id="258" r:id="rId22"/>
+    <p:sldId id="280" r:id="rId23"/>
   </p:sldIdLst>
   <p:sldSz cx="12192000" cy="6858000"/>
   <p:notesSz cx="6858000" cy="9144000"/>
@@ -124,11 +124,6 @@
       </a:defRPr>
     </a:lvl9pPr>
   </p:defaultTextStyle>
-  <p:extLst>
-    <p:ext uri="{EFAFB233-063F-42B5-8137-9DF3F51BA10A}">
-      <p15:sldGuideLst xmlns:p15="http://schemas.microsoft.com/office/powerpoint/2012/main"/>
-    </p:ext>
-  </p:extLst>
 </p:presentation>
 </file>
 
@@ -151,13 +146,7 @@
       </p:grpSpPr>
       <p:sp>
         <p:nvSpPr>
-          <p:cNvPr id="2" name="标题 1">
-            <a:extLst>
-              <a:ext uri="{FF2B5EF4-FFF2-40B4-BE49-F238E27FC236}">
-                <a16:creationId xmlns:a16="http://schemas.microsoft.com/office/drawing/2014/main" id="{CCDFDE4E-1D91-40AE-9A35-1465B860D3C4}"/>
-              </a:ext>
-            </a:extLst>
-          </p:cNvPr>
+          <p:cNvPr id="2" name="标题 1"/>
           <p:cNvSpPr>
             <a:spLocks noGrp="1"/>
           </p:cNvSpPr>
@@ -183,18 +172,13 @@
               <a:rPr lang="zh-CN" altLang="en-US"/>
               <a:t>单击此处编辑母版标题样式</a:t>
             </a:r>
-          </a:p>
-        </p:txBody>
-      </p:sp>
-      <p:sp>
-        <p:nvSpPr>
-          <p:cNvPr id="3" name="副标题 2">
-            <a:extLst>
-              <a:ext uri="{FF2B5EF4-FFF2-40B4-BE49-F238E27FC236}">
-                <a16:creationId xmlns:a16="http://schemas.microsoft.com/office/drawing/2014/main" id="{E40E366D-621A-453B-8A5F-B4374869B253}"/>
-              </a:ext>
-            </a:extLst>
-          </p:cNvPr>
+            <a:endParaRPr lang="zh-CN" altLang="en-US"/>
+          </a:p>
+        </p:txBody>
+      </p:sp>
+      <p:sp>
+        <p:nvSpPr>
+          <p:cNvPr id="3" name="副标题 2"/>
           <p:cNvSpPr>
             <a:spLocks noGrp="1"/>
           </p:cNvSpPr>
@@ -253,18 +237,13 @@
               <a:rPr lang="zh-CN" altLang="en-US"/>
               <a:t>单击此处编辑母版副标题样式</a:t>
             </a:r>
-          </a:p>
-        </p:txBody>
-      </p:sp>
-      <p:sp>
-        <p:nvSpPr>
-          <p:cNvPr id="4" name="日期占位符 3">
-            <a:extLst>
-              <a:ext uri="{FF2B5EF4-FFF2-40B4-BE49-F238E27FC236}">
-                <a16:creationId xmlns:a16="http://schemas.microsoft.com/office/drawing/2014/main" id="{99BDCEE9-023B-4528-AA0B-559CEF56A397}"/>
-              </a:ext>
-            </a:extLst>
-          </p:cNvPr>
+            <a:endParaRPr lang="zh-CN" altLang="en-US"/>
+          </a:p>
+        </p:txBody>
+      </p:sp>
+      <p:sp>
+        <p:nvSpPr>
+          <p:cNvPr id="4" name="日期占位符 3"/>
           <p:cNvSpPr>
             <a:spLocks noGrp="1"/>
           </p:cNvSpPr>
@@ -279,7 +258,6 @@
           <a:p>
             <a:fld id="{5A6213AF-A7A8-4C82-BA88-8195733A93B3}" type="datetimeFigureOut">
               <a:rPr lang="zh-CN" altLang="en-US" smtClean="0"/>
-              <a:t>2020/1/14</a:t>
             </a:fld>
             <a:endParaRPr lang="zh-CN" altLang="en-US"/>
           </a:p>
@@ -287,13 +265,7 @@
       </p:sp>
       <p:sp>
         <p:nvSpPr>
-          <p:cNvPr id="5" name="页脚占位符 4">
-            <a:extLst>
-              <a:ext uri="{FF2B5EF4-FFF2-40B4-BE49-F238E27FC236}">
-                <a16:creationId xmlns:a16="http://schemas.microsoft.com/office/drawing/2014/main" id="{38C032CD-FAB6-4A36-92C4-30405E204DD9}"/>
-              </a:ext>
-            </a:extLst>
-          </p:cNvPr>
+          <p:cNvPr id="5" name="页脚占位符 4"/>
           <p:cNvSpPr>
             <a:spLocks noGrp="1"/>
           </p:cNvSpPr>
@@ -312,13 +284,7 @@
       </p:sp>
       <p:sp>
         <p:nvSpPr>
-          <p:cNvPr id="6" name="灯片编号占位符 5">
-            <a:extLst>
-              <a:ext uri="{FF2B5EF4-FFF2-40B4-BE49-F238E27FC236}">
-                <a16:creationId xmlns:a16="http://schemas.microsoft.com/office/drawing/2014/main" id="{07FD1063-975E-4F99-A65D-355A8B372094}"/>
-              </a:ext>
-            </a:extLst>
-          </p:cNvPr>
+          <p:cNvPr id="6" name="灯片编号占位符 5"/>
           <p:cNvSpPr>
             <a:spLocks noGrp="1"/>
           </p:cNvSpPr>
@@ -333,18 +299,12 @@
           <a:p>
             <a:fld id="{B2764535-6214-432F-9B1C-CE328A8DF3FC}" type="slidenum">
               <a:rPr lang="zh-CN" altLang="en-US" smtClean="0"/>
-              <a:t>‹#›</a:t>
             </a:fld>
             <a:endParaRPr lang="zh-CN" altLang="en-US"/>
           </a:p>
         </p:txBody>
       </p:sp>
     </p:spTree>
-    <p:extLst>
-      <p:ext uri="{BB962C8B-B14F-4D97-AF65-F5344CB8AC3E}">
-        <p14:creationId xmlns:p14="http://schemas.microsoft.com/office/powerpoint/2010/main" val="4036466906"/>
-      </p:ext>
-    </p:extLst>
   </p:cSld>
   <p:clrMapOvr>
     <a:masterClrMapping/>
@@ -371,13 +331,7 @@
       </p:grpSpPr>
       <p:sp>
         <p:nvSpPr>
-          <p:cNvPr id="2" name="标题 1">
-            <a:extLst>
-              <a:ext uri="{FF2B5EF4-FFF2-40B4-BE49-F238E27FC236}">
-                <a16:creationId xmlns:a16="http://schemas.microsoft.com/office/drawing/2014/main" id="{BD9CBCA6-EE88-44C3-94C4-B47CC9A614A2}"/>
-              </a:ext>
-            </a:extLst>
-          </p:cNvPr>
+          <p:cNvPr id="2" name="标题 1"/>
           <p:cNvSpPr>
             <a:spLocks noGrp="1"/>
           </p:cNvSpPr>
@@ -394,18 +348,13 @@
               <a:rPr lang="zh-CN" altLang="en-US"/>
               <a:t>单击此处编辑母版标题样式</a:t>
             </a:r>
-          </a:p>
-        </p:txBody>
-      </p:sp>
-      <p:sp>
-        <p:nvSpPr>
-          <p:cNvPr id="3" name="竖排文字占位符 2">
-            <a:extLst>
-              <a:ext uri="{FF2B5EF4-FFF2-40B4-BE49-F238E27FC236}">
-                <a16:creationId xmlns:a16="http://schemas.microsoft.com/office/drawing/2014/main" id="{854E2DEA-F008-43ED-AEFC-1F702F6C0471}"/>
-              </a:ext>
-            </a:extLst>
-          </p:cNvPr>
+            <a:endParaRPr lang="zh-CN" altLang="en-US"/>
+          </a:p>
+        </p:txBody>
+      </p:sp>
+      <p:sp>
+        <p:nvSpPr>
+          <p:cNvPr id="3" name="竖排文字占位符 2"/>
           <p:cNvSpPr>
             <a:spLocks noGrp="1"/>
           </p:cNvSpPr>
@@ -423,6 +372,7 @@
               <a:rPr lang="zh-CN" altLang="en-US"/>
               <a:t>单击此处编辑母版文本样式</a:t>
             </a:r>
+            <a:endParaRPr lang="zh-CN" altLang="en-US"/>
           </a:p>
           <a:p>
             <a:pPr lvl="1"/>
@@ -430,6 +380,7 @@
               <a:rPr lang="zh-CN" altLang="en-US"/>
               <a:t>二级</a:t>
             </a:r>
+            <a:endParaRPr lang="zh-CN" altLang="en-US"/>
           </a:p>
           <a:p>
             <a:pPr lvl="2"/>
@@ -437,6 +388,7 @@
               <a:rPr lang="zh-CN" altLang="en-US"/>
               <a:t>三级</a:t>
             </a:r>
+            <a:endParaRPr lang="zh-CN" altLang="en-US"/>
           </a:p>
           <a:p>
             <a:pPr lvl="3"/>
@@ -444,6 +396,7 @@
               <a:rPr lang="zh-CN" altLang="en-US"/>
               <a:t>四级</a:t>
             </a:r>
+            <a:endParaRPr lang="zh-CN" altLang="en-US"/>
           </a:p>
           <a:p>
             <a:pPr lvl="4"/>
@@ -451,18 +404,13 @@
               <a:rPr lang="zh-CN" altLang="en-US"/>
               <a:t>五级</a:t>
             </a:r>
-          </a:p>
-        </p:txBody>
-      </p:sp>
-      <p:sp>
-        <p:nvSpPr>
-          <p:cNvPr id="4" name="日期占位符 3">
-            <a:extLst>
-              <a:ext uri="{FF2B5EF4-FFF2-40B4-BE49-F238E27FC236}">
-                <a16:creationId xmlns:a16="http://schemas.microsoft.com/office/drawing/2014/main" id="{3597978B-4AC5-4AE7-9925-71702A386149}"/>
-              </a:ext>
-            </a:extLst>
-          </p:cNvPr>
+            <a:endParaRPr lang="zh-CN" altLang="en-US"/>
+          </a:p>
+        </p:txBody>
+      </p:sp>
+      <p:sp>
+        <p:nvSpPr>
+          <p:cNvPr id="4" name="日期占位符 3"/>
           <p:cNvSpPr>
             <a:spLocks noGrp="1"/>
           </p:cNvSpPr>
@@ -477,7 +425,6 @@
           <a:p>
             <a:fld id="{5A6213AF-A7A8-4C82-BA88-8195733A93B3}" type="datetimeFigureOut">
               <a:rPr lang="zh-CN" altLang="en-US" smtClean="0"/>
-              <a:t>2020/1/14</a:t>
             </a:fld>
             <a:endParaRPr lang="zh-CN" altLang="en-US"/>
           </a:p>
@@ -485,13 +432,7 @@
       </p:sp>
       <p:sp>
         <p:nvSpPr>
-          <p:cNvPr id="5" name="页脚占位符 4">
-            <a:extLst>
-              <a:ext uri="{FF2B5EF4-FFF2-40B4-BE49-F238E27FC236}">
-                <a16:creationId xmlns:a16="http://schemas.microsoft.com/office/drawing/2014/main" id="{4686248A-38B6-47EA-8B4E-4DAEF10896A6}"/>
-              </a:ext>
-            </a:extLst>
-          </p:cNvPr>
+          <p:cNvPr id="5" name="页脚占位符 4"/>
           <p:cNvSpPr>
             <a:spLocks noGrp="1"/>
           </p:cNvSpPr>
@@ -510,13 +451,7 @@
       </p:sp>
       <p:sp>
         <p:nvSpPr>
-          <p:cNvPr id="6" name="灯片编号占位符 5">
-            <a:extLst>
-              <a:ext uri="{FF2B5EF4-FFF2-40B4-BE49-F238E27FC236}">
-                <a16:creationId xmlns:a16="http://schemas.microsoft.com/office/drawing/2014/main" id="{B85691BE-F105-4CCE-A146-21FCAE82EDAC}"/>
-              </a:ext>
-            </a:extLst>
-          </p:cNvPr>
+          <p:cNvPr id="6" name="灯片编号占位符 5"/>
           <p:cNvSpPr>
             <a:spLocks noGrp="1"/>
           </p:cNvSpPr>
@@ -531,18 +466,12 @@
           <a:p>
             <a:fld id="{B2764535-6214-432F-9B1C-CE328A8DF3FC}" type="slidenum">
               <a:rPr lang="zh-CN" altLang="en-US" smtClean="0"/>
-              <a:t>‹#›</a:t>
             </a:fld>
             <a:endParaRPr lang="zh-CN" altLang="en-US"/>
           </a:p>
         </p:txBody>
       </p:sp>
     </p:spTree>
-    <p:extLst>
-      <p:ext uri="{BB962C8B-B14F-4D97-AF65-F5344CB8AC3E}">
-        <p14:creationId xmlns:p14="http://schemas.microsoft.com/office/powerpoint/2010/main" val="3120379760"/>
-      </p:ext>
-    </p:extLst>
   </p:cSld>
   <p:clrMapOvr>
     <a:masterClrMapping/>
@@ -569,13 +498,7 @@
       </p:grpSpPr>
       <p:sp>
         <p:nvSpPr>
-          <p:cNvPr id="2" name="竖排标题 1">
-            <a:extLst>
-              <a:ext uri="{FF2B5EF4-FFF2-40B4-BE49-F238E27FC236}">
-                <a16:creationId xmlns:a16="http://schemas.microsoft.com/office/drawing/2014/main" id="{138FC394-ABC5-4593-B36E-6BDAD72C1598}"/>
-              </a:ext>
-            </a:extLst>
-          </p:cNvPr>
+          <p:cNvPr id="2" name="竖排标题 1"/>
           <p:cNvSpPr>
             <a:spLocks noGrp="1"/>
           </p:cNvSpPr>
@@ -597,18 +520,13 @@
               <a:rPr lang="zh-CN" altLang="en-US"/>
               <a:t>单击此处编辑母版标题样式</a:t>
             </a:r>
-          </a:p>
-        </p:txBody>
-      </p:sp>
-      <p:sp>
-        <p:nvSpPr>
-          <p:cNvPr id="3" name="竖排文字占位符 2">
-            <a:extLst>
-              <a:ext uri="{FF2B5EF4-FFF2-40B4-BE49-F238E27FC236}">
-                <a16:creationId xmlns:a16="http://schemas.microsoft.com/office/drawing/2014/main" id="{11DC8FCA-851D-4AA5-9931-C619C11E6005}"/>
-              </a:ext>
-            </a:extLst>
-          </p:cNvPr>
+            <a:endParaRPr lang="zh-CN" altLang="en-US"/>
+          </a:p>
+        </p:txBody>
+      </p:sp>
+      <p:sp>
+        <p:nvSpPr>
+          <p:cNvPr id="3" name="竖排文字占位符 2"/>
           <p:cNvSpPr>
             <a:spLocks noGrp="1"/>
           </p:cNvSpPr>
@@ -631,6 +549,7 @@
               <a:rPr lang="zh-CN" altLang="en-US"/>
               <a:t>单击此处编辑母版文本样式</a:t>
             </a:r>
+            <a:endParaRPr lang="zh-CN" altLang="en-US"/>
           </a:p>
           <a:p>
             <a:pPr lvl="1"/>
@@ -638,6 +557,7 @@
               <a:rPr lang="zh-CN" altLang="en-US"/>
               <a:t>二级</a:t>
             </a:r>
+            <a:endParaRPr lang="zh-CN" altLang="en-US"/>
           </a:p>
           <a:p>
             <a:pPr lvl="2"/>
@@ -645,6 +565,7 @@
               <a:rPr lang="zh-CN" altLang="en-US"/>
               <a:t>三级</a:t>
             </a:r>
+            <a:endParaRPr lang="zh-CN" altLang="en-US"/>
           </a:p>
           <a:p>
             <a:pPr lvl="3"/>
@@ -652,6 +573,7 @@
               <a:rPr lang="zh-CN" altLang="en-US"/>
               <a:t>四级</a:t>
             </a:r>
+            <a:endParaRPr lang="zh-CN" altLang="en-US"/>
           </a:p>
           <a:p>
             <a:pPr lvl="4"/>
@@ -659,18 +581,13 @@
               <a:rPr lang="zh-CN" altLang="en-US"/>
               <a:t>五级</a:t>
             </a:r>
-          </a:p>
-        </p:txBody>
-      </p:sp>
-      <p:sp>
-        <p:nvSpPr>
-          <p:cNvPr id="4" name="日期占位符 3">
-            <a:extLst>
-              <a:ext uri="{FF2B5EF4-FFF2-40B4-BE49-F238E27FC236}">
-                <a16:creationId xmlns:a16="http://schemas.microsoft.com/office/drawing/2014/main" id="{DDFD05F0-716B-42D2-B4FB-EB26306F5AF2}"/>
-              </a:ext>
-            </a:extLst>
-          </p:cNvPr>
+            <a:endParaRPr lang="zh-CN" altLang="en-US"/>
+          </a:p>
+        </p:txBody>
+      </p:sp>
+      <p:sp>
+        <p:nvSpPr>
+          <p:cNvPr id="4" name="日期占位符 3"/>
           <p:cNvSpPr>
             <a:spLocks noGrp="1"/>
           </p:cNvSpPr>
@@ -685,7 +602,6 @@
           <a:p>
             <a:fld id="{5A6213AF-A7A8-4C82-BA88-8195733A93B3}" type="datetimeFigureOut">
               <a:rPr lang="zh-CN" altLang="en-US" smtClean="0"/>
-              <a:t>2020/1/14</a:t>
             </a:fld>
             <a:endParaRPr lang="zh-CN" altLang="en-US"/>
           </a:p>
@@ -693,13 +609,7 @@
       </p:sp>
       <p:sp>
         <p:nvSpPr>
-          <p:cNvPr id="5" name="页脚占位符 4">
-            <a:extLst>
-              <a:ext uri="{FF2B5EF4-FFF2-40B4-BE49-F238E27FC236}">
-                <a16:creationId xmlns:a16="http://schemas.microsoft.com/office/drawing/2014/main" id="{78221015-3418-4B30-A0AB-8339DAE5773C}"/>
-              </a:ext>
-            </a:extLst>
-          </p:cNvPr>
+          <p:cNvPr id="5" name="页脚占位符 4"/>
           <p:cNvSpPr>
             <a:spLocks noGrp="1"/>
           </p:cNvSpPr>
@@ -718,13 +628,7 @@
       </p:sp>
       <p:sp>
         <p:nvSpPr>
-          <p:cNvPr id="6" name="灯片编号占位符 5">
-            <a:extLst>
-              <a:ext uri="{FF2B5EF4-FFF2-40B4-BE49-F238E27FC236}">
-                <a16:creationId xmlns:a16="http://schemas.microsoft.com/office/drawing/2014/main" id="{E21771F0-CFEA-4E74-8131-93FF7D5DE7E0}"/>
-              </a:ext>
-            </a:extLst>
-          </p:cNvPr>
+          <p:cNvPr id="6" name="灯片编号占位符 5"/>
           <p:cNvSpPr>
             <a:spLocks noGrp="1"/>
           </p:cNvSpPr>
@@ -739,18 +643,12 @@
           <a:p>
             <a:fld id="{B2764535-6214-432F-9B1C-CE328A8DF3FC}" type="slidenum">
               <a:rPr lang="zh-CN" altLang="en-US" smtClean="0"/>
-              <a:t>‹#›</a:t>
             </a:fld>
             <a:endParaRPr lang="zh-CN" altLang="en-US"/>
           </a:p>
         </p:txBody>
       </p:sp>
     </p:spTree>
-    <p:extLst>
-      <p:ext uri="{BB962C8B-B14F-4D97-AF65-F5344CB8AC3E}">
-        <p14:creationId xmlns:p14="http://schemas.microsoft.com/office/powerpoint/2010/main" val="3503444860"/>
-      </p:ext>
-    </p:extLst>
   </p:cSld>
   <p:clrMapOvr>
     <a:masterClrMapping/>
@@ -777,13 +675,7 @@
       </p:grpSpPr>
       <p:sp>
         <p:nvSpPr>
-          <p:cNvPr id="2" name="标题 1">
-            <a:extLst>
-              <a:ext uri="{FF2B5EF4-FFF2-40B4-BE49-F238E27FC236}">
-                <a16:creationId xmlns:a16="http://schemas.microsoft.com/office/drawing/2014/main" id="{E2534145-3743-4591-B5D1-5CDC43C1513C}"/>
-              </a:ext>
-            </a:extLst>
-          </p:cNvPr>
+          <p:cNvPr id="2" name="标题 1"/>
           <p:cNvSpPr>
             <a:spLocks noGrp="1"/>
           </p:cNvSpPr>
@@ -800,18 +692,13 @@
               <a:rPr lang="zh-CN" altLang="en-US"/>
               <a:t>单击此处编辑母版标题样式</a:t>
             </a:r>
-          </a:p>
-        </p:txBody>
-      </p:sp>
-      <p:sp>
-        <p:nvSpPr>
-          <p:cNvPr id="3" name="内容占位符 2">
-            <a:extLst>
-              <a:ext uri="{FF2B5EF4-FFF2-40B4-BE49-F238E27FC236}">
-                <a16:creationId xmlns:a16="http://schemas.microsoft.com/office/drawing/2014/main" id="{6B3450AC-40CC-42C0-B05C-3A85DEB18767}"/>
-              </a:ext>
-            </a:extLst>
-          </p:cNvPr>
+            <a:endParaRPr lang="zh-CN" altLang="en-US"/>
+          </a:p>
+        </p:txBody>
+      </p:sp>
+      <p:sp>
+        <p:nvSpPr>
+          <p:cNvPr id="3" name="内容占位符 2"/>
           <p:cNvSpPr>
             <a:spLocks noGrp="1"/>
           </p:cNvSpPr>
@@ -829,6 +716,7 @@
               <a:rPr lang="zh-CN" altLang="en-US"/>
               <a:t>单击此处编辑母版文本样式</a:t>
             </a:r>
+            <a:endParaRPr lang="zh-CN" altLang="en-US"/>
           </a:p>
           <a:p>
             <a:pPr lvl="1"/>
@@ -836,6 +724,7 @@
               <a:rPr lang="zh-CN" altLang="en-US"/>
               <a:t>二级</a:t>
             </a:r>
+            <a:endParaRPr lang="zh-CN" altLang="en-US"/>
           </a:p>
           <a:p>
             <a:pPr lvl="2"/>
@@ -843,6 +732,7 @@
               <a:rPr lang="zh-CN" altLang="en-US"/>
               <a:t>三级</a:t>
             </a:r>
+            <a:endParaRPr lang="zh-CN" altLang="en-US"/>
           </a:p>
           <a:p>
             <a:pPr lvl="3"/>
@@ -850,6 +740,7 @@
               <a:rPr lang="zh-CN" altLang="en-US"/>
               <a:t>四级</a:t>
             </a:r>
+            <a:endParaRPr lang="zh-CN" altLang="en-US"/>
           </a:p>
           <a:p>
             <a:pPr lvl="4"/>
@@ -857,18 +748,13 @@
               <a:rPr lang="zh-CN" altLang="en-US"/>
               <a:t>五级</a:t>
             </a:r>
-          </a:p>
-        </p:txBody>
-      </p:sp>
-      <p:sp>
-        <p:nvSpPr>
-          <p:cNvPr id="4" name="日期占位符 3">
-            <a:extLst>
-              <a:ext uri="{FF2B5EF4-FFF2-40B4-BE49-F238E27FC236}">
-                <a16:creationId xmlns:a16="http://schemas.microsoft.com/office/drawing/2014/main" id="{AFB21E3F-94BF-46D4-9725-F9CCBF58F971}"/>
-              </a:ext>
-            </a:extLst>
-          </p:cNvPr>
+            <a:endParaRPr lang="zh-CN" altLang="en-US"/>
+          </a:p>
+        </p:txBody>
+      </p:sp>
+      <p:sp>
+        <p:nvSpPr>
+          <p:cNvPr id="4" name="日期占位符 3"/>
           <p:cNvSpPr>
             <a:spLocks noGrp="1"/>
           </p:cNvSpPr>
@@ -883,7 +769,6 @@
           <a:p>
             <a:fld id="{5A6213AF-A7A8-4C82-BA88-8195733A93B3}" type="datetimeFigureOut">
               <a:rPr lang="zh-CN" altLang="en-US" smtClean="0"/>
-              <a:t>2020/1/14</a:t>
             </a:fld>
             <a:endParaRPr lang="zh-CN" altLang="en-US"/>
           </a:p>
@@ -891,13 +776,7 @@
       </p:sp>
       <p:sp>
         <p:nvSpPr>
-          <p:cNvPr id="5" name="页脚占位符 4">
-            <a:extLst>
-              <a:ext uri="{FF2B5EF4-FFF2-40B4-BE49-F238E27FC236}">
-                <a16:creationId xmlns:a16="http://schemas.microsoft.com/office/drawing/2014/main" id="{9C65C00C-1E9C-421F-BD00-6B0F9C1DD483}"/>
-              </a:ext>
-            </a:extLst>
-          </p:cNvPr>
+          <p:cNvPr id="5" name="页脚占位符 4"/>
           <p:cNvSpPr>
             <a:spLocks noGrp="1"/>
           </p:cNvSpPr>
@@ -916,13 +795,7 @@
       </p:sp>
       <p:sp>
         <p:nvSpPr>
-          <p:cNvPr id="6" name="灯片编号占位符 5">
-            <a:extLst>
-              <a:ext uri="{FF2B5EF4-FFF2-40B4-BE49-F238E27FC236}">
-                <a16:creationId xmlns:a16="http://schemas.microsoft.com/office/drawing/2014/main" id="{54E11CCF-39A1-4E31-A1A9-662498122218}"/>
-              </a:ext>
-            </a:extLst>
-          </p:cNvPr>
+          <p:cNvPr id="6" name="灯片编号占位符 5"/>
           <p:cNvSpPr>
             <a:spLocks noGrp="1"/>
           </p:cNvSpPr>
@@ -937,18 +810,12 @@
           <a:p>
             <a:fld id="{B2764535-6214-432F-9B1C-CE328A8DF3FC}" type="slidenum">
               <a:rPr lang="zh-CN" altLang="en-US" smtClean="0"/>
-              <a:t>‹#›</a:t>
             </a:fld>
             <a:endParaRPr lang="zh-CN" altLang="en-US"/>
           </a:p>
         </p:txBody>
       </p:sp>
     </p:spTree>
-    <p:extLst>
-      <p:ext uri="{BB962C8B-B14F-4D97-AF65-F5344CB8AC3E}">
-        <p14:creationId xmlns:p14="http://schemas.microsoft.com/office/powerpoint/2010/main" val="708220440"/>
-      </p:ext>
-    </p:extLst>
   </p:cSld>
   <p:clrMapOvr>
     <a:masterClrMapping/>
@@ -975,13 +842,7 @@
       </p:grpSpPr>
       <p:sp>
         <p:nvSpPr>
-          <p:cNvPr id="2" name="标题 1">
-            <a:extLst>
-              <a:ext uri="{FF2B5EF4-FFF2-40B4-BE49-F238E27FC236}">
-                <a16:creationId xmlns:a16="http://schemas.microsoft.com/office/drawing/2014/main" id="{95C32713-1019-441C-9E68-C1C4C82A9464}"/>
-              </a:ext>
-            </a:extLst>
-          </p:cNvPr>
+          <p:cNvPr id="2" name="标题 1"/>
           <p:cNvSpPr>
             <a:spLocks noGrp="1"/>
           </p:cNvSpPr>
@@ -1007,18 +868,13 @@
               <a:rPr lang="zh-CN" altLang="en-US"/>
               <a:t>单击此处编辑母版标题样式</a:t>
             </a:r>
-          </a:p>
-        </p:txBody>
-      </p:sp>
-      <p:sp>
-        <p:nvSpPr>
-          <p:cNvPr id="3" name="文本占位符 2">
-            <a:extLst>
-              <a:ext uri="{FF2B5EF4-FFF2-40B4-BE49-F238E27FC236}">
-                <a16:creationId xmlns:a16="http://schemas.microsoft.com/office/drawing/2014/main" id="{2290B9C5-4719-4029-84F9-3500196ED67E}"/>
-              </a:ext>
-            </a:extLst>
-          </p:cNvPr>
+            <a:endParaRPr lang="zh-CN" altLang="en-US"/>
+          </a:p>
+        </p:txBody>
+      </p:sp>
+      <p:sp>
+        <p:nvSpPr>
+          <p:cNvPr id="3" name="文本占位符 2"/>
           <p:cNvSpPr>
             <a:spLocks noGrp="1"/>
           </p:cNvSpPr>
@@ -1132,18 +988,13 @@
               <a:rPr lang="zh-CN" altLang="en-US"/>
               <a:t>单击此处编辑母版文本样式</a:t>
             </a:r>
-          </a:p>
-        </p:txBody>
-      </p:sp>
-      <p:sp>
-        <p:nvSpPr>
-          <p:cNvPr id="4" name="日期占位符 3">
-            <a:extLst>
-              <a:ext uri="{FF2B5EF4-FFF2-40B4-BE49-F238E27FC236}">
-                <a16:creationId xmlns:a16="http://schemas.microsoft.com/office/drawing/2014/main" id="{635456E2-BBEE-4786-BED8-D65A9EDF18DB}"/>
-              </a:ext>
-            </a:extLst>
-          </p:cNvPr>
+            <a:endParaRPr lang="zh-CN" altLang="en-US"/>
+          </a:p>
+        </p:txBody>
+      </p:sp>
+      <p:sp>
+        <p:nvSpPr>
+          <p:cNvPr id="4" name="日期占位符 3"/>
           <p:cNvSpPr>
             <a:spLocks noGrp="1"/>
           </p:cNvSpPr>
@@ -1158,7 +1009,6 @@
           <a:p>
             <a:fld id="{5A6213AF-A7A8-4C82-BA88-8195733A93B3}" type="datetimeFigureOut">
               <a:rPr lang="zh-CN" altLang="en-US" smtClean="0"/>
-              <a:t>2020/1/14</a:t>
             </a:fld>
             <a:endParaRPr lang="zh-CN" altLang="en-US"/>
           </a:p>
@@ -1166,13 +1016,7 @@
       </p:sp>
       <p:sp>
         <p:nvSpPr>
-          <p:cNvPr id="5" name="页脚占位符 4">
-            <a:extLst>
-              <a:ext uri="{FF2B5EF4-FFF2-40B4-BE49-F238E27FC236}">
-                <a16:creationId xmlns:a16="http://schemas.microsoft.com/office/drawing/2014/main" id="{A2730F1E-5D0B-4AFA-974E-1866E56D4052}"/>
-              </a:ext>
-            </a:extLst>
-          </p:cNvPr>
+          <p:cNvPr id="5" name="页脚占位符 4"/>
           <p:cNvSpPr>
             <a:spLocks noGrp="1"/>
           </p:cNvSpPr>
@@ -1191,13 +1035,7 @@
       </p:sp>
       <p:sp>
         <p:nvSpPr>
-          <p:cNvPr id="6" name="灯片编号占位符 5">
-            <a:extLst>
-              <a:ext uri="{FF2B5EF4-FFF2-40B4-BE49-F238E27FC236}">
-                <a16:creationId xmlns:a16="http://schemas.microsoft.com/office/drawing/2014/main" id="{E5E9CA34-6943-4D3E-A0A2-9D534E835DE8}"/>
-              </a:ext>
-            </a:extLst>
-          </p:cNvPr>
+          <p:cNvPr id="6" name="灯片编号占位符 5"/>
           <p:cNvSpPr>
             <a:spLocks noGrp="1"/>
           </p:cNvSpPr>
@@ -1212,18 +1050,12 @@
           <a:p>
             <a:fld id="{B2764535-6214-432F-9B1C-CE328A8DF3FC}" type="slidenum">
               <a:rPr lang="zh-CN" altLang="en-US" smtClean="0"/>
-              <a:t>‹#›</a:t>
             </a:fld>
             <a:endParaRPr lang="zh-CN" altLang="en-US"/>
           </a:p>
         </p:txBody>
       </p:sp>
     </p:spTree>
-    <p:extLst>
-      <p:ext uri="{BB962C8B-B14F-4D97-AF65-F5344CB8AC3E}">
-        <p14:creationId xmlns:p14="http://schemas.microsoft.com/office/powerpoint/2010/main" val="2947457230"/>
-      </p:ext>
-    </p:extLst>
   </p:cSld>
   <p:clrMapOvr>
     <a:masterClrMapping/>
@@ -1250,13 +1082,7 @@
       </p:grpSpPr>
       <p:sp>
         <p:nvSpPr>
-          <p:cNvPr id="2" name="标题 1">
-            <a:extLst>
-              <a:ext uri="{FF2B5EF4-FFF2-40B4-BE49-F238E27FC236}">
-                <a16:creationId xmlns:a16="http://schemas.microsoft.com/office/drawing/2014/main" id="{972EF3CD-A30D-4384-B39C-FD3EF3191D20}"/>
-              </a:ext>
-            </a:extLst>
-          </p:cNvPr>
+          <p:cNvPr id="2" name="标题 1"/>
           <p:cNvSpPr>
             <a:spLocks noGrp="1"/>
           </p:cNvSpPr>
@@ -1273,18 +1099,13 @@
               <a:rPr lang="zh-CN" altLang="en-US"/>
               <a:t>单击此处编辑母版标题样式</a:t>
             </a:r>
-          </a:p>
-        </p:txBody>
-      </p:sp>
-      <p:sp>
-        <p:nvSpPr>
-          <p:cNvPr id="3" name="内容占位符 2">
-            <a:extLst>
-              <a:ext uri="{FF2B5EF4-FFF2-40B4-BE49-F238E27FC236}">
-                <a16:creationId xmlns:a16="http://schemas.microsoft.com/office/drawing/2014/main" id="{790C72EA-7C62-4792-85FE-A3EDECFD4246}"/>
-              </a:ext>
-            </a:extLst>
-          </p:cNvPr>
+            <a:endParaRPr lang="zh-CN" altLang="en-US"/>
+          </a:p>
+        </p:txBody>
+      </p:sp>
+      <p:sp>
+        <p:nvSpPr>
+          <p:cNvPr id="3" name="内容占位符 2"/>
           <p:cNvSpPr>
             <a:spLocks noGrp="1"/>
           </p:cNvSpPr>
@@ -1307,6 +1128,7 @@
               <a:rPr lang="zh-CN" altLang="en-US"/>
               <a:t>单击此处编辑母版文本样式</a:t>
             </a:r>
+            <a:endParaRPr lang="zh-CN" altLang="en-US"/>
           </a:p>
           <a:p>
             <a:pPr lvl="1"/>
@@ -1314,6 +1136,7 @@
               <a:rPr lang="zh-CN" altLang="en-US"/>
               <a:t>二级</a:t>
             </a:r>
+            <a:endParaRPr lang="zh-CN" altLang="en-US"/>
           </a:p>
           <a:p>
             <a:pPr lvl="2"/>
@@ -1321,6 +1144,7 @@
               <a:rPr lang="zh-CN" altLang="en-US"/>
               <a:t>三级</a:t>
             </a:r>
+            <a:endParaRPr lang="zh-CN" altLang="en-US"/>
           </a:p>
           <a:p>
             <a:pPr lvl="3"/>
@@ -1328,6 +1152,7 @@
               <a:rPr lang="zh-CN" altLang="en-US"/>
               <a:t>四级</a:t>
             </a:r>
+            <a:endParaRPr lang="zh-CN" altLang="en-US"/>
           </a:p>
           <a:p>
             <a:pPr lvl="4"/>
@@ -1335,18 +1160,13 @@
               <a:rPr lang="zh-CN" altLang="en-US"/>
               <a:t>五级</a:t>
             </a:r>
-          </a:p>
-        </p:txBody>
-      </p:sp>
-      <p:sp>
-        <p:nvSpPr>
-          <p:cNvPr id="4" name="内容占位符 3">
-            <a:extLst>
-              <a:ext uri="{FF2B5EF4-FFF2-40B4-BE49-F238E27FC236}">
-                <a16:creationId xmlns:a16="http://schemas.microsoft.com/office/drawing/2014/main" id="{7A1B1BAE-20A8-49A4-B551-7956581BF5DD}"/>
-              </a:ext>
-            </a:extLst>
-          </p:cNvPr>
+            <a:endParaRPr lang="zh-CN" altLang="en-US"/>
+          </a:p>
+        </p:txBody>
+      </p:sp>
+      <p:sp>
+        <p:nvSpPr>
+          <p:cNvPr id="4" name="内容占位符 3"/>
           <p:cNvSpPr>
             <a:spLocks noGrp="1"/>
           </p:cNvSpPr>
@@ -1369,6 +1189,7 @@
               <a:rPr lang="zh-CN" altLang="en-US"/>
               <a:t>单击此处编辑母版文本样式</a:t>
             </a:r>
+            <a:endParaRPr lang="zh-CN" altLang="en-US"/>
           </a:p>
           <a:p>
             <a:pPr lvl="1"/>
@@ -1376,6 +1197,7 @@
               <a:rPr lang="zh-CN" altLang="en-US"/>
               <a:t>二级</a:t>
             </a:r>
+            <a:endParaRPr lang="zh-CN" altLang="en-US"/>
           </a:p>
           <a:p>
             <a:pPr lvl="2"/>
@@ -1383,6 +1205,7 @@
               <a:rPr lang="zh-CN" altLang="en-US"/>
               <a:t>三级</a:t>
             </a:r>
+            <a:endParaRPr lang="zh-CN" altLang="en-US"/>
           </a:p>
           <a:p>
             <a:pPr lvl="3"/>
@@ -1390,6 +1213,7 @@
               <a:rPr lang="zh-CN" altLang="en-US"/>
               <a:t>四级</a:t>
             </a:r>
+            <a:endParaRPr lang="zh-CN" altLang="en-US"/>
           </a:p>
           <a:p>
             <a:pPr lvl="4"/>
@@ -1397,18 +1221,13 @@
               <a:rPr lang="zh-CN" altLang="en-US"/>
               <a:t>五级</a:t>
             </a:r>
-          </a:p>
-        </p:txBody>
-      </p:sp>
-      <p:sp>
-        <p:nvSpPr>
-          <p:cNvPr id="5" name="日期占位符 4">
-            <a:extLst>
-              <a:ext uri="{FF2B5EF4-FFF2-40B4-BE49-F238E27FC236}">
-                <a16:creationId xmlns:a16="http://schemas.microsoft.com/office/drawing/2014/main" id="{01E4C58A-F8F2-4D45-A5D6-F6CF02228988}"/>
-              </a:ext>
-            </a:extLst>
-          </p:cNvPr>
+            <a:endParaRPr lang="zh-CN" altLang="en-US"/>
+          </a:p>
+        </p:txBody>
+      </p:sp>
+      <p:sp>
+        <p:nvSpPr>
+          <p:cNvPr id="5" name="日期占位符 4"/>
           <p:cNvSpPr>
             <a:spLocks noGrp="1"/>
           </p:cNvSpPr>
@@ -1423,7 +1242,6 @@
           <a:p>
             <a:fld id="{5A6213AF-A7A8-4C82-BA88-8195733A93B3}" type="datetimeFigureOut">
               <a:rPr lang="zh-CN" altLang="en-US" smtClean="0"/>
-              <a:t>2020/1/14</a:t>
             </a:fld>
             <a:endParaRPr lang="zh-CN" altLang="en-US"/>
           </a:p>
@@ -1431,13 +1249,7 @@
       </p:sp>
       <p:sp>
         <p:nvSpPr>
-          <p:cNvPr id="6" name="页脚占位符 5">
-            <a:extLst>
-              <a:ext uri="{FF2B5EF4-FFF2-40B4-BE49-F238E27FC236}">
-                <a16:creationId xmlns:a16="http://schemas.microsoft.com/office/drawing/2014/main" id="{C2A65275-091D-401F-8178-B79938DDA567}"/>
-              </a:ext>
-            </a:extLst>
-          </p:cNvPr>
+          <p:cNvPr id="6" name="页脚占位符 5"/>
           <p:cNvSpPr>
             <a:spLocks noGrp="1"/>
           </p:cNvSpPr>
@@ -1456,13 +1268,7 @@
       </p:sp>
       <p:sp>
         <p:nvSpPr>
-          <p:cNvPr id="7" name="灯片编号占位符 6">
-            <a:extLst>
-              <a:ext uri="{FF2B5EF4-FFF2-40B4-BE49-F238E27FC236}">
-                <a16:creationId xmlns:a16="http://schemas.microsoft.com/office/drawing/2014/main" id="{C8EBD19E-B3D0-4F3D-80A7-9A19BF19AC2C}"/>
-              </a:ext>
-            </a:extLst>
-          </p:cNvPr>
+          <p:cNvPr id="7" name="灯片编号占位符 6"/>
           <p:cNvSpPr>
             <a:spLocks noGrp="1"/>
           </p:cNvSpPr>
@@ -1477,18 +1283,12 @@
           <a:p>
             <a:fld id="{B2764535-6214-432F-9B1C-CE328A8DF3FC}" type="slidenum">
               <a:rPr lang="zh-CN" altLang="en-US" smtClean="0"/>
-              <a:t>‹#›</a:t>
             </a:fld>
             <a:endParaRPr lang="zh-CN" altLang="en-US"/>
           </a:p>
         </p:txBody>
       </p:sp>
     </p:spTree>
-    <p:extLst>
-      <p:ext uri="{BB962C8B-B14F-4D97-AF65-F5344CB8AC3E}">
-        <p14:creationId xmlns:p14="http://schemas.microsoft.com/office/powerpoint/2010/main" val="448780420"/>
-      </p:ext>
-    </p:extLst>
   </p:cSld>
   <p:clrMapOvr>
     <a:masterClrMapping/>
@@ -1515,13 +1315,7 @@
       </p:grpSpPr>
       <p:sp>
         <p:nvSpPr>
-          <p:cNvPr id="2" name="标题 1">
-            <a:extLst>
-              <a:ext uri="{FF2B5EF4-FFF2-40B4-BE49-F238E27FC236}">
-                <a16:creationId xmlns:a16="http://schemas.microsoft.com/office/drawing/2014/main" id="{71CC69E0-CF13-4DF4-BA77-77D0D72F8D50}"/>
-              </a:ext>
-            </a:extLst>
-          </p:cNvPr>
+          <p:cNvPr id="2" name="标题 1"/>
           <p:cNvSpPr>
             <a:spLocks noGrp="1"/>
           </p:cNvSpPr>
@@ -1543,18 +1337,13 @@
               <a:rPr lang="zh-CN" altLang="en-US"/>
               <a:t>单击此处编辑母版标题样式</a:t>
             </a:r>
-          </a:p>
-        </p:txBody>
-      </p:sp>
-      <p:sp>
-        <p:nvSpPr>
-          <p:cNvPr id="3" name="文本占位符 2">
-            <a:extLst>
-              <a:ext uri="{FF2B5EF4-FFF2-40B4-BE49-F238E27FC236}">
-                <a16:creationId xmlns:a16="http://schemas.microsoft.com/office/drawing/2014/main" id="{9D55873A-FF59-4537-9A0B-A9012EFFB744}"/>
-              </a:ext>
-            </a:extLst>
-          </p:cNvPr>
+            <a:endParaRPr lang="zh-CN" altLang="en-US"/>
+          </a:p>
+        </p:txBody>
+      </p:sp>
+      <p:sp>
+        <p:nvSpPr>
+          <p:cNvPr id="3" name="文本占位符 2"/>
           <p:cNvSpPr>
             <a:spLocks noGrp="1"/>
           </p:cNvSpPr>
@@ -1614,18 +1403,13 @@
               <a:rPr lang="zh-CN" altLang="en-US"/>
               <a:t>单击此处编辑母版文本样式</a:t>
             </a:r>
-          </a:p>
-        </p:txBody>
-      </p:sp>
-      <p:sp>
-        <p:nvSpPr>
-          <p:cNvPr id="4" name="内容占位符 3">
-            <a:extLst>
-              <a:ext uri="{FF2B5EF4-FFF2-40B4-BE49-F238E27FC236}">
-                <a16:creationId xmlns:a16="http://schemas.microsoft.com/office/drawing/2014/main" id="{16890A97-43D7-4AB8-B5D5-04B3A58E9B59}"/>
-              </a:ext>
-            </a:extLst>
-          </p:cNvPr>
+            <a:endParaRPr lang="zh-CN" altLang="en-US"/>
+          </a:p>
+        </p:txBody>
+      </p:sp>
+      <p:sp>
+        <p:nvSpPr>
+          <p:cNvPr id="4" name="内容占位符 3"/>
           <p:cNvSpPr>
             <a:spLocks noGrp="1"/>
           </p:cNvSpPr>
@@ -1648,6 +1432,7 @@
               <a:rPr lang="zh-CN" altLang="en-US"/>
               <a:t>单击此处编辑母版文本样式</a:t>
             </a:r>
+            <a:endParaRPr lang="zh-CN" altLang="en-US"/>
           </a:p>
           <a:p>
             <a:pPr lvl="1"/>
@@ -1655,6 +1440,7 @@
               <a:rPr lang="zh-CN" altLang="en-US"/>
               <a:t>二级</a:t>
             </a:r>
+            <a:endParaRPr lang="zh-CN" altLang="en-US"/>
           </a:p>
           <a:p>
             <a:pPr lvl="2"/>
@@ -1662,6 +1448,7 @@
               <a:rPr lang="zh-CN" altLang="en-US"/>
               <a:t>三级</a:t>
             </a:r>
+            <a:endParaRPr lang="zh-CN" altLang="en-US"/>
           </a:p>
           <a:p>
             <a:pPr lvl="3"/>
@@ -1669,6 +1456,7 @@
               <a:rPr lang="zh-CN" altLang="en-US"/>
               <a:t>四级</a:t>
             </a:r>
+            <a:endParaRPr lang="zh-CN" altLang="en-US"/>
           </a:p>
           <a:p>
             <a:pPr lvl="4"/>
@@ -1676,18 +1464,13 @@
               <a:rPr lang="zh-CN" altLang="en-US"/>
               <a:t>五级</a:t>
             </a:r>
-          </a:p>
-        </p:txBody>
-      </p:sp>
-      <p:sp>
-        <p:nvSpPr>
-          <p:cNvPr id="5" name="文本占位符 4">
-            <a:extLst>
-              <a:ext uri="{FF2B5EF4-FFF2-40B4-BE49-F238E27FC236}">
-                <a16:creationId xmlns:a16="http://schemas.microsoft.com/office/drawing/2014/main" id="{BA307EB6-D65C-465A-8CF8-8903F053F3BF}"/>
-              </a:ext>
-            </a:extLst>
-          </p:cNvPr>
+            <a:endParaRPr lang="zh-CN" altLang="en-US"/>
+          </a:p>
+        </p:txBody>
+      </p:sp>
+      <p:sp>
+        <p:nvSpPr>
+          <p:cNvPr id="5" name="文本占位符 4"/>
           <p:cNvSpPr>
             <a:spLocks noGrp="1"/>
           </p:cNvSpPr>
@@ -1747,18 +1530,13 @@
               <a:rPr lang="zh-CN" altLang="en-US"/>
               <a:t>单击此处编辑母版文本样式</a:t>
             </a:r>
-          </a:p>
-        </p:txBody>
-      </p:sp>
-      <p:sp>
-        <p:nvSpPr>
-          <p:cNvPr id="6" name="内容占位符 5">
-            <a:extLst>
-              <a:ext uri="{FF2B5EF4-FFF2-40B4-BE49-F238E27FC236}">
-                <a16:creationId xmlns:a16="http://schemas.microsoft.com/office/drawing/2014/main" id="{5644ED7A-C4C3-4D9E-8529-9D37EF886572}"/>
-              </a:ext>
-            </a:extLst>
-          </p:cNvPr>
+            <a:endParaRPr lang="zh-CN" altLang="en-US"/>
+          </a:p>
+        </p:txBody>
+      </p:sp>
+      <p:sp>
+        <p:nvSpPr>
+          <p:cNvPr id="6" name="内容占位符 5"/>
           <p:cNvSpPr>
             <a:spLocks noGrp="1"/>
           </p:cNvSpPr>
@@ -1781,6 +1559,7 @@
               <a:rPr lang="zh-CN" altLang="en-US"/>
               <a:t>单击此处编辑母版文本样式</a:t>
             </a:r>
+            <a:endParaRPr lang="zh-CN" altLang="en-US"/>
           </a:p>
           <a:p>
             <a:pPr lvl="1"/>
@@ -1788,6 +1567,7 @@
               <a:rPr lang="zh-CN" altLang="en-US"/>
               <a:t>二级</a:t>
             </a:r>
+            <a:endParaRPr lang="zh-CN" altLang="en-US"/>
           </a:p>
           <a:p>
             <a:pPr lvl="2"/>
@@ -1795,6 +1575,7 @@
               <a:rPr lang="zh-CN" altLang="en-US"/>
               <a:t>三级</a:t>
             </a:r>
+            <a:endParaRPr lang="zh-CN" altLang="en-US"/>
           </a:p>
           <a:p>
             <a:pPr lvl="3"/>
@@ -1802,6 +1583,7 @@
               <a:rPr lang="zh-CN" altLang="en-US"/>
               <a:t>四级</a:t>
             </a:r>
+            <a:endParaRPr lang="zh-CN" altLang="en-US"/>
           </a:p>
           <a:p>
             <a:pPr lvl="4"/>
@@ -1809,18 +1591,13 @@
               <a:rPr lang="zh-CN" altLang="en-US"/>
               <a:t>五级</a:t>
             </a:r>
-          </a:p>
-        </p:txBody>
-      </p:sp>
-      <p:sp>
-        <p:nvSpPr>
-          <p:cNvPr id="7" name="日期占位符 6">
-            <a:extLst>
-              <a:ext uri="{FF2B5EF4-FFF2-40B4-BE49-F238E27FC236}">
-                <a16:creationId xmlns:a16="http://schemas.microsoft.com/office/drawing/2014/main" id="{BEA784DF-CC9B-44C5-AB8A-BD910458C7B6}"/>
-              </a:ext>
-            </a:extLst>
-          </p:cNvPr>
+            <a:endParaRPr lang="zh-CN" altLang="en-US"/>
+          </a:p>
+        </p:txBody>
+      </p:sp>
+      <p:sp>
+        <p:nvSpPr>
+          <p:cNvPr id="7" name="日期占位符 6"/>
           <p:cNvSpPr>
             <a:spLocks noGrp="1"/>
           </p:cNvSpPr>
@@ -1835,7 +1612,6 @@
           <a:p>
             <a:fld id="{5A6213AF-A7A8-4C82-BA88-8195733A93B3}" type="datetimeFigureOut">
               <a:rPr lang="zh-CN" altLang="en-US" smtClean="0"/>
-              <a:t>2020/1/14</a:t>
             </a:fld>
             <a:endParaRPr lang="zh-CN" altLang="en-US"/>
           </a:p>
@@ -1843,13 +1619,7 @@
       </p:sp>
       <p:sp>
         <p:nvSpPr>
-          <p:cNvPr id="8" name="页脚占位符 7">
-            <a:extLst>
-              <a:ext uri="{FF2B5EF4-FFF2-40B4-BE49-F238E27FC236}">
-                <a16:creationId xmlns:a16="http://schemas.microsoft.com/office/drawing/2014/main" id="{A9EA3108-5BB1-472D-9B99-087FE653EA73}"/>
-              </a:ext>
-            </a:extLst>
-          </p:cNvPr>
+          <p:cNvPr id="8" name="页脚占位符 7"/>
           <p:cNvSpPr>
             <a:spLocks noGrp="1"/>
           </p:cNvSpPr>
@@ -1868,13 +1638,7 @@
       </p:sp>
       <p:sp>
         <p:nvSpPr>
-          <p:cNvPr id="9" name="灯片编号占位符 8">
-            <a:extLst>
-              <a:ext uri="{FF2B5EF4-FFF2-40B4-BE49-F238E27FC236}">
-                <a16:creationId xmlns:a16="http://schemas.microsoft.com/office/drawing/2014/main" id="{BE3F8D95-5BA6-4A8A-83E2-FAA16769CFE6}"/>
-              </a:ext>
-            </a:extLst>
-          </p:cNvPr>
+          <p:cNvPr id="9" name="灯片编号占位符 8"/>
           <p:cNvSpPr>
             <a:spLocks noGrp="1"/>
           </p:cNvSpPr>
@@ -1889,18 +1653,12 @@
           <a:p>
             <a:fld id="{B2764535-6214-432F-9B1C-CE328A8DF3FC}" type="slidenum">
               <a:rPr lang="zh-CN" altLang="en-US" smtClean="0"/>
-              <a:t>‹#›</a:t>
             </a:fld>
             <a:endParaRPr lang="zh-CN" altLang="en-US"/>
           </a:p>
         </p:txBody>
       </p:sp>
     </p:spTree>
-    <p:extLst>
-      <p:ext uri="{BB962C8B-B14F-4D97-AF65-F5344CB8AC3E}">
-        <p14:creationId xmlns:p14="http://schemas.microsoft.com/office/powerpoint/2010/main" val="670352388"/>
-      </p:ext>
-    </p:extLst>
   </p:cSld>
   <p:clrMapOvr>
     <a:masterClrMapping/>
@@ -1927,13 +1685,7 @@
       </p:grpSpPr>
       <p:sp>
         <p:nvSpPr>
-          <p:cNvPr id="2" name="标题 1">
-            <a:extLst>
-              <a:ext uri="{FF2B5EF4-FFF2-40B4-BE49-F238E27FC236}">
-                <a16:creationId xmlns:a16="http://schemas.microsoft.com/office/drawing/2014/main" id="{31F23436-CC70-4C9C-8F7A-8AE974596C20}"/>
-              </a:ext>
-            </a:extLst>
-          </p:cNvPr>
+          <p:cNvPr id="2" name="标题 1"/>
           <p:cNvSpPr>
             <a:spLocks noGrp="1"/>
           </p:cNvSpPr>
@@ -1950,18 +1702,13 @@
               <a:rPr lang="zh-CN" altLang="en-US"/>
               <a:t>单击此处编辑母版标题样式</a:t>
             </a:r>
-          </a:p>
-        </p:txBody>
-      </p:sp>
-      <p:sp>
-        <p:nvSpPr>
-          <p:cNvPr id="3" name="日期占位符 2">
-            <a:extLst>
-              <a:ext uri="{FF2B5EF4-FFF2-40B4-BE49-F238E27FC236}">
-                <a16:creationId xmlns:a16="http://schemas.microsoft.com/office/drawing/2014/main" id="{967A8D1F-C87B-4099-B76C-705931C6C667}"/>
-              </a:ext>
-            </a:extLst>
-          </p:cNvPr>
+            <a:endParaRPr lang="zh-CN" altLang="en-US"/>
+          </a:p>
+        </p:txBody>
+      </p:sp>
+      <p:sp>
+        <p:nvSpPr>
+          <p:cNvPr id="3" name="日期占位符 2"/>
           <p:cNvSpPr>
             <a:spLocks noGrp="1"/>
           </p:cNvSpPr>
@@ -1976,7 +1723,6 @@
           <a:p>
             <a:fld id="{5A6213AF-A7A8-4C82-BA88-8195733A93B3}" type="datetimeFigureOut">
               <a:rPr lang="zh-CN" altLang="en-US" smtClean="0"/>
-              <a:t>2020/1/14</a:t>
             </a:fld>
             <a:endParaRPr lang="zh-CN" altLang="en-US"/>
           </a:p>
@@ -1984,13 +1730,7 @@
       </p:sp>
       <p:sp>
         <p:nvSpPr>
-          <p:cNvPr id="4" name="页脚占位符 3">
-            <a:extLst>
-              <a:ext uri="{FF2B5EF4-FFF2-40B4-BE49-F238E27FC236}">
-                <a16:creationId xmlns:a16="http://schemas.microsoft.com/office/drawing/2014/main" id="{30EF6615-E485-4372-B78E-85C0CD1DA229}"/>
-              </a:ext>
-            </a:extLst>
-          </p:cNvPr>
+          <p:cNvPr id="4" name="页脚占位符 3"/>
           <p:cNvSpPr>
             <a:spLocks noGrp="1"/>
           </p:cNvSpPr>
@@ -2009,13 +1749,7 @@
       </p:sp>
       <p:sp>
         <p:nvSpPr>
-          <p:cNvPr id="5" name="灯片编号占位符 4">
-            <a:extLst>
-              <a:ext uri="{FF2B5EF4-FFF2-40B4-BE49-F238E27FC236}">
-                <a16:creationId xmlns:a16="http://schemas.microsoft.com/office/drawing/2014/main" id="{D1F6DBAD-42C8-4B7F-9F7C-D3D0EB026CFB}"/>
-              </a:ext>
-            </a:extLst>
-          </p:cNvPr>
+          <p:cNvPr id="5" name="灯片编号占位符 4"/>
           <p:cNvSpPr>
             <a:spLocks noGrp="1"/>
           </p:cNvSpPr>
@@ -2030,18 +1764,12 @@
           <a:p>
             <a:fld id="{B2764535-6214-432F-9B1C-CE328A8DF3FC}" type="slidenum">
               <a:rPr lang="zh-CN" altLang="en-US" smtClean="0"/>
-              <a:t>‹#›</a:t>
             </a:fld>
             <a:endParaRPr lang="zh-CN" altLang="en-US"/>
           </a:p>
         </p:txBody>
       </p:sp>
     </p:spTree>
-    <p:extLst>
-      <p:ext uri="{BB962C8B-B14F-4D97-AF65-F5344CB8AC3E}">
-        <p14:creationId xmlns:p14="http://schemas.microsoft.com/office/powerpoint/2010/main" val="1291800416"/>
-      </p:ext>
-    </p:extLst>
   </p:cSld>
   <p:clrMapOvr>
     <a:masterClrMapping/>
@@ -2068,13 +1796,7 @@
       </p:grpSpPr>
       <p:sp>
         <p:nvSpPr>
-          <p:cNvPr id="2" name="日期占位符 1">
-            <a:extLst>
-              <a:ext uri="{FF2B5EF4-FFF2-40B4-BE49-F238E27FC236}">
-                <a16:creationId xmlns:a16="http://schemas.microsoft.com/office/drawing/2014/main" id="{8C5ECDDA-0626-44DA-8046-5E9B4B22FB05}"/>
-              </a:ext>
-            </a:extLst>
-          </p:cNvPr>
+          <p:cNvPr id="2" name="日期占位符 1"/>
           <p:cNvSpPr>
             <a:spLocks noGrp="1"/>
           </p:cNvSpPr>
@@ -2089,7 +1811,6 @@
           <a:p>
             <a:fld id="{5A6213AF-A7A8-4C82-BA88-8195733A93B3}" type="datetimeFigureOut">
               <a:rPr lang="zh-CN" altLang="en-US" smtClean="0"/>
-              <a:t>2020/1/14</a:t>
             </a:fld>
             <a:endParaRPr lang="zh-CN" altLang="en-US"/>
           </a:p>
@@ -2097,13 +1818,7 @@
       </p:sp>
       <p:sp>
         <p:nvSpPr>
-          <p:cNvPr id="3" name="页脚占位符 2">
-            <a:extLst>
-              <a:ext uri="{FF2B5EF4-FFF2-40B4-BE49-F238E27FC236}">
-                <a16:creationId xmlns:a16="http://schemas.microsoft.com/office/drawing/2014/main" id="{47CDD34C-A97A-4795-A6FC-3372D00DBB32}"/>
-              </a:ext>
-            </a:extLst>
-          </p:cNvPr>
+          <p:cNvPr id="3" name="页脚占位符 2"/>
           <p:cNvSpPr>
             <a:spLocks noGrp="1"/>
           </p:cNvSpPr>
@@ -2122,13 +1837,7 @@
       </p:sp>
       <p:sp>
         <p:nvSpPr>
-          <p:cNvPr id="4" name="灯片编号占位符 3">
-            <a:extLst>
-              <a:ext uri="{FF2B5EF4-FFF2-40B4-BE49-F238E27FC236}">
-                <a16:creationId xmlns:a16="http://schemas.microsoft.com/office/drawing/2014/main" id="{C224A9C8-B876-4156-B0A3-B788C2BCE9F3}"/>
-              </a:ext>
-            </a:extLst>
-          </p:cNvPr>
+          <p:cNvPr id="4" name="灯片编号占位符 3"/>
           <p:cNvSpPr>
             <a:spLocks noGrp="1"/>
           </p:cNvSpPr>
@@ -2143,18 +1852,12 @@
           <a:p>
             <a:fld id="{B2764535-6214-432F-9B1C-CE328A8DF3FC}" type="slidenum">
               <a:rPr lang="zh-CN" altLang="en-US" smtClean="0"/>
-              <a:t>‹#›</a:t>
             </a:fld>
             <a:endParaRPr lang="zh-CN" altLang="en-US"/>
           </a:p>
         </p:txBody>
       </p:sp>
     </p:spTree>
-    <p:extLst>
-      <p:ext uri="{BB962C8B-B14F-4D97-AF65-F5344CB8AC3E}">
-        <p14:creationId xmlns:p14="http://schemas.microsoft.com/office/powerpoint/2010/main" val="1991616888"/>
-      </p:ext>
-    </p:extLst>
   </p:cSld>
   <p:clrMapOvr>
     <a:masterClrMapping/>
@@ -2181,13 +1884,7 @@
       </p:grpSpPr>
       <p:sp>
         <p:nvSpPr>
-          <p:cNvPr id="2" name="标题 1">
-            <a:extLst>
-              <a:ext uri="{FF2B5EF4-FFF2-40B4-BE49-F238E27FC236}">
-                <a16:creationId xmlns:a16="http://schemas.microsoft.com/office/drawing/2014/main" id="{315E44C4-CDFF-4221-AF5E-964A8AFB4795}"/>
-              </a:ext>
-            </a:extLst>
-          </p:cNvPr>
+          <p:cNvPr id="2" name="标题 1"/>
           <p:cNvSpPr>
             <a:spLocks noGrp="1"/>
           </p:cNvSpPr>
@@ -2213,18 +1910,13 @@
               <a:rPr lang="zh-CN" altLang="en-US"/>
               <a:t>单击此处编辑母版标题样式</a:t>
             </a:r>
-          </a:p>
-        </p:txBody>
-      </p:sp>
-      <p:sp>
-        <p:nvSpPr>
-          <p:cNvPr id="3" name="内容占位符 2">
-            <a:extLst>
-              <a:ext uri="{FF2B5EF4-FFF2-40B4-BE49-F238E27FC236}">
-                <a16:creationId xmlns:a16="http://schemas.microsoft.com/office/drawing/2014/main" id="{690C5061-F927-43A8-8F00-3C80E22CF121}"/>
-              </a:ext>
-            </a:extLst>
-          </p:cNvPr>
+            <a:endParaRPr lang="zh-CN" altLang="en-US"/>
+          </a:p>
+        </p:txBody>
+      </p:sp>
+      <p:sp>
+        <p:nvSpPr>
+          <p:cNvPr id="3" name="内容占位符 2"/>
           <p:cNvSpPr>
             <a:spLocks noGrp="1"/>
           </p:cNvSpPr>
@@ -2275,6 +1967,7 @@
               <a:rPr lang="zh-CN" altLang="en-US"/>
               <a:t>单击此处编辑母版文本样式</a:t>
             </a:r>
+            <a:endParaRPr lang="zh-CN" altLang="en-US"/>
           </a:p>
           <a:p>
             <a:pPr lvl="1"/>
@@ -2282,6 +1975,7 @@
               <a:rPr lang="zh-CN" altLang="en-US"/>
               <a:t>二级</a:t>
             </a:r>
+            <a:endParaRPr lang="zh-CN" altLang="en-US"/>
           </a:p>
           <a:p>
             <a:pPr lvl="2"/>
@@ -2289,6 +1983,7 @@
               <a:rPr lang="zh-CN" altLang="en-US"/>
               <a:t>三级</a:t>
             </a:r>
+            <a:endParaRPr lang="zh-CN" altLang="en-US"/>
           </a:p>
           <a:p>
             <a:pPr lvl="3"/>
@@ -2296,6 +1991,7 @@
               <a:rPr lang="zh-CN" altLang="en-US"/>
               <a:t>四级</a:t>
             </a:r>
+            <a:endParaRPr lang="zh-CN" altLang="en-US"/>
           </a:p>
           <a:p>
             <a:pPr lvl="4"/>
@@ -2303,18 +1999,13 @@
               <a:rPr lang="zh-CN" altLang="en-US"/>
               <a:t>五级</a:t>
             </a:r>
-          </a:p>
-        </p:txBody>
-      </p:sp>
-      <p:sp>
-        <p:nvSpPr>
-          <p:cNvPr id="4" name="文本占位符 3">
-            <a:extLst>
-              <a:ext uri="{FF2B5EF4-FFF2-40B4-BE49-F238E27FC236}">
-                <a16:creationId xmlns:a16="http://schemas.microsoft.com/office/drawing/2014/main" id="{0B5A9119-91EB-4EFC-AADB-D3A19B67B665}"/>
-              </a:ext>
-            </a:extLst>
-          </p:cNvPr>
+            <a:endParaRPr lang="zh-CN" altLang="en-US"/>
+          </a:p>
+        </p:txBody>
+      </p:sp>
+      <p:sp>
+        <p:nvSpPr>
+          <p:cNvPr id="4" name="文本占位符 3"/>
           <p:cNvSpPr>
             <a:spLocks noGrp="1"/>
           </p:cNvSpPr>
@@ -2374,18 +2065,13 @@
               <a:rPr lang="zh-CN" altLang="en-US"/>
               <a:t>单击此处编辑母版文本样式</a:t>
             </a:r>
-          </a:p>
-        </p:txBody>
-      </p:sp>
-      <p:sp>
-        <p:nvSpPr>
-          <p:cNvPr id="5" name="日期占位符 4">
-            <a:extLst>
-              <a:ext uri="{FF2B5EF4-FFF2-40B4-BE49-F238E27FC236}">
-                <a16:creationId xmlns:a16="http://schemas.microsoft.com/office/drawing/2014/main" id="{816FDB96-9E27-473A-9E31-B5E97759A3F0}"/>
-              </a:ext>
-            </a:extLst>
-          </p:cNvPr>
+            <a:endParaRPr lang="zh-CN" altLang="en-US"/>
+          </a:p>
+        </p:txBody>
+      </p:sp>
+      <p:sp>
+        <p:nvSpPr>
+          <p:cNvPr id="5" name="日期占位符 4"/>
           <p:cNvSpPr>
             <a:spLocks noGrp="1"/>
           </p:cNvSpPr>
@@ -2400,7 +2086,6 @@
           <a:p>
             <a:fld id="{5A6213AF-A7A8-4C82-BA88-8195733A93B3}" type="datetimeFigureOut">
               <a:rPr lang="zh-CN" altLang="en-US" smtClean="0"/>
-              <a:t>2020/1/14</a:t>
             </a:fld>
             <a:endParaRPr lang="zh-CN" altLang="en-US"/>
           </a:p>
@@ -2408,13 +2093,7 @@
       </p:sp>
       <p:sp>
         <p:nvSpPr>
-          <p:cNvPr id="6" name="页脚占位符 5">
-            <a:extLst>
-              <a:ext uri="{FF2B5EF4-FFF2-40B4-BE49-F238E27FC236}">
-                <a16:creationId xmlns:a16="http://schemas.microsoft.com/office/drawing/2014/main" id="{5D376095-6AED-4DF6-BC37-FD3793E6EC16}"/>
-              </a:ext>
-            </a:extLst>
-          </p:cNvPr>
+          <p:cNvPr id="6" name="页脚占位符 5"/>
           <p:cNvSpPr>
             <a:spLocks noGrp="1"/>
           </p:cNvSpPr>
@@ -2433,13 +2112,7 @@
       </p:sp>
       <p:sp>
         <p:nvSpPr>
-          <p:cNvPr id="7" name="灯片编号占位符 6">
-            <a:extLst>
-              <a:ext uri="{FF2B5EF4-FFF2-40B4-BE49-F238E27FC236}">
-                <a16:creationId xmlns:a16="http://schemas.microsoft.com/office/drawing/2014/main" id="{9B6091D9-3D77-45A7-99D9-96F58AF10B37}"/>
-              </a:ext>
-            </a:extLst>
-          </p:cNvPr>
+          <p:cNvPr id="7" name="灯片编号占位符 6"/>
           <p:cNvSpPr>
             <a:spLocks noGrp="1"/>
           </p:cNvSpPr>
@@ -2454,18 +2127,12 @@
           <a:p>
             <a:fld id="{B2764535-6214-432F-9B1C-CE328A8DF3FC}" type="slidenum">
               <a:rPr lang="zh-CN" altLang="en-US" smtClean="0"/>
-              <a:t>‹#›</a:t>
             </a:fld>
             <a:endParaRPr lang="zh-CN" altLang="en-US"/>
           </a:p>
         </p:txBody>
       </p:sp>
     </p:spTree>
-    <p:extLst>
-      <p:ext uri="{BB962C8B-B14F-4D97-AF65-F5344CB8AC3E}">
-        <p14:creationId xmlns:p14="http://schemas.microsoft.com/office/powerpoint/2010/main" val="376919318"/>
-      </p:ext>
-    </p:extLst>
   </p:cSld>
   <p:clrMapOvr>
     <a:masterClrMapping/>
@@ -2492,13 +2159,7 @@
       </p:grpSpPr>
       <p:sp>
         <p:nvSpPr>
-          <p:cNvPr id="2" name="标题 1">
-            <a:extLst>
-              <a:ext uri="{FF2B5EF4-FFF2-40B4-BE49-F238E27FC236}">
-                <a16:creationId xmlns:a16="http://schemas.microsoft.com/office/drawing/2014/main" id="{E46236FD-3FE6-473D-AA4B-5476D3ECC9A0}"/>
-              </a:ext>
-            </a:extLst>
-          </p:cNvPr>
+          <p:cNvPr id="2" name="标题 1"/>
           <p:cNvSpPr>
             <a:spLocks noGrp="1"/>
           </p:cNvSpPr>
@@ -2524,18 +2185,13 @@
               <a:rPr lang="zh-CN" altLang="en-US"/>
               <a:t>单击此处编辑母版标题样式</a:t>
             </a:r>
-          </a:p>
-        </p:txBody>
-      </p:sp>
-      <p:sp>
-        <p:nvSpPr>
-          <p:cNvPr id="3" name="图片占位符 2">
-            <a:extLst>
-              <a:ext uri="{FF2B5EF4-FFF2-40B4-BE49-F238E27FC236}">
-                <a16:creationId xmlns:a16="http://schemas.microsoft.com/office/drawing/2014/main" id="{E7388481-E40F-46A0-801F-3938B803428F}"/>
-              </a:ext>
-            </a:extLst>
-          </p:cNvPr>
+            <a:endParaRPr lang="zh-CN" altLang="en-US"/>
+          </a:p>
+        </p:txBody>
+      </p:sp>
+      <p:sp>
+        <p:nvSpPr>
+          <p:cNvPr id="3" name="图片占位符 2"/>
           <p:cNvSpPr>
             <a:spLocks noGrp="1"/>
           </p:cNvSpPr>
@@ -2596,13 +2252,7 @@
       </p:sp>
       <p:sp>
         <p:nvSpPr>
-          <p:cNvPr id="4" name="文本占位符 3">
-            <a:extLst>
-              <a:ext uri="{FF2B5EF4-FFF2-40B4-BE49-F238E27FC236}">
-                <a16:creationId xmlns:a16="http://schemas.microsoft.com/office/drawing/2014/main" id="{06C5A918-61AE-4518-9393-0DAD28F06928}"/>
-              </a:ext>
-            </a:extLst>
-          </p:cNvPr>
+          <p:cNvPr id="4" name="文本占位符 3"/>
           <p:cNvSpPr>
             <a:spLocks noGrp="1"/>
           </p:cNvSpPr>
@@ -2662,18 +2312,13 @@
               <a:rPr lang="zh-CN" altLang="en-US"/>
               <a:t>单击此处编辑母版文本样式</a:t>
             </a:r>
-          </a:p>
-        </p:txBody>
-      </p:sp>
-      <p:sp>
-        <p:nvSpPr>
-          <p:cNvPr id="5" name="日期占位符 4">
-            <a:extLst>
-              <a:ext uri="{FF2B5EF4-FFF2-40B4-BE49-F238E27FC236}">
-                <a16:creationId xmlns:a16="http://schemas.microsoft.com/office/drawing/2014/main" id="{930EFCA6-E4A7-4F4E-A17E-7A8AEA2A3A87}"/>
-              </a:ext>
-            </a:extLst>
-          </p:cNvPr>
+            <a:endParaRPr lang="zh-CN" altLang="en-US"/>
+          </a:p>
+        </p:txBody>
+      </p:sp>
+      <p:sp>
+        <p:nvSpPr>
+          <p:cNvPr id="5" name="日期占位符 4"/>
           <p:cNvSpPr>
             <a:spLocks noGrp="1"/>
           </p:cNvSpPr>
@@ -2688,7 +2333,6 @@
           <a:p>
             <a:fld id="{5A6213AF-A7A8-4C82-BA88-8195733A93B3}" type="datetimeFigureOut">
               <a:rPr lang="zh-CN" altLang="en-US" smtClean="0"/>
-              <a:t>2020/1/14</a:t>
             </a:fld>
             <a:endParaRPr lang="zh-CN" altLang="en-US"/>
           </a:p>
@@ -2696,13 +2340,7 @@
       </p:sp>
       <p:sp>
         <p:nvSpPr>
-          <p:cNvPr id="6" name="页脚占位符 5">
-            <a:extLst>
-              <a:ext uri="{FF2B5EF4-FFF2-40B4-BE49-F238E27FC236}">
-                <a16:creationId xmlns:a16="http://schemas.microsoft.com/office/drawing/2014/main" id="{1C0D33FD-7D07-483A-B459-D18D1CEADE87}"/>
-              </a:ext>
-            </a:extLst>
-          </p:cNvPr>
+          <p:cNvPr id="6" name="页脚占位符 5"/>
           <p:cNvSpPr>
             <a:spLocks noGrp="1"/>
           </p:cNvSpPr>
@@ -2721,13 +2359,7 @@
       </p:sp>
       <p:sp>
         <p:nvSpPr>
-          <p:cNvPr id="7" name="灯片编号占位符 6">
-            <a:extLst>
-              <a:ext uri="{FF2B5EF4-FFF2-40B4-BE49-F238E27FC236}">
-                <a16:creationId xmlns:a16="http://schemas.microsoft.com/office/drawing/2014/main" id="{B0C7E52E-D093-4ACE-877C-C2E3BA46BC6F}"/>
-              </a:ext>
-            </a:extLst>
-          </p:cNvPr>
+          <p:cNvPr id="7" name="灯片编号占位符 6"/>
           <p:cNvSpPr>
             <a:spLocks noGrp="1"/>
           </p:cNvSpPr>
@@ -2742,18 +2374,12 @@
           <a:p>
             <a:fld id="{B2764535-6214-432F-9B1C-CE328A8DF3FC}" type="slidenum">
               <a:rPr lang="zh-CN" altLang="en-US" smtClean="0"/>
-              <a:t>‹#›</a:t>
             </a:fld>
             <a:endParaRPr lang="zh-CN" altLang="en-US"/>
           </a:p>
         </p:txBody>
       </p:sp>
     </p:spTree>
-    <p:extLst>
-      <p:ext uri="{BB962C8B-B14F-4D97-AF65-F5344CB8AC3E}">
-        <p14:creationId xmlns:p14="http://schemas.microsoft.com/office/powerpoint/2010/main" val="1569862470"/>
-      </p:ext>
-    </p:extLst>
   </p:cSld>
   <p:clrMapOvr>
     <a:masterClrMapping/>
@@ -2785,13 +2411,7 @@
       </p:grpSpPr>
       <p:sp>
         <p:nvSpPr>
-          <p:cNvPr id="2" name="标题占位符 1">
-            <a:extLst>
-              <a:ext uri="{FF2B5EF4-FFF2-40B4-BE49-F238E27FC236}">
-                <a16:creationId xmlns:a16="http://schemas.microsoft.com/office/drawing/2014/main" id="{F0D82039-21A2-4C46-98DB-080B5D54910C}"/>
-              </a:ext>
-            </a:extLst>
-          </p:cNvPr>
+          <p:cNvPr id="2" name="标题占位符 1"/>
           <p:cNvSpPr>
             <a:spLocks noGrp="1"/>
           </p:cNvSpPr>
@@ -2818,18 +2438,13 @@
               <a:rPr lang="zh-CN" altLang="en-US"/>
               <a:t>单击此处编辑母版标题样式</a:t>
             </a:r>
-          </a:p>
-        </p:txBody>
-      </p:sp>
-      <p:sp>
-        <p:nvSpPr>
-          <p:cNvPr id="3" name="文本占位符 2">
-            <a:extLst>
-              <a:ext uri="{FF2B5EF4-FFF2-40B4-BE49-F238E27FC236}">
-                <a16:creationId xmlns:a16="http://schemas.microsoft.com/office/drawing/2014/main" id="{257EE347-2DE0-4337-B8BA-F96DDC8ECEFD}"/>
-              </a:ext>
-            </a:extLst>
-          </p:cNvPr>
+            <a:endParaRPr lang="zh-CN" altLang="en-US"/>
+          </a:p>
+        </p:txBody>
+      </p:sp>
+      <p:sp>
+        <p:nvSpPr>
+          <p:cNvPr id="3" name="文本占位符 2"/>
           <p:cNvSpPr>
             <a:spLocks noGrp="1"/>
           </p:cNvSpPr>
@@ -2857,6 +2472,7 @@
               <a:rPr lang="zh-CN" altLang="en-US"/>
               <a:t>单击此处编辑母版文本样式</a:t>
             </a:r>
+            <a:endParaRPr lang="zh-CN" altLang="en-US"/>
           </a:p>
           <a:p>
             <a:pPr lvl="1"/>
@@ -2864,6 +2480,7 @@
               <a:rPr lang="zh-CN" altLang="en-US"/>
               <a:t>二级</a:t>
             </a:r>
+            <a:endParaRPr lang="zh-CN" altLang="en-US"/>
           </a:p>
           <a:p>
             <a:pPr lvl="2"/>
@@ -2871,6 +2488,7 @@
               <a:rPr lang="zh-CN" altLang="en-US"/>
               <a:t>三级</a:t>
             </a:r>
+            <a:endParaRPr lang="zh-CN" altLang="en-US"/>
           </a:p>
           <a:p>
             <a:pPr lvl="3"/>
@@ -2878,6 +2496,7 @@
               <a:rPr lang="zh-CN" altLang="en-US"/>
               <a:t>四级</a:t>
             </a:r>
+            <a:endParaRPr lang="zh-CN" altLang="en-US"/>
           </a:p>
           <a:p>
             <a:pPr lvl="4"/>
@@ -2885,18 +2504,13 @@
               <a:rPr lang="zh-CN" altLang="en-US"/>
               <a:t>五级</a:t>
             </a:r>
-          </a:p>
-        </p:txBody>
-      </p:sp>
-      <p:sp>
-        <p:nvSpPr>
-          <p:cNvPr id="4" name="日期占位符 3">
-            <a:extLst>
-              <a:ext uri="{FF2B5EF4-FFF2-40B4-BE49-F238E27FC236}">
-                <a16:creationId xmlns:a16="http://schemas.microsoft.com/office/drawing/2014/main" id="{D13385FA-6FCE-456F-9FBB-0F90EF9FC7C2}"/>
-              </a:ext>
-            </a:extLst>
-          </p:cNvPr>
+            <a:endParaRPr lang="zh-CN" altLang="en-US"/>
+          </a:p>
+        </p:txBody>
+      </p:sp>
+      <p:sp>
+        <p:nvSpPr>
+          <p:cNvPr id="4" name="日期占位符 3"/>
           <p:cNvSpPr>
             <a:spLocks noGrp="1"/>
           </p:cNvSpPr>
@@ -2929,7 +2543,6 @@
           <a:p>
             <a:fld id="{5A6213AF-A7A8-4C82-BA88-8195733A93B3}" type="datetimeFigureOut">
               <a:rPr lang="zh-CN" altLang="en-US" smtClean="0"/>
-              <a:t>2020/1/14</a:t>
             </a:fld>
             <a:endParaRPr lang="zh-CN" altLang="en-US"/>
           </a:p>
@@ -2937,13 +2550,7 @@
       </p:sp>
       <p:sp>
         <p:nvSpPr>
-          <p:cNvPr id="5" name="页脚占位符 4">
-            <a:extLst>
-              <a:ext uri="{FF2B5EF4-FFF2-40B4-BE49-F238E27FC236}">
-                <a16:creationId xmlns:a16="http://schemas.microsoft.com/office/drawing/2014/main" id="{6347CAA8-8566-4709-9041-17F339FED865}"/>
-              </a:ext>
-            </a:extLst>
-          </p:cNvPr>
+          <p:cNvPr id="5" name="页脚占位符 4"/>
           <p:cNvSpPr>
             <a:spLocks noGrp="1"/>
           </p:cNvSpPr>
@@ -2980,13 +2587,7 @@
       </p:sp>
       <p:sp>
         <p:nvSpPr>
-          <p:cNvPr id="6" name="灯片编号占位符 5">
-            <a:extLst>
-              <a:ext uri="{FF2B5EF4-FFF2-40B4-BE49-F238E27FC236}">
-                <a16:creationId xmlns:a16="http://schemas.microsoft.com/office/drawing/2014/main" id="{BC87B515-65A7-444C-9473-496C22E49E94}"/>
-              </a:ext>
-            </a:extLst>
-          </p:cNvPr>
+          <p:cNvPr id="6" name="灯片编号占位符 5"/>
           <p:cNvSpPr>
             <a:spLocks noGrp="1"/>
           </p:cNvSpPr>
@@ -3019,18 +2620,12 @@
           <a:p>
             <a:fld id="{B2764535-6214-432F-9B1C-CE328A8DF3FC}" type="slidenum">
               <a:rPr lang="zh-CN" altLang="en-US" smtClean="0"/>
-              <a:t>‹#›</a:t>
             </a:fld>
             <a:endParaRPr lang="zh-CN" altLang="en-US"/>
           </a:p>
         </p:txBody>
       </p:sp>
     </p:spTree>
-    <p:extLst>
-      <p:ext uri="{BB962C8B-B14F-4D97-AF65-F5344CB8AC3E}">
-        <p14:creationId xmlns:p14="http://schemas.microsoft.com/office/powerpoint/2010/main" val="1644303696"/>
-      </p:ext>
-    </p:extLst>
   </p:cSld>
   <p:clrMap bg1="lt1" tx1="dk1" bg2="lt2" tx2="dk2" accent1="accent1" accent2="accent2" accent3="accent3" accent4="accent4" accent5="accent5" accent6="accent6" hlink="hlink" folHlink="folHlink"/>
   <p:sldLayoutIdLst>
@@ -3348,13 +2943,7 @@
       </p:grpSpPr>
       <p:sp>
         <p:nvSpPr>
-          <p:cNvPr id="2" name="标题 1">
-            <a:extLst>
-              <a:ext uri="{FF2B5EF4-FFF2-40B4-BE49-F238E27FC236}">
-                <a16:creationId xmlns:a16="http://schemas.microsoft.com/office/drawing/2014/main" id="{22AF1208-BB5C-4DCE-AB0B-4735BCC67052}"/>
-              </a:ext>
-            </a:extLst>
-          </p:cNvPr>
+          <p:cNvPr id="2" name="标题 1"/>
           <p:cNvSpPr>
             <a:spLocks noGrp="1"/>
           </p:cNvSpPr>
@@ -3382,13 +2971,7 @@
       </p:sp>
       <p:sp>
         <p:nvSpPr>
-          <p:cNvPr id="3" name="副标题 2">
-            <a:extLst>
-              <a:ext uri="{FF2B5EF4-FFF2-40B4-BE49-F238E27FC236}">
-                <a16:creationId xmlns:a16="http://schemas.microsoft.com/office/drawing/2014/main" id="{BCC8F04A-F366-4D75-AD40-AD32251D7BDD}"/>
-              </a:ext>
-            </a:extLst>
-          </p:cNvPr>
+          <p:cNvPr id="3" name="副标题 2"/>
           <p:cNvSpPr>
             <a:spLocks noGrp="1"/>
           </p:cNvSpPr>
@@ -3405,15 +2988,11 @@
               <a:rPr lang="zh-CN" altLang="en-US" dirty="0"/>
               <a:t>扫描问题及解决</a:t>
             </a:r>
+            <a:endParaRPr lang="zh-CN" altLang="en-US" dirty="0"/>
           </a:p>
         </p:txBody>
       </p:sp>
     </p:spTree>
-    <p:extLst>
-      <p:ext uri="{BB962C8B-B14F-4D97-AF65-F5344CB8AC3E}">
-        <p14:creationId xmlns:p14="http://schemas.microsoft.com/office/powerpoint/2010/main" val="3446052535"/>
-      </p:ext>
-    </p:extLst>
   </p:cSld>
   <p:clrMapOvr>
     <a:masterClrMapping/>
@@ -3440,13 +3019,7 @@
       </p:grpSpPr>
       <p:sp>
         <p:nvSpPr>
-          <p:cNvPr id="2" name="标题 1">
-            <a:extLst>
-              <a:ext uri="{FF2B5EF4-FFF2-40B4-BE49-F238E27FC236}">
-                <a16:creationId xmlns:a16="http://schemas.microsoft.com/office/drawing/2014/main" id="{277C3EF6-1452-43F3-974C-10C8FEF53107}"/>
-              </a:ext>
-            </a:extLst>
-          </p:cNvPr>
+          <p:cNvPr id="2" name="标题 1"/>
           <p:cNvSpPr>
             <a:spLocks noGrp="1"/>
           </p:cNvSpPr>
@@ -3469,13 +3042,7 @@
       </p:sp>
       <p:sp>
         <p:nvSpPr>
-          <p:cNvPr id="4" name="文本框 3">
-            <a:extLst>
-              <a:ext uri="{FF2B5EF4-FFF2-40B4-BE49-F238E27FC236}">
-                <a16:creationId xmlns:a16="http://schemas.microsoft.com/office/drawing/2014/main" id="{FE6C1187-DFEB-46BF-882B-6591B2508DD6}"/>
-              </a:ext>
-            </a:extLst>
-          </p:cNvPr>
+          <p:cNvPr id="4" name="文本框 3"/>
           <p:cNvSpPr txBox="1"/>
           <p:nvPr/>
         </p:nvSpPr>
@@ -3503,18 +3070,13 @@
               <a:rPr lang="zh-CN" altLang="en-US" dirty="0"/>
               <a:t>主要</a:t>
             </a:r>
-          </a:p>
-        </p:txBody>
-      </p:sp>
-      <p:sp>
-        <p:nvSpPr>
-          <p:cNvPr id="12" name="文本框 11">
-            <a:extLst>
-              <a:ext uri="{FF2B5EF4-FFF2-40B4-BE49-F238E27FC236}">
-                <a16:creationId xmlns:a16="http://schemas.microsoft.com/office/drawing/2014/main" id="{F0FEB908-B3B1-4CA8-9632-7C97ADE668AA}"/>
-              </a:ext>
-            </a:extLst>
-          </p:cNvPr>
+            <a:endParaRPr lang="zh-CN" altLang="en-US" dirty="0"/>
+          </a:p>
+        </p:txBody>
+      </p:sp>
+      <p:sp>
+        <p:nvSpPr>
+          <p:cNvPr id="12" name="文本框 11"/>
           <p:cNvSpPr txBox="1"/>
           <p:nvPr/>
         </p:nvSpPr>
@@ -3549,25 +3111,20 @@
               <a:rPr lang="zh-CN" altLang="en-US" dirty="0"/>
               <a:t>手动强转类型</a:t>
             </a:r>
+            <a:endParaRPr lang="zh-CN" altLang="en-US" dirty="0"/>
           </a:p>
         </p:txBody>
       </p:sp>
       <p:pic>
         <p:nvPicPr>
-          <p:cNvPr id="3" name="图片 2">
-            <a:extLst>
-              <a:ext uri="{FF2B5EF4-FFF2-40B4-BE49-F238E27FC236}">
-                <a16:creationId xmlns:a16="http://schemas.microsoft.com/office/drawing/2014/main" id="{2CEDB773-8620-4C65-B9DF-B164A995DF5E}"/>
-              </a:ext>
-            </a:extLst>
-          </p:cNvPr>
+          <p:cNvPr id="3" name="图片 2"/>
           <p:cNvPicPr>
             <a:picLocks noChangeAspect="1"/>
           </p:cNvPicPr>
           <p:nvPr/>
         </p:nvPicPr>
         <p:blipFill>
-          <a:blip r:embed="rId2"/>
+          <a:blip r:embed="rId1"/>
           <a:stretch>
             <a:fillRect/>
           </a:stretch>
@@ -3584,13 +3141,7 @@
       </p:pic>
       <p:sp>
         <p:nvSpPr>
-          <p:cNvPr id="9" name="Rectangle 3">
-            <a:extLst>
-              <a:ext uri="{FF2B5EF4-FFF2-40B4-BE49-F238E27FC236}">
-                <a16:creationId xmlns:a16="http://schemas.microsoft.com/office/drawing/2014/main" id="{DA02884E-B896-4A93-B89F-17DBEEF32A21}"/>
-              </a:ext>
-            </a:extLst>
-          </p:cNvPr>
+          <p:cNvPr id="9" name="Rectangle 3"/>
           <p:cNvSpPr>
             <a:spLocks noChangeArrowheads="1"/>
           </p:cNvSpPr>
@@ -3635,9 +3186,6 @@
         </p:spPr>
         <p:txBody>
           <a:bodyPr vert="horz" wrap="square" lIns="253920" tIns="31740" rIns="0" bIns="15870" numCol="1" anchor="ctr" anchorCtr="0" compatLnSpc="1">
-            <a:prstTxWarp prst="textNoShape">
-              <a:avLst/>
-            </a:prstTxWarp>
             <a:spAutoFit/>
           </a:bodyPr>
           <a:lstStyle>
@@ -3780,13 +3328,7 @@
       </p:sp>
       <p:sp>
         <p:nvSpPr>
-          <p:cNvPr id="8" name="矩形 7">
-            <a:extLst>
-              <a:ext uri="{FF2B5EF4-FFF2-40B4-BE49-F238E27FC236}">
-                <a16:creationId xmlns:a16="http://schemas.microsoft.com/office/drawing/2014/main" id="{38712485-113B-4673-BF21-6859E0DCAE2E}"/>
-              </a:ext>
-            </a:extLst>
-          </p:cNvPr>
+          <p:cNvPr id="8" name="矩形 7"/>
           <p:cNvSpPr/>
           <p:nvPr/>
         </p:nvSpPr>
@@ -3832,6 +3374,12 @@
               </a:rPr>
               <a:t>".</a:t>
             </a:r>
+            <a:endParaRPr lang="en-US" altLang="zh-CN" b="1" dirty="0">
+              <a:solidFill>
+                <a:srgbClr val="444444"/>
+              </a:solidFill>
+              <a:latin typeface="Helvetica Neue"/>
+            </a:endParaRPr>
           </a:p>
           <a:p>
             <a:r>
@@ -3850,25 +3398,20 @@
               <a:rPr lang="zh-CN" altLang="en-US" dirty="0"/>
               <a:t>。</a:t>
             </a:r>
+            <a:endParaRPr lang="zh-CN" altLang="en-US" dirty="0"/>
           </a:p>
         </p:txBody>
       </p:sp>
       <p:pic>
         <p:nvPicPr>
-          <p:cNvPr id="10" name="图片 9">
-            <a:extLst>
-              <a:ext uri="{FF2B5EF4-FFF2-40B4-BE49-F238E27FC236}">
-                <a16:creationId xmlns:a16="http://schemas.microsoft.com/office/drawing/2014/main" id="{AFEDBA5A-B94D-4197-A1AB-200780E07631}"/>
-              </a:ext>
-            </a:extLst>
-          </p:cNvPr>
+          <p:cNvPr id="10" name="图片 9"/>
           <p:cNvPicPr>
             <a:picLocks noChangeAspect="1"/>
           </p:cNvPicPr>
           <p:nvPr/>
         </p:nvPicPr>
         <p:blipFill>
-          <a:blip r:embed="rId3"/>
+          <a:blip r:embed="rId2"/>
           <a:stretch>
             <a:fillRect/>
           </a:stretch>
@@ -3884,11 +3427,6 @@
         </p:spPr>
       </p:pic>
     </p:spTree>
-    <p:extLst>
-      <p:ext uri="{BB962C8B-B14F-4D97-AF65-F5344CB8AC3E}">
-        <p14:creationId xmlns:p14="http://schemas.microsoft.com/office/powerpoint/2010/main" val="4116443718"/>
-      </p:ext>
-    </p:extLst>
   </p:cSld>
   <p:clrMapOvr>
     <a:masterClrMapping/>
@@ -3915,13 +3453,7 @@
       </p:grpSpPr>
       <p:sp>
         <p:nvSpPr>
-          <p:cNvPr id="2" name="标题 1">
-            <a:extLst>
-              <a:ext uri="{FF2B5EF4-FFF2-40B4-BE49-F238E27FC236}">
-                <a16:creationId xmlns:a16="http://schemas.microsoft.com/office/drawing/2014/main" id="{277C3EF6-1452-43F3-974C-10C8FEF53107}"/>
-              </a:ext>
-            </a:extLst>
-          </p:cNvPr>
+          <p:cNvPr id="2" name="标题 1"/>
           <p:cNvSpPr>
             <a:spLocks noGrp="1"/>
           </p:cNvSpPr>
@@ -3944,13 +3476,7 @@
       </p:sp>
       <p:sp>
         <p:nvSpPr>
-          <p:cNvPr id="4" name="文本框 3">
-            <a:extLst>
-              <a:ext uri="{FF2B5EF4-FFF2-40B4-BE49-F238E27FC236}">
-                <a16:creationId xmlns:a16="http://schemas.microsoft.com/office/drawing/2014/main" id="{FE6C1187-DFEB-46BF-882B-6591B2508DD6}"/>
-              </a:ext>
-            </a:extLst>
-          </p:cNvPr>
+          <p:cNvPr id="4" name="文本框 3"/>
           <p:cNvSpPr txBox="1"/>
           <p:nvPr/>
         </p:nvSpPr>
@@ -3978,18 +3504,13 @@
               <a:rPr lang="zh-CN" altLang="en-US" dirty="0"/>
               <a:t>主要</a:t>
             </a:r>
-          </a:p>
-        </p:txBody>
-      </p:sp>
-      <p:sp>
-        <p:nvSpPr>
-          <p:cNvPr id="12" name="文本框 11">
-            <a:extLst>
-              <a:ext uri="{FF2B5EF4-FFF2-40B4-BE49-F238E27FC236}">
-                <a16:creationId xmlns:a16="http://schemas.microsoft.com/office/drawing/2014/main" id="{F0FEB908-B3B1-4CA8-9632-7C97ADE668AA}"/>
-              </a:ext>
-            </a:extLst>
-          </p:cNvPr>
+            <a:endParaRPr lang="zh-CN" altLang="en-US" dirty="0"/>
+          </a:p>
+        </p:txBody>
+      </p:sp>
+      <p:sp>
+        <p:nvSpPr>
+          <p:cNvPr id="12" name="文本框 11"/>
           <p:cNvSpPr txBox="1"/>
           <p:nvPr/>
         </p:nvSpPr>
@@ -4024,25 +3545,20 @@
               <a:rPr lang="zh-CN" altLang="en-US" dirty="0"/>
               <a:t>保证条件表达式结果不能相同</a:t>
             </a:r>
+            <a:endParaRPr lang="zh-CN" altLang="en-US" dirty="0"/>
           </a:p>
         </p:txBody>
       </p:sp>
       <p:pic>
         <p:nvPicPr>
-          <p:cNvPr id="3" name="图片 2">
-            <a:extLst>
-              <a:ext uri="{FF2B5EF4-FFF2-40B4-BE49-F238E27FC236}">
-                <a16:creationId xmlns:a16="http://schemas.microsoft.com/office/drawing/2014/main" id="{2CEDB773-8620-4C65-B9DF-B164A995DF5E}"/>
-              </a:ext>
-            </a:extLst>
-          </p:cNvPr>
+          <p:cNvPr id="3" name="图片 2"/>
           <p:cNvPicPr>
             <a:picLocks noChangeAspect="1"/>
           </p:cNvPicPr>
           <p:nvPr/>
         </p:nvPicPr>
         <p:blipFill>
-          <a:blip r:embed="rId2"/>
+          <a:blip r:embed="rId1"/>
           <a:stretch>
             <a:fillRect/>
           </a:stretch>
@@ -4059,13 +3575,7 @@
       </p:pic>
       <p:sp>
         <p:nvSpPr>
-          <p:cNvPr id="9" name="Rectangle 3">
-            <a:extLst>
-              <a:ext uri="{FF2B5EF4-FFF2-40B4-BE49-F238E27FC236}">
-                <a16:creationId xmlns:a16="http://schemas.microsoft.com/office/drawing/2014/main" id="{DA02884E-B896-4A93-B89F-17DBEEF32A21}"/>
-              </a:ext>
-            </a:extLst>
-          </p:cNvPr>
+          <p:cNvPr id="9" name="Rectangle 3"/>
           <p:cNvSpPr>
             <a:spLocks noChangeArrowheads="1"/>
           </p:cNvSpPr>
@@ -4110,9 +3620,6 @@
         </p:spPr>
         <p:txBody>
           <a:bodyPr vert="horz" wrap="square" lIns="253920" tIns="31740" rIns="0" bIns="15870" numCol="1" anchor="ctr" anchorCtr="0" compatLnSpc="1">
-            <a:prstTxWarp prst="textNoShape">
-              <a:avLst/>
-            </a:prstTxWarp>
             <a:spAutoFit/>
           </a:bodyPr>
           <a:lstStyle>
@@ -4267,13 +3774,7 @@
       </p:sp>
       <p:sp>
         <p:nvSpPr>
-          <p:cNvPr id="8" name="矩形 7">
-            <a:extLst>
-              <a:ext uri="{FF2B5EF4-FFF2-40B4-BE49-F238E27FC236}">
-                <a16:creationId xmlns:a16="http://schemas.microsoft.com/office/drawing/2014/main" id="{CA99F93A-6C1B-4EB2-BBD1-63730C76831F}"/>
-              </a:ext>
-            </a:extLst>
-          </p:cNvPr>
+          <p:cNvPr id="8" name="矩形 7"/>
           <p:cNvSpPr/>
           <p:nvPr/>
         </p:nvSpPr>
@@ -4301,6 +3802,12 @@
               </a:rPr>
               <a:t>This branch can not be reached because the condition duplicates a previous condition in the same sequence of "if/else if" statements</a:t>
             </a:r>
+            <a:endParaRPr lang="en-US" altLang="zh-CN" b="1" dirty="0">
+              <a:solidFill>
+                <a:srgbClr val="444444"/>
+              </a:solidFill>
+              <a:latin typeface="Helvetica Neue"/>
+            </a:endParaRPr>
           </a:p>
           <a:p>
             <a:r>
@@ -4335,11 +3842,6 @@
         </p:txBody>
       </p:sp>
     </p:spTree>
-    <p:extLst>
-      <p:ext uri="{BB962C8B-B14F-4D97-AF65-F5344CB8AC3E}">
-        <p14:creationId xmlns:p14="http://schemas.microsoft.com/office/powerpoint/2010/main" val="277317079"/>
-      </p:ext>
-    </p:extLst>
   </p:cSld>
   <p:clrMapOvr>
     <a:masterClrMapping/>
@@ -4366,13 +3868,7 @@
       </p:grpSpPr>
       <p:sp>
         <p:nvSpPr>
-          <p:cNvPr id="2" name="标题 1">
-            <a:extLst>
-              <a:ext uri="{FF2B5EF4-FFF2-40B4-BE49-F238E27FC236}">
-                <a16:creationId xmlns:a16="http://schemas.microsoft.com/office/drawing/2014/main" id="{277C3EF6-1452-43F3-974C-10C8FEF53107}"/>
-              </a:ext>
-            </a:extLst>
-          </p:cNvPr>
+          <p:cNvPr id="2" name="标题 1"/>
           <p:cNvSpPr>
             <a:spLocks noGrp="1"/>
           </p:cNvSpPr>
@@ -4395,13 +3891,7 @@
       </p:sp>
       <p:sp>
         <p:nvSpPr>
-          <p:cNvPr id="4" name="文本框 3">
-            <a:extLst>
-              <a:ext uri="{FF2B5EF4-FFF2-40B4-BE49-F238E27FC236}">
-                <a16:creationId xmlns:a16="http://schemas.microsoft.com/office/drawing/2014/main" id="{FE6C1187-DFEB-46BF-882B-6591B2508DD6}"/>
-              </a:ext>
-            </a:extLst>
-          </p:cNvPr>
+          <p:cNvPr id="4" name="文本框 3"/>
           <p:cNvSpPr txBox="1"/>
           <p:nvPr/>
         </p:nvSpPr>
@@ -4429,18 +3919,13 @@
               <a:rPr lang="zh-CN" altLang="en-US" dirty="0"/>
               <a:t>主要</a:t>
             </a:r>
-          </a:p>
-        </p:txBody>
-      </p:sp>
-      <p:sp>
-        <p:nvSpPr>
-          <p:cNvPr id="12" name="文本框 11">
-            <a:extLst>
-              <a:ext uri="{FF2B5EF4-FFF2-40B4-BE49-F238E27FC236}">
-                <a16:creationId xmlns:a16="http://schemas.microsoft.com/office/drawing/2014/main" id="{F0FEB908-B3B1-4CA8-9632-7C97ADE668AA}"/>
-              </a:ext>
-            </a:extLst>
-          </p:cNvPr>
+            <a:endParaRPr lang="zh-CN" altLang="en-US" dirty="0"/>
+          </a:p>
+        </p:txBody>
+      </p:sp>
+      <p:sp>
+        <p:nvSpPr>
+          <p:cNvPr id="12" name="文本框 11"/>
           <p:cNvSpPr txBox="1"/>
           <p:nvPr/>
         </p:nvSpPr>
@@ -4475,25 +3960,20 @@
               <a:rPr lang="zh-CN" altLang="en-US" dirty="0"/>
               <a:t>省略多余的比较</a:t>
             </a:r>
+            <a:endParaRPr lang="zh-CN" altLang="en-US" dirty="0"/>
           </a:p>
         </p:txBody>
       </p:sp>
       <p:pic>
         <p:nvPicPr>
-          <p:cNvPr id="3" name="图片 2">
-            <a:extLst>
-              <a:ext uri="{FF2B5EF4-FFF2-40B4-BE49-F238E27FC236}">
-                <a16:creationId xmlns:a16="http://schemas.microsoft.com/office/drawing/2014/main" id="{2CEDB773-8620-4C65-B9DF-B164A995DF5E}"/>
-              </a:ext>
-            </a:extLst>
-          </p:cNvPr>
+          <p:cNvPr id="3" name="图片 2"/>
           <p:cNvPicPr>
             <a:picLocks noChangeAspect="1"/>
           </p:cNvPicPr>
           <p:nvPr/>
         </p:nvPicPr>
         <p:blipFill>
-          <a:blip r:embed="rId2"/>
+          <a:blip r:embed="rId1"/>
           <a:stretch>
             <a:fillRect/>
           </a:stretch>
@@ -4510,13 +3990,7 @@
       </p:pic>
       <p:sp>
         <p:nvSpPr>
-          <p:cNvPr id="9" name="Rectangle 3">
-            <a:extLst>
-              <a:ext uri="{FF2B5EF4-FFF2-40B4-BE49-F238E27FC236}">
-                <a16:creationId xmlns:a16="http://schemas.microsoft.com/office/drawing/2014/main" id="{DA02884E-B896-4A93-B89F-17DBEEF32A21}"/>
-              </a:ext>
-            </a:extLst>
-          </p:cNvPr>
+          <p:cNvPr id="9" name="Rectangle 3"/>
           <p:cNvSpPr>
             <a:spLocks noChangeArrowheads="1"/>
           </p:cNvSpPr>
@@ -4561,9 +4035,6 @@
         </p:spPr>
         <p:txBody>
           <a:bodyPr vert="horz" wrap="square" lIns="253920" tIns="31740" rIns="0" bIns="15870" numCol="1" anchor="ctr" anchorCtr="0" compatLnSpc="1">
-            <a:prstTxWarp prst="textNoShape">
-              <a:avLst/>
-            </a:prstTxWarp>
             <a:spAutoFit/>
           </a:bodyPr>
           <a:lstStyle>
@@ -4706,13 +4177,7 @@
       </p:sp>
       <p:sp>
         <p:nvSpPr>
-          <p:cNvPr id="7" name="矩形 6">
-            <a:extLst>
-              <a:ext uri="{FF2B5EF4-FFF2-40B4-BE49-F238E27FC236}">
-                <a16:creationId xmlns:a16="http://schemas.microsoft.com/office/drawing/2014/main" id="{DB7AA049-0A40-410D-9D7D-1CA2B8AC5E0B}"/>
-              </a:ext>
-            </a:extLst>
-          </p:cNvPr>
+          <p:cNvPr id="7" name="矩形 6"/>
           <p:cNvSpPr/>
           <p:nvPr/>
         </p:nvSpPr>
@@ -4740,6 +4205,12 @@
               </a:rPr>
               <a:t>Remove this call to "equals"; comparisons between unrelated types always return false</a:t>
             </a:r>
+            <a:endParaRPr lang="en-US" altLang="zh-CN" b="1" dirty="0">
+              <a:solidFill>
+                <a:srgbClr val="444444"/>
+              </a:solidFill>
+              <a:latin typeface="Helvetica Neue"/>
+            </a:endParaRPr>
           </a:p>
           <a:p>
             <a:r>
@@ -4783,11 +4254,6 @@
         </p:txBody>
       </p:sp>
     </p:spTree>
-    <p:extLst>
-      <p:ext uri="{BB962C8B-B14F-4D97-AF65-F5344CB8AC3E}">
-        <p14:creationId xmlns:p14="http://schemas.microsoft.com/office/powerpoint/2010/main" val="521117772"/>
-      </p:ext>
-    </p:extLst>
   </p:cSld>
   <p:clrMapOvr>
     <a:masterClrMapping/>
@@ -4814,13 +4280,7 @@
       </p:grpSpPr>
       <p:sp>
         <p:nvSpPr>
-          <p:cNvPr id="2" name="标题 1">
-            <a:extLst>
-              <a:ext uri="{FF2B5EF4-FFF2-40B4-BE49-F238E27FC236}">
-                <a16:creationId xmlns:a16="http://schemas.microsoft.com/office/drawing/2014/main" id="{277C3EF6-1452-43F3-974C-10C8FEF53107}"/>
-              </a:ext>
-            </a:extLst>
-          </p:cNvPr>
+          <p:cNvPr id="2" name="标题 1"/>
           <p:cNvSpPr>
             <a:spLocks noGrp="1"/>
           </p:cNvSpPr>
@@ -4843,13 +4303,7 @@
       </p:sp>
       <p:sp>
         <p:nvSpPr>
-          <p:cNvPr id="4" name="文本框 3">
-            <a:extLst>
-              <a:ext uri="{FF2B5EF4-FFF2-40B4-BE49-F238E27FC236}">
-                <a16:creationId xmlns:a16="http://schemas.microsoft.com/office/drawing/2014/main" id="{FE6C1187-DFEB-46BF-882B-6591B2508DD6}"/>
-              </a:ext>
-            </a:extLst>
-          </p:cNvPr>
+          <p:cNvPr id="4" name="文本框 3"/>
           <p:cNvSpPr txBox="1"/>
           <p:nvPr/>
         </p:nvSpPr>
@@ -4877,18 +4331,71 @@
               <a:rPr lang="zh-CN" altLang="en-US" dirty="0"/>
               <a:t>次要</a:t>
             </a:r>
+            <a:endParaRPr lang="zh-CN" altLang="en-US" dirty="0"/>
           </a:p>
         </p:txBody>
       </p:sp>
       <p:pic>
         <p:nvPicPr>
-          <p:cNvPr id="5" name="图片 4">
-            <a:extLst>
-              <a:ext uri="{FF2B5EF4-FFF2-40B4-BE49-F238E27FC236}">
-                <a16:creationId xmlns:a16="http://schemas.microsoft.com/office/drawing/2014/main" id="{9ED62B86-7C1A-4CA6-AD3F-B3E11B772BD2}"/>
-              </a:ext>
-            </a:extLst>
-          </p:cNvPr>
+          <p:cNvPr id="5" name="图片 4"/>
+          <p:cNvPicPr>
+            <a:picLocks noChangeAspect="1"/>
+          </p:cNvPicPr>
+          <p:nvPr/>
+        </p:nvPicPr>
+        <p:blipFill>
+          <a:blip r:embed="rId1"/>
+          <a:stretch>
+            <a:fillRect/>
+          </a:stretch>
+        </p:blipFill>
+        <p:spPr>
+          <a:xfrm>
+            <a:off x="1589649" y="1484409"/>
+            <a:ext cx="647114" cy="647114"/>
+          </a:xfrm>
+          <a:prstGeom prst="rect">
+            <a:avLst/>
+          </a:prstGeom>
+        </p:spPr>
+      </p:pic>
+      <p:sp>
+        <p:nvSpPr>
+          <p:cNvPr id="13" name="文本框 12"/>
+          <p:cNvSpPr txBox="1"/>
+          <p:nvPr/>
+        </p:nvSpPr>
+        <p:spPr>
+          <a:xfrm>
+            <a:off x="838200" y="3531524"/>
+            <a:ext cx="6716151" cy="369332"/>
+          </a:xfrm>
+          <a:prstGeom prst="rect">
+            <a:avLst/>
+          </a:prstGeom>
+          <a:noFill/>
+        </p:spPr>
+        <p:txBody>
+          <a:bodyPr wrap="square" rtlCol="0">
+            <a:spAutoFit/>
+          </a:bodyPr>
+          <a:lstStyle/>
+          <a:p>
+            <a:r>
+              <a:rPr lang="en-US" altLang="zh-CN" dirty="0" err="1"/>
+              <a:t>Math.abs</a:t>
+            </a:r>
+            <a:r>
+              <a:rPr lang="zh-CN" altLang="en-US" dirty="0"/>
+              <a:t>不一定总返回整数</a:t>
+            </a:r>
+            <a:endParaRPr lang="zh-CN" altLang="en-US" dirty="0"/>
+          </a:p>
+        </p:txBody>
+      </p:sp>
+      <p:pic>
+        <p:nvPicPr>
+          <p:cNvPr id="6" name="图片 5"/>
           <p:cNvPicPr>
             <a:picLocks noChangeAspect="1"/>
           </p:cNvPicPr>
@@ -4902,8 +4409,8 @@
         </p:blipFill>
         <p:spPr>
           <a:xfrm>
-            <a:off x="1589649" y="1484409"/>
-            <a:ext cx="647114" cy="647114"/>
+            <a:off x="2481775" y="1634028"/>
+            <a:ext cx="5541886" cy="407491"/>
           </a:xfrm>
           <a:prstGeom prst="rect">
             <a:avLst/>
@@ -4912,52 +4419,58 @@
       </p:pic>
       <p:sp>
         <p:nvSpPr>
-          <p:cNvPr id="13" name="文本框 12">
-            <a:extLst>
-              <a:ext uri="{FF2B5EF4-FFF2-40B4-BE49-F238E27FC236}">
-                <a16:creationId xmlns:a16="http://schemas.microsoft.com/office/drawing/2014/main" id="{D77B6252-C463-43DA-89B9-A9BAC1F135BB}"/>
-              </a:ext>
-            </a:extLst>
-          </p:cNvPr>
-          <p:cNvSpPr txBox="1"/>
-          <p:nvPr/>
-        </p:nvSpPr>
-        <p:spPr>
-          <a:xfrm>
-            <a:off x="838200" y="3531524"/>
-            <a:ext cx="6716151" cy="369332"/>
-          </a:xfrm>
-          <a:prstGeom prst="rect">
-            <a:avLst/>
-          </a:prstGeom>
-          <a:noFill/>
-        </p:spPr>
-        <p:txBody>
-          <a:bodyPr wrap="square" rtlCol="0">
+          <p:cNvPr id="9" name="矩形 8"/>
+          <p:cNvSpPr/>
+          <p:nvPr/>
+        </p:nvSpPr>
+        <p:spPr>
+          <a:xfrm>
+            <a:off x="838200" y="2517479"/>
+            <a:ext cx="3506088" cy="646331"/>
+          </a:xfrm>
+          <a:prstGeom prst="rect">
+            <a:avLst/>
+          </a:prstGeom>
+        </p:spPr>
+        <p:txBody>
+          <a:bodyPr wrap="none">
             <a:spAutoFit/>
           </a:bodyPr>
           <a:lstStyle/>
           <a:p>
             <a:r>
-              <a:rPr lang="en-US" altLang="zh-CN" dirty="0" err="1"/>
-              <a:t>Math.abs</a:t>
-            </a:r>
-            <a:r>
-              <a:rPr lang="zh-CN" altLang="en-US" dirty="0"/>
-              <a:t>不一定总返回整数</a:t>
-            </a:r>
+              <a:rPr lang="en-US" altLang="zh-CN" b="1" dirty="0">
+                <a:solidFill>
+                  <a:srgbClr val="444444"/>
+                </a:solidFill>
+                <a:latin typeface="Helvetica Neue"/>
+              </a:rPr>
+              <a:t>Use the original value instead.</a:t>
+            </a:r>
+            <a:endParaRPr lang="en-US" altLang="zh-CN" b="1" dirty="0">
+              <a:solidFill>
+                <a:srgbClr val="444444"/>
+              </a:solidFill>
+              <a:latin typeface="Helvetica Neue"/>
+            </a:endParaRPr>
+          </a:p>
+          <a:p>
+            <a:r>
+              <a:rPr lang="zh-CN" altLang="en-US" b="1" dirty="0">
+                <a:solidFill>
+                  <a:srgbClr val="444444"/>
+                </a:solidFill>
+                <a:latin typeface="Helvetica Neue"/>
+              </a:rPr>
+              <a:t>使用原始值</a:t>
+            </a:r>
+            <a:endParaRPr lang="zh-CN" altLang="en-US" dirty="0"/>
           </a:p>
         </p:txBody>
       </p:sp>
       <p:pic>
         <p:nvPicPr>
-          <p:cNvPr id="6" name="图片 5">
-            <a:extLst>
-              <a:ext uri="{FF2B5EF4-FFF2-40B4-BE49-F238E27FC236}">
-                <a16:creationId xmlns:a16="http://schemas.microsoft.com/office/drawing/2014/main" id="{1C97E736-DC91-46E2-94B3-22452D1AC74A}"/>
-              </a:ext>
-            </a:extLst>
-          </p:cNvPr>
+          <p:cNvPr id="15" name="图片 14"/>
           <p:cNvPicPr>
             <a:picLocks noChangeAspect="1"/>
           </p:cNvPicPr>
@@ -4971,87 +4484,6 @@
         </p:blipFill>
         <p:spPr>
           <a:xfrm>
-            <a:off x="2481775" y="1634028"/>
-            <a:ext cx="5541886" cy="407491"/>
-          </a:xfrm>
-          <a:prstGeom prst="rect">
-            <a:avLst/>
-          </a:prstGeom>
-        </p:spPr>
-      </p:pic>
-      <p:sp>
-        <p:nvSpPr>
-          <p:cNvPr id="9" name="矩形 8">
-            <a:extLst>
-              <a:ext uri="{FF2B5EF4-FFF2-40B4-BE49-F238E27FC236}">
-                <a16:creationId xmlns:a16="http://schemas.microsoft.com/office/drawing/2014/main" id="{92706520-71A5-418D-A9E7-96FB21A87655}"/>
-              </a:ext>
-            </a:extLst>
-          </p:cNvPr>
-          <p:cNvSpPr/>
-          <p:nvPr/>
-        </p:nvSpPr>
-        <p:spPr>
-          <a:xfrm>
-            <a:off x="838200" y="2517479"/>
-            <a:ext cx="3506088" cy="646331"/>
-          </a:xfrm>
-          <a:prstGeom prst="rect">
-            <a:avLst/>
-          </a:prstGeom>
-        </p:spPr>
-        <p:txBody>
-          <a:bodyPr wrap="none">
-            <a:spAutoFit/>
-          </a:bodyPr>
-          <a:lstStyle/>
-          <a:p>
-            <a:r>
-              <a:rPr lang="en-US" altLang="zh-CN" b="1" dirty="0">
-                <a:solidFill>
-                  <a:srgbClr val="444444"/>
-                </a:solidFill>
-                <a:latin typeface="Helvetica Neue"/>
-              </a:rPr>
-              <a:t>Use the original value instead.</a:t>
-            </a:r>
-          </a:p>
-          <a:p>
-            <a:r>
-              <a:rPr lang="zh-CN" altLang="en-US" b="1" dirty="0">
-                <a:solidFill>
-                  <a:srgbClr val="444444"/>
-                </a:solidFill>
-                <a:latin typeface="Helvetica Neue"/>
-              </a:rPr>
-              <a:t>使用原始值</a:t>
-            </a:r>
-            <a:endParaRPr lang="zh-CN" altLang="en-US" dirty="0"/>
-          </a:p>
-        </p:txBody>
-      </p:sp>
-      <p:pic>
-        <p:nvPicPr>
-          <p:cNvPr id="15" name="图片 14">
-            <a:extLst>
-              <a:ext uri="{FF2B5EF4-FFF2-40B4-BE49-F238E27FC236}">
-                <a16:creationId xmlns:a16="http://schemas.microsoft.com/office/drawing/2014/main" id="{C892532B-744D-4B79-A82A-CB37D2C992A7}"/>
-              </a:ext>
-            </a:extLst>
-          </p:cNvPr>
-          <p:cNvPicPr>
-            <a:picLocks noChangeAspect="1"/>
-          </p:cNvPicPr>
-          <p:nvPr/>
-        </p:nvPicPr>
-        <p:blipFill>
-          <a:blip r:embed="rId4"/>
-          <a:stretch>
-            <a:fillRect/>
-          </a:stretch>
-        </p:blipFill>
-        <p:spPr>
-          <a:xfrm>
             <a:off x="6096000" y="2207695"/>
             <a:ext cx="4654770" cy="1912229"/>
           </a:xfrm>
@@ -5061,11 +4493,6 @@
         </p:spPr>
       </p:pic>
     </p:spTree>
-    <p:extLst>
-      <p:ext uri="{BB962C8B-B14F-4D97-AF65-F5344CB8AC3E}">
-        <p14:creationId xmlns:p14="http://schemas.microsoft.com/office/powerpoint/2010/main" val="3841884344"/>
-      </p:ext>
-    </p:extLst>
   </p:cSld>
   <p:clrMapOvr>
     <a:masterClrMapping/>
@@ -5092,13 +4519,7 @@
       </p:grpSpPr>
       <p:sp>
         <p:nvSpPr>
-          <p:cNvPr id="2" name="标题 1">
-            <a:extLst>
-              <a:ext uri="{FF2B5EF4-FFF2-40B4-BE49-F238E27FC236}">
-                <a16:creationId xmlns:a16="http://schemas.microsoft.com/office/drawing/2014/main" id="{277C3EF6-1452-43F3-974C-10C8FEF53107}"/>
-              </a:ext>
-            </a:extLst>
-          </p:cNvPr>
+          <p:cNvPr id="2" name="标题 1"/>
           <p:cNvSpPr>
             <a:spLocks noGrp="1"/>
           </p:cNvSpPr>
@@ -5121,13 +4542,7 @@
       </p:sp>
       <p:sp>
         <p:nvSpPr>
-          <p:cNvPr id="4" name="文本框 3">
-            <a:extLst>
-              <a:ext uri="{FF2B5EF4-FFF2-40B4-BE49-F238E27FC236}">
-                <a16:creationId xmlns:a16="http://schemas.microsoft.com/office/drawing/2014/main" id="{FE6C1187-DFEB-46BF-882B-6591B2508DD6}"/>
-              </a:ext>
-            </a:extLst>
-          </p:cNvPr>
+          <p:cNvPr id="4" name="文本框 3"/>
           <p:cNvSpPr txBox="1"/>
           <p:nvPr/>
         </p:nvSpPr>
@@ -5155,18 +4570,13 @@
               <a:rPr lang="zh-CN" altLang="en-US" dirty="0"/>
               <a:t>次要</a:t>
             </a:r>
-          </a:p>
-        </p:txBody>
-      </p:sp>
-      <p:sp>
-        <p:nvSpPr>
-          <p:cNvPr id="12" name="文本框 11">
-            <a:extLst>
-              <a:ext uri="{FF2B5EF4-FFF2-40B4-BE49-F238E27FC236}">
-                <a16:creationId xmlns:a16="http://schemas.microsoft.com/office/drawing/2014/main" id="{F0FEB908-B3B1-4CA8-9632-7C97ADE668AA}"/>
-              </a:ext>
-            </a:extLst>
-          </p:cNvPr>
+            <a:endParaRPr lang="zh-CN" altLang="en-US" dirty="0"/>
+          </a:p>
+        </p:txBody>
+      </p:sp>
+      <p:sp>
+        <p:nvSpPr>
+          <p:cNvPr id="12" name="文本框 11"/>
           <p:cNvSpPr txBox="1"/>
           <p:nvPr/>
         </p:nvSpPr>
@@ -5201,25 +4611,20 @@
               <a:rPr lang="zh-CN" altLang="en-US" dirty="0"/>
               <a:t>使用第二种方法，传递一个参数类型，可避免转码错误</a:t>
             </a:r>
+            <a:endParaRPr lang="zh-CN" altLang="en-US" dirty="0"/>
           </a:p>
         </p:txBody>
       </p:sp>
       <p:pic>
         <p:nvPicPr>
-          <p:cNvPr id="5" name="图片 4">
-            <a:extLst>
-              <a:ext uri="{FF2B5EF4-FFF2-40B4-BE49-F238E27FC236}">
-                <a16:creationId xmlns:a16="http://schemas.microsoft.com/office/drawing/2014/main" id="{9ED62B86-7C1A-4CA6-AD3F-B3E11B772BD2}"/>
-              </a:ext>
-            </a:extLst>
-          </p:cNvPr>
+          <p:cNvPr id="5" name="图片 4"/>
           <p:cNvPicPr>
             <a:picLocks noChangeAspect="1"/>
           </p:cNvPicPr>
           <p:nvPr/>
         </p:nvPicPr>
         <p:blipFill>
-          <a:blip r:embed="rId2"/>
+          <a:blip r:embed="rId1"/>
           <a:stretch>
             <a:fillRect/>
           </a:stretch>
@@ -5236,13 +4641,7 @@
       </p:pic>
       <p:sp>
         <p:nvSpPr>
-          <p:cNvPr id="8" name="Rectangle 2">
-            <a:extLst>
-              <a:ext uri="{FF2B5EF4-FFF2-40B4-BE49-F238E27FC236}">
-                <a16:creationId xmlns:a16="http://schemas.microsoft.com/office/drawing/2014/main" id="{76356D32-C731-4701-BEA1-43CCBD9ABD73}"/>
-              </a:ext>
-            </a:extLst>
-          </p:cNvPr>
+          <p:cNvPr id="8" name="Rectangle 2"/>
           <p:cNvSpPr>
             <a:spLocks noChangeArrowheads="1"/>
           </p:cNvSpPr>
@@ -5287,9 +4686,6 @@
         </p:spPr>
         <p:txBody>
           <a:bodyPr vert="horz" wrap="none" lIns="91440" tIns="45720" rIns="91440" bIns="45720" numCol="1" anchor="ctr" anchorCtr="0" compatLnSpc="1">
-            <a:prstTxWarp prst="textNoShape">
-              <a:avLst/>
-            </a:prstTxWarp>
             <a:spAutoFit/>
           </a:bodyPr>
           <a:lstStyle/>
@@ -5308,7 +4704,6 @@
               <a:buSzTx/>
               <a:buFontTx/>
               <a:buNone/>
-              <a:tabLst/>
             </a:pPr>
             <a:r>
               <a:rPr kumimoji="0" lang="zh-CN" altLang="zh-CN" sz="2800" b="0" i="0" u="none" strike="noStrike" cap="none" normalizeH="0" baseline="0" dirty="0">
@@ -5390,13 +4785,7 @@
       </p:sp>
       <p:sp>
         <p:nvSpPr>
-          <p:cNvPr id="10" name="Rectangle 3">
-            <a:extLst>
-              <a:ext uri="{FF2B5EF4-FFF2-40B4-BE49-F238E27FC236}">
-                <a16:creationId xmlns:a16="http://schemas.microsoft.com/office/drawing/2014/main" id="{4FE60514-CBDB-45FE-9AEF-A6493111EBA2}"/>
-              </a:ext>
-            </a:extLst>
-          </p:cNvPr>
+          <p:cNvPr id="10" name="Rectangle 3"/>
           <p:cNvSpPr>
             <a:spLocks noChangeArrowheads="1"/>
           </p:cNvSpPr>
@@ -5441,9 +4830,6 @@
         </p:spPr>
         <p:txBody>
           <a:bodyPr vert="horz" wrap="square" lIns="91440" tIns="45720" rIns="91440" bIns="45720" numCol="1" anchor="ctr" anchorCtr="0" compatLnSpc="1">
-            <a:prstTxWarp prst="textNoShape">
-              <a:avLst/>
-            </a:prstTxWarp>
             <a:spAutoFit/>
           </a:bodyPr>
           <a:lstStyle/>
@@ -5462,7 +4848,6 @@
               <a:buSzTx/>
               <a:buFontTx/>
               <a:buNone/>
-              <a:tabLst/>
             </a:pPr>
             <a:r>
               <a:rPr kumimoji="0" lang="zh-CN" altLang="zh-CN" sz="2800" b="0" i="1" u="none" strike="noStrike" cap="none" normalizeH="0" baseline="0" dirty="0">
@@ -5635,13 +5020,7 @@
       </p:sp>
       <p:sp>
         <p:nvSpPr>
-          <p:cNvPr id="13" name="文本框 12">
-            <a:extLst>
-              <a:ext uri="{FF2B5EF4-FFF2-40B4-BE49-F238E27FC236}">
-                <a16:creationId xmlns:a16="http://schemas.microsoft.com/office/drawing/2014/main" id="{D77B6252-C463-43DA-89B9-A9BAC1F135BB}"/>
-              </a:ext>
-            </a:extLst>
-          </p:cNvPr>
+          <p:cNvPr id="13" name="文本框 12"/>
           <p:cNvSpPr txBox="1"/>
           <p:nvPr/>
         </p:nvSpPr>
@@ -5665,18 +5044,13 @@
               <a:rPr lang="zh-CN" altLang="en-US" dirty="0"/>
               <a:t>不传递参数， 可能发生类型转换错误</a:t>
             </a:r>
-          </a:p>
-        </p:txBody>
-      </p:sp>
-      <p:sp>
-        <p:nvSpPr>
-          <p:cNvPr id="15" name="矩形 14">
-            <a:extLst>
-              <a:ext uri="{FF2B5EF4-FFF2-40B4-BE49-F238E27FC236}">
-                <a16:creationId xmlns:a16="http://schemas.microsoft.com/office/drawing/2014/main" id="{47C3883B-DB41-4F62-8C5F-92E98D300E28}"/>
-              </a:ext>
-            </a:extLst>
-          </p:cNvPr>
+            <a:endParaRPr lang="zh-CN" altLang="en-US" dirty="0"/>
+          </a:p>
+        </p:txBody>
+      </p:sp>
+      <p:sp>
+        <p:nvSpPr>
+          <p:cNvPr id="15" name="矩形 14"/>
           <p:cNvSpPr/>
           <p:nvPr/>
         </p:nvSpPr>
@@ -5722,6 +5096,12 @@
               </a:rPr>
               <a:t>“</a:t>
             </a:r>
+            <a:endParaRPr lang="en-US" altLang="zh-CN" b="1" dirty="0">
+              <a:solidFill>
+                <a:srgbClr val="444444"/>
+              </a:solidFill>
+              <a:latin typeface="Helvetica Neue"/>
+            </a:endParaRPr>
           </a:p>
           <a:p>
             <a:r>
@@ -5774,11 +5154,6 @@
         </p:txBody>
       </p:sp>
     </p:spTree>
-    <p:extLst>
-      <p:ext uri="{BB962C8B-B14F-4D97-AF65-F5344CB8AC3E}">
-        <p14:creationId xmlns:p14="http://schemas.microsoft.com/office/powerpoint/2010/main" val="356746439"/>
-      </p:ext>
-    </p:extLst>
   </p:cSld>
   <p:clrMapOvr>
     <a:masterClrMapping/>
@@ -5805,13 +5180,7 @@
       </p:grpSpPr>
       <p:sp>
         <p:nvSpPr>
-          <p:cNvPr id="2" name="标题 1">
-            <a:extLst>
-              <a:ext uri="{FF2B5EF4-FFF2-40B4-BE49-F238E27FC236}">
-                <a16:creationId xmlns:a16="http://schemas.microsoft.com/office/drawing/2014/main" id="{277C3EF6-1452-43F3-974C-10C8FEF53107}"/>
-              </a:ext>
-            </a:extLst>
-          </p:cNvPr>
+          <p:cNvPr id="2" name="标题 1"/>
           <p:cNvSpPr>
             <a:spLocks noGrp="1"/>
           </p:cNvSpPr>
@@ -5834,13 +5203,7 @@
       </p:sp>
       <p:sp>
         <p:nvSpPr>
-          <p:cNvPr id="4" name="文本框 3">
-            <a:extLst>
-              <a:ext uri="{FF2B5EF4-FFF2-40B4-BE49-F238E27FC236}">
-                <a16:creationId xmlns:a16="http://schemas.microsoft.com/office/drawing/2014/main" id="{FE6C1187-DFEB-46BF-882B-6591B2508DD6}"/>
-              </a:ext>
-            </a:extLst>
-          </p:cNvPr>
+          <p:cNvPr id="4" name="文本框 3"/>
           <p:cNvSpPr txBox="1"/>
           <p:nvPr/>
         </p:nvSpPr>
@@ -5868,18 +5231,97 @@
               <a:rPr lang="zh-CN" altLang="en-US" dirty="0"/>
               <a:t>次要</a:t>
             </a:r>
+            <a:endParaRPr lang="zh-CN" altLang="en-US" dirty="0"/>
           </a:p>
         </p:txBody>
       </p:sp>
       <p:pic>
         <p:nvPicPr>
-          <p:cNvPr id="5" name="图片 4">
-            <a:extLst>
-              <a:ext uri="{FF2B5EF4-FFF2-40B4-BE49-F238E27FC236}">
-                <a16:creationId xmlns:a16="http://schemas.microsoft.com/office/drawing/2014/main" id="{9ED62B86-7C1A-4CA6-AD3F-B3E11B772BD2}"/>
-              </a:ext>
-            </a:extLst>
-          </p:cNvPr>
+          <p:cNvPr id="5" name="图片 4"/>
+          <p:cNvPicPr>
+            <a:picLocks noChangeAspect="1"/>
+          </p:cNvPicPr>
+          <p:nvPr/>
+        </p:nvPicPr>
+        <p:blipFill>
+          <a:blip r:embed="rId1"/>
+          <a:stretch>
+            <a:fillRect/>
+          </a:stretch>
+        </p:blipFill>
+        <p:spPr>
+          <a:xfrm>
+            <a:off x="1589649" y="1484409"/>
+            <a:ext cx="647114" cy="647114"/>
+          </a:xfrm>
+          <a:prstGeom prst="rect">
+            <a:avLst/>
+          </a:prstGeom>
+        </p:spPr>
+      </p:pic>
+      <p:sp>
+        <p:nvSpPr>
+          <p:cNvPr id="6" name="矩形 5"/>
+          <p:cNvSpPr/>
+          <p:nvPr/>
+        </p:nvSpPr>
+        <p:spPr>
+          <a:xfrm>
+            <a:off x="838200" y="2440640"/>
+            <a:ext cx="8698523" cy="646331"/>
+          </a:xfrm>
+          <a:prstGeom prst="rect">
+            <a:avLst/>
+          </a:prstGeom>
+        </p:spPr>
+        <p:txBody>
+          <a:bodyPr wrap="square">
+            <a:spAutoFit/>
+          </a:bodyPr>
+          <a:lstStyle/>
+          <a:p>
+            <a:r>
+              <a:rPr lang="en-US" altLang="zh-CN" b="1" dirty="0">
+                <a:solidFill>
+                  <a:srgbClr val="444444"/>
+                </a:solidFill>
+                <a:latin typeface="Helvetica Neue"/>
+              </a:rPr>
+              <a:t>Introduce a new variable instead of reusing the parameter "target".</a:t>
+            </a:r>
+            <a:endParaRPr lang="en-US" altLang="zh-CN" b="1" dirty="0">
+              <a:solidFill>
+                <a:srgbClr val="444444"/>
+              </a:solidFill>
+              <a:latin typeface="Helvetica Neue"/>
+            </a:endParaRPr>
+          </a:p>
+          <a:p>
+            <a:r>
+              <a:rPr lang="zh-CN" altLang="en-US" b="1" dirty="0">
+                <a:solidFill>
+                  <a:srgbClr val="444444"/>
+                </a:solidFill>
+                <a:latin typeface="Helvetica Neue"/>
+              </a:rPr>
+              <a:t>引入新的变量，而不是复用参数 </a:t>
+            </a:r>
+            <a:r>
+              <a:rPr lang="en-US" altLang="zh-CN" b="1" dirty="0">
+                <a:solidFill>
+                  <a:srgbClr val="444444"/>
+                </a:solidFill>
+                <a:latin typeface="Helvetica Neue"/>
+              </a:rPr>
+              <a:t>target</a:t>
+            </a:r>
+            <a:endParaRPr lang="zh-CN" altLang="en-US" dirty="0"/>
+          </a:p>
+        </p:txBody>
+      </p:sp>
+      <p:pic>
+        <p:nvPicPr>
+          <p:cNvPr id="9" name="图片 8"/>
           <p:cNvPicPr>
             <a:picLocks noChangeAspect="1"/>
           </p:cNvPicPr>
@@ -5893,96 +5335,6 @@
         </p:blipFill>
         <p:spPr>
           <a:xfrm>
-            <a:off x="1589649" y="1484409"/>
-            <a:ext cx="647114" cy="647114"/>
-          </a:xfrm>
-          <a:prstGeom prst="rect">
-            <a:avLst/>
-          </a:prstGeom>
-        </p:spPr>
-      </p:pic>
-      <p:sp>
-        <p:nvSpPr>
-          <p:cNvPr id="6" name="矩形 5">
-            <a:extLst>
-              <a:ext uri="{FF2B5EF4-FFF2-40B4-BE49-F238E27FC236}">
-                <a16:creationId xmlns:a16="http://schemas.microsoft.com/office/drawing/2014/main" id="{DC1C7137-D005-49EB-AD53-0E3BAD00A9B0}"/>
-              </a:ext>
-            </a:extLst>
-          </p:cNvPr>
-          <p:cNvSpPr/>
-          <p:nvPr/>
-        </p:nvSpPr>
-        <p:spPr>
-          <a:xfrm>
-            <a:off x="838200" y="2440640"/>
-            <a:ext cx="8698523" cy="646331"/>
-          </a:xfrm>
-          <a:prstGeom prst="rect">
-            <a:avLst/>
-          </a:prstGeom>
-        </p:spPr>
-        <p:txBody>
-          <a:bodyPr wrap="square">
-            <a:spAutoFit/>
-          </a:bodyPr>
-          <a:lstStyle/>
-          <a:p>
-            <a:r>
-              <a:rPr lang="en-US" altLang="zh-CN" b="1" dirty="0">
-                <a:solidFill>
-                  <a:srgbClr val="444444"/>
-                </a:solidFill>
-                <a:latin typeface="Helvetica Neue"/>
-              </a:rPr>
-              <a:t>Introduce a new variable instead of reusing the parameter "target".</a:t>
-            </a:r>
-          </a:p>
-          <a:p>
-            <a:r>
-              <a:rPr lang="zh-CN" altLang="en-US" b="1" dirty="0">
-                <a:solidFill>
-                  <a:srgbClr val="444444"/>
-                </a:solidFill>
-                <a:latin typeface="Helvetica Neue"/>
-              </a:rPr>
-              <a:t>引入新的变量，而不是复用参数 </a:t>
-            </a:r>
-            <a:r>
-              <a:rPr lang="en-US" altLang="zh-CN" b="1" dirty="0">
-                <a:solidFill>
-                  <a:srgbClr val="444444"/>
-                </a:solidFill>
-                <a:latin typeface="Helvetica Neue"/>
-              </a:rPr>
-              <a:t>target</a:t>
-            </a:r>
-            <a:endParaRPr lang="zh-CN" altLang="en-US" dirty="0"/>
-          </a:p>
-        </p:txBody>
-      </p:sp>
-      <p:pic>
-        <p:nvPicPr>
-          <p:cNvPr id="9" name="图片 8">
-            <a:extLst>
-              <a:ext uri="{FF2B5EF4-FFF2-40B4-BE49-F238E27FC236}">
-                <a16:creationId xmlns:a16="http://schemas.microsoft.com/office/drawing/2014/main" id="{B8E9E236-6430-4644-B18C-1773F61A2DC9}"/>
-              </a:ext>
-            </a:extLst>
-          </p:cNvPr>
-          <p:cNvPicPr>
-            <a:picLocks noChangeAspect="1"/>
-          </p:cNvPicPr>
-          <p:nvPr/>
-        </p:nvPicPr>
-        <p:blipFill>
-          <a:blip r:embed="rId3"/>
-          <a:stretch>
-            <a:fillRect/>
-          </a:stretch>
-        </p:blipFill>
-        <p:spPr>
-          <a:xfrm>
             <a:off x="838200" y="3396088"/>
             <a:ext cx="6805250" cy="1867062"/>
           </a:xfrm>
@@ -5992,11 +5344,6 @@
         </p:spPr>
       </p:pic>
     </p:spTree>
-    <p:extLst>
-      <p:ext uri="{BB962C8B-B14F-4D97-AF65-F5344CB8AC3E}">
-        <p14:creationId xmlns:p14="http://schemas.microsoft.com/office/powerpoint/2010/main" val="1516938490"/>
-      </p:ext>
-    </p:extLst>
   </p:cSld>
   <p:clrMapOvr>
     <a:masterClrMapping/>
@@ -6023,13 +5370,7 @@
       </p:grpSpPr>
       <p:sp>
         <p:nvSpPr>
-          <p:cNvPr id="2" name="标题 1">
-            <a:extLst>
-              <a:ext uri="{FF2B5EF4-FFF2-40B4-BE49-F238E27FC236}">
-                <a16:creationId xmlns:a16="http://schemas.microsoft.com/office/drawing/2014/main" id="{277C3EF6-1452-43F3-974C-10C8FEF53107}"/>
-              </a:ext>
-            </a:extLst>
-          </p:cNvPr>
+          <p:cNvPr id="2" name="标题 1"/>
           <p:cNvSpPr>
             <a:spLocks noGrp="1"/>
           </p:cNvSpPr>
@@ -6052,13 +5393,7 @@
       </p:sp>
       <p:sp>
         <p:nvSpPr>
-          <p:cNvPr id="4" name="文本框 3">
-            <a:extLst>
-              <a:ext uri="{FF2B5EF4-FFF2-40B4-BE49-F238E27FC236}">
-                <a16:creationId xmlns:a16="http://schemas.microsoft.com/office/drawing/2014/main" id="{FE6C1187-DFEB-46BF-882B-6591B2508DD6}"/>
-              </a:ext>
-            </a:extLst>
-          </p:cNvPr>
+          <p:cNvPr id="4" name="文本框 3"/>
           <p:cNvSpPr txBox="1"/>
           <p:nvPr/>
         </p:nvSpPr>
@@ -6086,25 +5421,20 @@
               <a:rPr lang="zh-CN" altLang="en-US" dirty="0"/>
               <a:t>次要</a:t>
             </a:r>
+            <a:endParaRPr lang="zh-CN" altLang="en-US" dirty="0"/>
           </a:p>
         </p:txBody>
       </p:sp>
       <p:pic>
         <p:nvPicPr>
-          <p:cNvPr id="5" name="图片 4">
-            <a:extLst>
-              <a:ext uri="{FF2B5EF4-FFF2-40B4-BE49-F238E27FC236}">
-                <a16:creationId xmlns:a16="http://schemas.microsoft.com/office/drawing/2014/main" id="{9ED62B86-7C1A-4CA6-AD3F-B3E11B772BD2}"/>
-              </a:ext>
-            </a:extLst>
-          </p:cNvPr>
+          <p:cNvPr id="5" name="图片 4"/>
           <p:cNvPicPr>
             <a:picLocks noChangeAspect="1"/>
           </p:cNvPicPr>
           <p:nvPr/>
         </p:nvPicPr>
         <p:blipFill>
-          <a:blip r:embed="rId2"/>
+          <a:blip r:embed="rId1"/>
           <a:stretch>
             <a:fillRect/>
           </a:stretch>
@@ -6121,13 +5451,7 @@
       </p:pic>
       <p:sp>
         <p:nvSpPr>
-          <p:cNvPr id="7" name="矩形 6">
-            <a:extLst>
-              <a:ext uri="{FF2B5EF4-FFF2-40B4-BE49-F238E27FC236}">
-                <a16:creationId xmlns:a16="http://schemas.microsoft.com/office/drawing/2014/main" id="{8DC644AA-01F1-44EB-8480-DFC493E2339C}"/>
-              </a:ext>
-            </a:extLst>
-          </p:cNvPr>
+          <p:cNvPr id="7" name="矩形 6"/>
           <p:cNvSpPr/>
           <p:nvPr/>
         </p:nvSpPr>
@@ -6155,6 +5479,12 @@
               </a:rPr>
               <a:t>Remove the boxing to "Long"; The argument is already of the same type.</a:t>
             </a:r>
+            <a:endParaRPr lang="en-US" altLang="zh-CN" b="1" dirty="0">
+              <a:solidFill>
+                <a:srgbClr val="444444"/>
+              </a:solidFill>
+              <a:latin typeface="Helvetica Neue"/>
+            </a:endParaRPr>
           </a:p>
           <a:p>
             <a:r>
@@ -6185,18 +5515,13 @@
               <a:rPr lang="zh-CN" altLang="en-US" dirty="0"/>
               <a:t>类型了</a:t>
             </a:r>
-          </a:p>
-        </p:txBody>
-      </p:sp>
-      <p:sp>
-        <p:nvSpPr>
-          <p:cNvPr id="12" name="Rectangle 4">
-            <a:extLst>
-              <a:ext uri="{FF2B5EF4-FFF2-40B4-BE49-F238E27FC236}">
-                <a16:creationId xmlns:a16="http://schemas.microsoft.com/office/drawing/2014/main" id="{9D0B2A4C-5D50-4F90-A22F-57C63CF89352}"/>
-              </a:ext>
-            </a:extLst>
-          </p:cNvPr>
+            <a:endParaRPr lang="zh-CN" altLang="en-US" dirty="0"/>
+          </a:p>
+        </p:txBody>
+      </p:sp>
+      <p:sp>
+        <p:nvSpPr>
+          <p:cNvPr id="12" name="Rectangle 4"/>
           <p:cNvSpPr>
             <a:spLocks noChangeArrowheads="1"/>
           </p:cNvSpPr>
@@ -6241,9 +5566,6 @@
         </p:spPr>
         <p:txBody>
           <a:bodyPr vert="horz" wrap="none" lIns="91440" tIns="45720" rIns="91440" bIns="45720" numCol="1" anchor="ctr" anchorCtr="0" compatLnSpc="1">
-            <a:prstTxWarp prst="textNoShape">
-              <a:avLst/>
-            </a:prstTxWarp>
             <a:spAutoFit/>
           </a:bodyPr>
           <a:lstStyle/>
@@ -6262,7 +5584,6 @@
               <a:buSzTx/>
               <a:buFontTx/>
               <a:buNone/>
-              <a:tabLst/>
             </a:pPr>
             <a:r>
               <a:rPr kumimoji="0" lang="zh-CN" altLang="zh-CN" sz="2400" b="0" i="0" u="none" strike="noStrike" cap="none" normalizeH="0" baseline="0" dirty="0">
@@ -6409,13 +5730,7 @@
       </p:sp>
       <p:sp>
         <p:nvSpPr>
-          <p:cNvPr id="13" name="Rectangle 5">
-            <a:extLst>
-              <a:ext uri="{FF2B5EF4-FFF2-40B4-BE49-F238E27FC236}">
-                <a16:creationId xmlns:a16="http://schemas.microsoft.com/office/drawing/2014/main" id="{ECF1C79F-0A66-4840-921F-489DA427106C}"/>
-              </a:ext>
-            </a:extLst>
-          </p:cNvPr>
+          <p:cNvPr id="13" name="Rectangle 5"/>
           <p:cNvSpPr>
             <a:spLocks noChangeArrowheads="1"/>
           </p:cNvSpPr>
@@ -6460,9 +5775,6 @@
         </p:spPr>
         <p:txBody>
           <a:bodyPr vert="horz" wrap="none" lIns="91440" tIns="45720" rIns="91440" bIns="45720" numCol="1" anchor="ctr" anchorCtr="0" compatLnSpc="1">
-            <a:prstTxWarp prst="textNoShape">
-              <a:avLst/>
-            </a:prstTxWarp>
             <a:spAutoFit/>
           </a:bodyPr>
           <a:lstStyle/>
@@ -6538,13 +5850,7 @@
       </p:sp>
       <p:sp>
         <p:nvSpPr>
-          <p:cNvPr id="14" name="文本框 13">
-            <a:extLst>
-              <a:ext uri="{FF2B5EF4-FFF2-40B4-BE49-F238E27FC236}">
-                <a16:creationId xmlns:a16="http://schemas.microsoft.com/office/drawing/2014/main" id="{767017D2-F162-4E18-9EC5-44F8629FD060}"/>
-              </a:ext>
-            </a:extLst>
-          </p:cNvPr>
+          <p:cNvPr id="14" name="文本框 13"/>
           <p:cNvSpPr txBox="1"/>
           <p:nvPr/>
         </p:nvSpPr>
@@ -6579,15 +5885,11 @@
               <a:rPr lang="zh-CN" altLang="en-US" dirty="0"/>
               <a:t>去除无用转换</a:t>
             </a:r>
+            <a:endParaRPr lang="zh-CN" altLang="en-US" dirty="0"/>
           </a:p>
         </p:txBody>
       </p:sp>
     </p:spTree>
-    <p:extLst>
-      <p:ext uri="{BB962C8B-B14F-4D97-AF65-F5344CB8AC3E}">
-        <p14:creationId xmlns:p14="http://schemas.microsoft.com/office/powerpoint/2010/main" val="3017890088"/>
-      </p:ext>
-    </p:extLst>
   </p:cSld>
   <p:clrMapOvr>
     <a:masterClrMapping/>
@@ -6614,13 +5916,7 @@
       </p:grpSpPr>
       <p:sp>
         <p:nvSpPr>
-          <p:cNvPr id="2" name="标题 1">
-            <a:extLst>
-              <a:ext uri="{FF2B5EF4-FFF2-40B4-BE49-F238E27FC236}">
-                <a16:creationId xmlns:a16="http://schemas.microsoft.com/office/drawing/2014/main" id="{277C3EF6-1452-43F3-974C-10C8FEF53107}"/>
-              </a:ext>
-            </a:extLst>
-          </p:cNvPr>
+          <p:cNvPr id="2" name="标题 1"/>
           <p:cNvSpPr>
             <a:spLocks noGrp="1"/>
           </p:cNvSpPr>
@@ -6643,13 +5939,7 @@
       </p:sp>
       <p:sp>
         <p:nvSpPr>
-          <p:cNvPr id="4" name="文本框 3">
-            <a:extLst>
-              <a:ext uri="{FF2B5EF4-FFF2-40B4-BE49-F238E27FC236}">
-                <a16:creationId xmlns:a16="http://schemas.microsoft.com/office/drawing/2014/main" id="{FE6C1187-DFEB-46BF-882B-6591B2508DD6}"/>
-              </a:ext>
-            </a:extLst>
-          </p:cNvPr>
+          <p:cNvPr id="4" name="文本框 3"/>
           <p:cNvSpPr txBox="1"/>
           <p:nvPr/>
         </p:nvSpPr>
@@ -6677,18 +5967,179 @@
               <a:rPr lang="zh-CN" altLang="en-US" dirty="0"/>
               <a:t>次要</a:t>
             </a:r>
+            <a:endParaRPr lang="zh-CN" altLang="en-US" dirty="0"/>
           </a:p>
         </p:txBody>
       </p:sp>
       <p:pic>
         <p:nvPicPr>
-          <p:cNvPr id="5" name="图片 4">
-            <a:extLst>
-              <a:ext uri="{FF2B5EF4-FFF2-40B4-BE49-F238E27FC236}">
-                <a16:creationId xmlns:a16="http://schemas.microsoft.com/office/drawing/2014/main" id="{9ED62B86-7C1A-4CA6-AD3F-B3E11B772BD2}"/>
-              </a:ext>
-            </a:extLst>
-          </p:cNvPr>
+          <p:cNvPr id="5" name="图片 4"/>
+          <p:cNvPicPr>
+            <a:picLocks noChangeAspect="1"/>
+          </p:cNvPicPr>
+          <p:nvPr/>
+        </p:nvPicPr>
+        <p:blipFill>
+          <a:blip r:embed="rId1"/>
+          <a:stretch>
+            <a:fillRect/>
+          </a:stretch>
+        </p:blipFill>
+        <p:spPr>
+          <a:xfrm>
+            <a:off x="1589649" y="1484409"/>
+            <a:ext cx="647114" cy="647114"/>
+          </a:xfrm>
+          <a:prstGeom prst="rect">
+            <a:avLst/>
+          </a:prstGeom>
+        </p:spPr>
+      </p:pic>
+      <p:sp>
+        <p:nvSpPr>
+          <p:cNvPr id="8" name="文本框 7"/>
+          <p:cNvSpPr txBox="1"/>
+          <p:nvPr/>
+        </p:nvSpPr>
+        <p:spPr>
+          <a:xfrm>
+            <a:off x="838198" y="2939599"/>
+            <a:ext cx="9580099" cy="646331"/>
+          </a:xfrm>
+          <a:prstGeom prst="rect">
+            <a:avLst/>
+          </a:prstGeom>
+          <a:noFill/>
+        </p:spPr>
+        <p:txBody>
+          <a:bodyPr wrap="square" rtlCol="0">
+            <a:spAutoFit/>
+          </a:bodyPr>
+          <a:lstStyle/>
+          <a:p>
+            <a:r>
+              <a:rPr lang="zh-CN" altLang="en-US" dirty="0"/>
+              <a:t>移除对</a:t>
+            </a:r>
+            <a:r>
+              <a:rPr lang="en-US" altLang="zh-CN" dirty="0" err="1"/>
+              <a:t>nodeId</a:t>
+            </a:r>
+            <a:r>
+              <a:rPr lang="zh-CN" altLang="en-US" dirty="0"/>
+              <a:t>的拆箱操作</a:t>
+            </a:r>
+            <a:endParaRPr lang="en-US" altLang="zh-CN" dirty="0"/>
+          </a:p>
+          <a:p>
+            <a:r>
+              <a:rPr lang="en-US" altLang="zh-CN" dirty="0" err="1"/>
+              <a:t>nodeId.longValue</a:t>
+            </a:r>
+            <a:r>
+              <a:rPr lang="en-US" altLang="zh-CN" dirty="0"/>
+              <a:t>()</a:t>
+            </a:r>
+            <a:endParaRPr lang="en-US" altLang="zh-CN" dirty="0"/>
+          </a:p>
+        </p:txBody>
+      </p:sp>
+      <p:sp>
+        <p:nvSpPr>
+          <p:cNvPr id="11" name="文本框 10"/>
+          <p:cNvSpPr txBox="1"/>
+          <p:nvPr/>
+        </p:nvSpPr>
+        <p:spPr>
+          <a:xfrm>
+            <a:off x="838198" y="5557802"/>
+            <a:ext cx="5379722" cy="646331"/>
+          </a:xfrm>
+          <a:prstGeom prst="rect">
+            <a:avLst/>
+          </a:prstGeom>
+          <a:noFill/>
+        </p:spPr>
+        <p:txBody>
+          <a:bodyPr wrap="square" rtlCol="0">
+            <a:spAutoFit/>
+          </a:bodyPr>
+          <a:lstStyle/>
+          <a:p>
+            <a:r>
+              <a:rPr lang="zh-CN" altLang="en-US" dirty="0"/>
+              <a:t>解决方法：</a:t>
+            </a:r>
+            <a:endParaRPr lang="en-US" altLang="zh-CN" dirty="0"/>
+          </a:p>
+          <a:p>
+            <a:r>
+              <a:rPr lang="en-US" altLang="zh-CN" dirty="0"/>
+              <a:t>	</a:t>
+            </a:r>
+            <a:r>
+              <a:rPr lang="zh-CN" altLang="en-US" dirty="0"/>
+              <a:t>去除多余操作</a:t>
+            </a:r>
+            <a:endParaRPr lang="zh-CN" altLang="en-US" dirty="0"/>
+          </a:p>
+        </p:txBody>
+      </p:sp>
+      <p:sp>
+        <p:nvSpPr>
+          <p:cNvPr id="6" name="矩形 5"/>
+          <p:cNvSpPr/>
+          <p:nvPr/>
+        </p:nvSpPr>
+        <p:spPr>
+          <a:xfrm>
+            <a:off x="838198" y="2440640"/>
+            <a:ext cx="4044697" cy="369332"/>
+          </a:xfrm>
+          <a:prstGeom prst="rect">
+            <a:avLst/>
+          </a:prstGeom>
+        </p:spPr>
+        <p:txBody>
+          <a:bodyPr wrap="none">
+            <a:spAutoFit/>
+          </a:bodyPr>
+          <a:lstStyle/>
+          <a:p>
+            <a:r>
+              <a:rPr lang="en-US" altLang="zh-CN" b="1" dirty="0">
+                <a:solidFill>
+                  <a:srgbClr val="444444"/>
+                </a:solidFill>
+                <a:latin typeface="Helvetica Neue"/>
+              </a:rPr>
+              <a:t>Remove the unboxing of "</a:t>
+            </a:r>
+            <a:r>
+              <a:rPr lang="en-US" altLang="zh-CN" b="1" dirty="0" err="1">
+                <a:solidFill>
+                  <a:srgbClr val="444444"/>
+                </a:solidFill>
+                <a:latin typeface="Helvetica Neue"/>
+              </a:rPr>
+              <a:t>nodelId</a:t>
+            </a:r>
+            <a:r>
+              <a:rPr lang="en-US" altLang="zh-CN" b="1" dirty="0">
+                <a:solidFill>
+                  <a:srgbClr val="444444"/>
+                </a:solidFill>
+                <a:latin typeface="Helvetica Neue"/>
+              </a:rPr>
+              <a:t>".</a:t>
+            </a:r>
+            <a:endParaRPr lang="zh-CN" altLang="en-US" dirty="0"/>
+          </a:p>
+        </p:txBody>
+      </p:sp>
+      <p:pic>
+        <p:nvPicPr>
+          <p:cNvPr id="7" name="图片 6"/>
           <p:cNvPicPr>
             <a:picLocks noChangeAspect="1"/>
           </p:cNvPicPr>
@@ -6702,194 +6153,6 @@
         </p:blipFill>
         <p:spPr>
           <a:xfrm>
-            <a:off x="1589649" y="1484409"/>
-            <a:ext cx="647114" cy="647114"/>
-          </a:xfrm>
-          <a:prstGeom prst="rect">
-            <a:avLst/>
-          </a:prstGeom>
-        </p:spPr>
-      </p:pic>
-      <p:sp>
-        <p:nvSpPr>
-          <p:cNvPr id="8" name="文本框 7">
-            <a:extLst>
-              <a:ext uri="{FF2B5EF4-FFF2-40B4-BE49-F238E27FC236}">
-                <a16:creationId xmlns:a16="http://schemas.microsoft.com/office/drawing/2014/main" id="{5708CDC3-345E-450C-9F51-52336FA10967}"/>
-              </a:ext>
-            </a:extLst>
-          </p:cNvPr>
-          <p:cNvSpPr txBox="1"/>
-          <p:nvPr/>
-        </p:nvSpPr>
-        <p:spPr>
-          <a:xfrm>
-            <a:off x="838198" y="2939599"/>
-            <a:ext cx="9580099" cy="646331"/>
-          </a:xfrm>
-          <a:prstGeom prst="rect">
-            <a:avLst/>
-          </a:prstGeom>
-          <a:noFill/>
-        </p:spPr>
-        <p:txBody>
-          <a:bodyPr wrap="square" rtlCol="0">
-            <a:spAutoFit/>
-          </a:bodyPr>
-          <a:lstStyle/>
-          <a:p>
-            <a:r>
-              <a:rPr lang="zh-CN" altLang="en-US" dirty="0"/>
-              <a:t>移除对</a:t>
-            </a:r>
-            <a:r>
-              <a:rPr lang="en-US" altLang="zh-CN" dirty="0" err="1"/>
-              <a:t>nodeId</a:t>
-            </a:r>
-            <a:r>
-              <a:rPr lang="zh-CN" altLang="en-US" dirty="0"/>
-              <a:t>的拆箱操作</a:t>
-            </a:r>
-            <a:endParaRPr lang="en-US" altLang="zh-CN" dirty="0"/>
-          </a:p>
-          <a:p>
-            <a:r>
-              <a:rPr lang="en-US" altLang="zh-CN" dirty="0" err="1"/>
-              <a:t>nodeId.longValue</a:t>
-            </a:r>
-            <a:r>
-              <a:rPr lang="en-US" altLang="zh-CN" dirty="0"/>
-              <a:t>()</a:t>
-            </a:r>
-          </a:p>
-        </p:txBody>
-      </p:sp>
-      <p:sp>
-        <p:nvSpPr>
-          <p:cNvPr id="11" name="文本框 10">
-            <a:extLst>
-              <a:ext uri="{FF2B5EF4-FFF2-40B4-BE49-F238E27FC236}">
-                <a16:creationId xmlns:a16="http://schemas.microsoft.com/office/drawing/2014/main" id="{A074C8E4-EA43-4618-A781-EA88732EF003}"/>
-              </a:ext>
-            </a:extLst>
-          </p:cNvPr>
-          <p:cNvSpPr txBox="1"/>
-          <p:nvPr/>
-        </p:nvSpPr>
-        <p:spPr>
-          <a:xfrm>
-            <a:off x="838198" y="5557802"/>
-            <a:ext cx="5379722" cy="646331"/>
-          </a:xfrm>
-          <a:prstGeom prst="rect">
-            <a:avLst/>
-          </a:prstGeom>
-          <a:noFill/>
-        </p:spPr>
-        <p:txBody>
-          <a:bodyPr wrap="square" rtlCol="0">
-            <a:spAutoFit/>
-          </a:bodyPr>
-          <a:lstStyle/>
-          <a:p>
-            <a:r>
-              <a:rPr lang="zh-CN" altLang="en-US" dirty="0"/>
-              <a:t>解决方法：</a:t>
-            </a:r>
-            <a:endParaRPr lang="en-US" altLang="zh-CN" dirty="0"/>
-          </a:p>
-          <a:p>
-            <a:r>
-              <a:rPr lang="en-US" altLang="zh-CN" dirty="0"/>
-              <a:t>	</a:t>
-            </a:r>
-            <a:r>
-              <a:rPr lang="zh-CN" altLang="en-US" dirty="0"/>
-              <a:t>去除多余操作</a:t>
-            </a:r>
-          </a:p>
-        </p:txBody>
-      </p:sp>
-      <p:sp>
-        <p:nvSpPr>
-          <p:cNvPr id="6" name="矩形 5">
-            <a:extLst>
-              <a:ext uri="{FF2B5EF4-FFF2-40B4-BE49-F238E27FC236}">
-                <a16:creationId xmlns:a16="http://schemas.microsoft.com/office/drawing/2014/main" id="{73299C00-6131-491C-A3B2-CFDF34684642}"/>
-              </a:ext>
-            </a:extLst>
-          </p:cNvPr>
-          <p:cNvSpPr/>
-          <p:nvPr/>
-        </p:nvSpPr>
-        <p:spPr>
-          <a:xfrm>
-            <a:off x="838198" y="2440640"/>
-            <a:ext cx="4044697" cy="369332"/>
-          </a:xfrm>
-          <a:prstGeom prst="rect">
-            <a:avLst/>
-          </a:prstGeom>
-        </p:spPr>
-        <p:txBody>
-          <a:bodyPr wrap="none">
-            <a:spAutoFit/>
-          </a:bodyPr>
-          <a:lstStyle/>
-          <a:p>
-            <a:r>
-              <a:rPr lang="en-US" altLang="zh-CN" b="1" dirty="0">
-                <a:solidFill>
-                  <a:srgbClr val="444444"/>
-                </a:solidFill>
-                <a:latin typeface="Helvetica Neue"/>
-              </a:rPr>
-              <a:t>Remove the unboxing of "</a:t>
-            </a:r>
-            <a:r>
-              <a:rPr lang="en-US" altLang="zh-CN" b="1" dirty="0" err="1">
-                <a:solidFill>
-                  <a:srgbClr val="444444"/>
-                </a:solidFill>
-                <a:latin typeface="Helvetica Neue"/>
-              </a:rPr>
-              <a:t>nodelId</a:t>
-            </a:r>
-            <a:r>
-              <a:rPr lang="en-US" altLang="zh-CN" b="1" dirty="0">
-                <a:solidFill>
-                  <a:srgbClr val="444444"/>
-                </a:solidFill>
-                <a:latin typeface="Helvetica Neue"/>
-              </a:rPr>
-              <a:t>".</a:t>
-            </a:r>
-            <a:endParaRPr lang="zh-CN" altLang="en-US" dirty="0"/>
-          </a:p>
-        </p:txBody>
-      </p:sp>
-      <p:pic>
-        <p:nvPicPr>
-          <p:cNvPr id="7" name="图片 6">
-            <a:extLst>
-              <a:ext uri="{FF2B5EF4-FFF2-40B4-BE49-F238E27FC236}">
-                <a16:creationId xmlns:a16="http://schemas.microsoft.com/office/drawing/2014/main" id="{0D91D3D1-0035-4F8C-A449-39EE95096D0A}"/>
-              </a:ext>
-            </a:extLst>
-          </p:cNvPr>
-          <p:cNvPicPr>
-            <a:picLocks noChangeAspect="1"/>
-          </p:cNvPicPr>
-          <p:nvPr/>
-        </p:nvPicPr>
-        <p:blipFill>
-          <a:blip r:embed="rId3"/>
-          <a:stretch>
-            <a:fillRect/>
-          </a:stretch>
-        </p:blipFill>
-        <p:spPr>
-          <a:xfrm>
             <a:off x="838198" y="3954726"/>
             <a:ext cx="7384420" cy="1234547"/>
           </a:xfrm>
@@ -6899,11 +6162,6 @@
         </p:spPr>
       </p:pic>
     </p:spTree>
-    <p:extLst>
-      <p:ext uri="{BB962C8B-B14F-4D97-AF65-F5344CB8AC3E}">
-        <p14:creationId xmlns:p14="http://schemas.microsoft.com/office/powerpoint/2010/main" val="744881348"/>
-      </p:ext>
-    </p:extLst>
   </p:cSld>
   <p:clrMapOvr>
     <a:masterClrMapping/>
@@ -6930,13 +6188,7 @@
       </p:grpSpPr>
       <p:sp>
         <p:nvSpPr>
-          <p:cNvPr id="2" name="标题 1">
-            <a:extLst>
-              <a:ext uri="{FF2B5EF4-FFF2-40B4-BE49-F238E27FC236}">
-                <a16:creationId xmlns:a16="http://schemas.microsoft.com/office/drawing/2014/main" id="{277C3EF6-1452-43F3-974C-10C8FEF53107}"/>
-              </a:ext>
-            </a:extLst>
-          </p:cNvPr>
+          <p:cNvPr id="2" name="标题 1"/>
           <p:cNvSpPr>
             <a:spLocks noGrp="1"/>
           </p:cNvSpPr>
@@ -6959,13 +6211,7 @@
       </p:sp>
       <p:sp>
         <p:nvSpPr>
-          <p:cNvPr id="4" name="文本框 3">
-            <a:extLst>
-              <a:ext uri="{FF2B5EF4-FFF2-40B4-BE49-F238E27FC236}">
-                <a16:creationId xmlns:a16="http://schemas.microsoft.com/office/drawing/2014/main" id="{FE6C1187-DFEB-46BF-882B-6591B2508DD6}"/>
-              </a:ext>
-            </a:extLst>
-          </p:cNvPr>
+          <p:cNvPr id="4" name="文本框 3"/>
           <p:cNvSpPr txBox="1"/>
           <p:nvPr/>
         </p:nvSpPr>
@@ -6993,18 +6239,141 @@
               <a:rPr lang="zh-CN" altLang="en-US" dirty="0"/>
               <a:t>次要</a:t>
             </a:r>
+            <a:endParaRPr lang="zh-CN" altLang="en-US" dirty="0"/>
           </a:p>
         </p:txBody>
       </p:sp>
       <p:pic>
         <p:nvPicPr>
-          <p:cNvPr id="5" name="图片 4">
-            <a:extLst>
-              <a:ext uri="{FF2B5EF4-FFF2-40B4-BE49-F238E27FC236}">
-                <a16:creationId xmlns:a16="http://schemas.microsoft.com/office/drawing/2014/main" id="{9ED62B86-7C1A-4CA6-AD3F-B3E11B772BD2}"/>
-              </a:ext>
-            </a:extLst>
-          </p:cNvPr>
+          <p:cNvPr id="5" name="图片 4"/>
+          <p:cNvPicPr>
+            <a:picLocks noChangeAspect="1"/>
+          </p:cNvPicPr>
+          <p:nvPr/>
+        </p:nvPicPr>
+        <p:blipFill>
+          <a:blip r:embed="rId1"/>
+          <a:stretch>
+            <a:fillRect/>
+          </a:stretch>
+        </p:blipFill>
+        <p:spPr>
+          <a:xfrm>
+            <a:off x="1589649" y="1484409"/>
+            <a:ext cx="647114" cy="647114"/>
+          </a:xfrm>
+          <a:prstGeom prst="rect">
+            <a:avLst/>
+          </a:prstGeom>
+        </p:spPr>
+      </p:pic>
+      <p:sp>
+        <p:nvSpPr>
+          <p:cNvPr id="8" name="文本框 7"/>
+          <p:cNvSpPr txBox="1"/>
+          <p:nvPr/>
+        </p:nvSpPr>
+        <p:spPr>
+          <a:xfrm>
+            <a:off x="838198" y="3146609"/>
+            <a:ext cx="9580099" cy="369332"/>
+          </a:xfrm>
+          <a:prstGeom prst="rect">
+            <a:avLst/>
+          </a:prstGeom>
+          <a:noFill/>
+        </p:spPr>
+        <p:txBody>
+          <a:bodyPr wrap="square" rtlCol="0">
+            <a:spAutoFit/>
+          </a:bodyPr>
+          <a:lstStyle/>
+          <a:p>
+            <a:r>
+              <a:rPr lang="zh-CN" altLang="en-US" dirty="0"/>
+              <a:t>把该整数除法的一个操作数强转为 </a:t>
+            </a:r>
+            <a:r>
+              <a:rPr lang="en-US" altLang="zh-CN" dirty="0"/>
+              <a:t>double</a:t>
+            </a:r>
+            <a:endParaRPr lang="en-US" altLang="zh-CN" dirty="0"/>
+          </a:p>
+        </p:txBody>
+      </p:sp>
+      <p:sp>
+        <p:nvSpPr>
+          <p:cNvPr id="11" name="文本框 10"/>
+          <p:cNvSpPr txBox="1"/>
+          <p:nvPr/>
+        </p:nvSpPr>
+        <p:spPr>
+          <a:xfrm>
+            <a:off x="852266" y="4976345"/>
+            <a:ext cx="5379722" cy="646331"/>
+          </a:xfrm>
+          <a:prstGeom prst="rect">
+            <a:avLst/>
+          </a:prstGeom>
+          <a:noFill/>
+        </p:spPr>
+        <p:txBody>
+          <a:bodyPr wrap="square" rtlCol="0">
+            <a:spAutoFit/>
+          </a:bodyPr>
+          <a:lstStyle/>
+          <a:p>
+            <a:r>
+              <a:rPr lang="zh-CN" altLang="en-US" dirty="0"/>
+              <a:t>解决方法：</a:t>
+            </a:r>
+            <a:endParaRPr lang="en-US" altLang="zh-CN" dirty="0"/>
+          </a:p>
+          <a:p>
+            <a:r>
+              <a:rPr lang="en-US" altLang="zh-CN" dirty="0"/>
+              <a:t>	</a:t>
+            </a:r>
+            <a:r>
+              <a:rPr lang="zh-CN" altLang="en-US" dirty="0"/>
+              <a:t>计算前就进行强转</a:t>
+            </a:r>
+            <a:endParaRPr lang="zh-CN" altLang="en-US" dirty="0"/>
+          </a:p>
+        </p:txBody>
+      </p:sp>
+      <p:sp>
+        <p:nvSpPr>
+          <p:cNvPr id="6" name="矩形 5"/>
+          <p:cNvSpPr/>
+          <p:nvPr/>
+        </p:nvSpPr>
+        <p:spPr>
+          <a:xfrm>
+            <a:off x="838198" y="2440640"/>
+            <a:ext cx="6763390" cy="369332"/>
+          </a:xfrm>
+          <a:prstGeom prst="rect">
+            <a:avLst/>
+          </a:prstGeom>
+        </p:spPr>
+        <p:txBody>
+          <a:bodyPr wrap="none">
+            <a:spAutoFit/>
+          </a:bodyPr>
+          <a:lstStyle/>
+          <a:p>
+            <a:r>
+              <a:rPr lang="en-US" altLang="zh-CN" b="1" dirty="0"/>
+              <a:t>Cast one of the operands of this integer division to a "double".</a:t>
+            </a:r>
+            <a:endParaRPr lang="zh-CN" altLang="en-US" dirty="0"/>
+          </a:p>
+        </p:txBody>
+      </p:sp>
+      <p:pic>
+        <p:nvPicPr>
+          <p:cNvPr id="3" name="图片 2"/>
           <p:cNvPicPr>
             <a:picLocks noChangeAspect="1"/>
           </p:cNvPicPr>
@@ -7018,156 +6387,6 @@
         </p:blipFill>
         <p:spPr>
           <a:xfrm>
-            <a:off x="1589649" y="1484409"/>
-            <a:ext cx="647114" cy="647114"/>
-          </a:xfrm>
-          <a:prstGeom prst="rect">
-            <a:avLst/>
-          </a:prstGeom>
-        </p:spPr>
-      </p:pic>
-      <p:sp>
-        <p:nvSpPr>
-          <p:cNvPr id="8" name="文本框 7">
-            <a:extLst>
-              <a:ext uri="{FF2B5EF4-FFF2-40B4-BE49-F238E27FC236}">
-                <a16:creationId xmlns:a16="http://schemas.microsoft.com/office/drawing/2014/main" id="{5708CDC3-345E-450C-9F51-52336FA10967}"/>
-              </a:ext>
-            </a:extLst>
-          </p:cNvPr>
-          <p:cNvSpPr txBox="1"/>
-          <p:nvPr/>
-        </p:nvSpPr>
-        <p:spPr>
-          <a:xfrm>
-            <a:off x="838198" y="3146609"/>
-            <a:ext cx="9580099" cy="369332"/>
-          </a:xfrm>
-          <a:prstGeom prst="rect">
-            <a:avLst/>
-          </a:prstGeom>
-          <a:noFill/>
-        </p:spPr>
-        <p:txBody>
-          <a:bodyPr wrap="square" rtlCol="0">
-            <a:spAutoFit/>
-          </a:bodyPr>
-          <a:lstStyle/>
-          <a:p>
-            <a:r>
-              <a:rPr lang="zh-CN" altLang="en-US" dirty="0"/>
-              <a:t>把该整数除法的一个操作数强转为 </a:t>
-            </a:r>
-            <a:r>
-              <a:rPr lang="en-US" altLang="zh-CN" dirty="0"/>
-              <a:t>double</a:t>
-            </a:r>
-          </a:p>
-        </p:txBody>
-      </p:sp>
-      <p:sp>
-        <p:nvSpPr>
-          <p:cNvPr id="11" name="文本框 10">
-            <a:extLst>
-              <a:ext uri="{FF2B5EF4-FFF2-40B4-BE49-F238E27FC236}">
-                <a16:creationId xmlns:a16="http://schemas.microsoft.com/office/drawing/2014/main" id="{A074C8E4-EA43-4618-A781-EA88732EF003}"/>
-              </a:ext>
-            </a:extLst>
-          </p:cNvPr>
-          <p:cNvSpPr txBox="1"/>
-          <p:nvPr/>
-        </p:nvSpPr>
-        <p:spPr>
-          <a:xfrm>
-            <a:off x="852266" y="4976345"/>
-            <a:ext cx="5379722" cy="646331"/>
-          </a:xfrm>
-          <a:prstGeom prst="rect">
-            <a:avLst/>
-          </a:prstGeom>
-          <a:noFill/>
-        </p:spPr>
-        <p:txBody>
-          <a:bodyPr wrap="square" rtlCol="0">
-            <a:spAutoFit/>
-          </a:bodyPr>
-          <a:lstStyle/>
-          <a:p>
-            <a:r>
-              <a:rPr lang="zh-CN" altLang="en-US" dirty="0"/>
-              <a:t>解决方法：</a:t>
-            </a:r>
-            <a:endParaRPr lang="en-US" altLang="zh-CN" dirty="0"/>
-          </a:p>
-          <a:p>
-            <a:r>
-              <a:rPr lang="en-US" altLang="zh-CN" dirty="0"/>
-              <a:t>	</a:t>
-            </a:r>
-            <a:r>
-              <a:rPr lang="zh-CN" altLang="en-US" dirty="0"/>
-              <a:t>计算前就进行强转</a:t>
-            </a:r>
-          </a:p>
-        </p:txBody>
-      </p:sp>
-      <p:sp>
-        <p:nvSpPr>
-          <p:cNvPr id="6" name="矩形 5">
-            <a:extLst>
-              <a:ext uri="{FF2B5EF4-FFF2-40B4-BE49-F238E27FC236}">
-                <a16:creationId xmlns:a16="http://schemas.microsoft.com/office/drawing/2014/main" id="{73299C00-6131-491C-A3B2-CFDF34684642}"/>
-              </a:ext>
-            </a:extLst>
-          </p:cNvPr>
-          <p:cNvSpPr/>
-          <p:nvPr/>
-        </p:nvSpPr>
-        <p:spPr>
-          <a:xfrm>
-            <a:off x="838198" y="2440640"/>
-            <a:ext cx="6763390" cy="369332"/>
-          </a:xfrm>
-          <a:prstGeom prst="rect">
-            <a:avLst/>
-          </a:prstGeom>
-        </p:spPr>
-        <p:txBody>
-          <a:bodyPr wrap="none">
-            <a:spAutoFit/>
-          </a:bodyPr>
-          <a:lstStyle/>
-          <a:p>
-            <a:r>
-              <a:rPr lang="en-US" altLang="zh-CN" b="1" dirty="0"/>
-              <a:t>Cast one of the operands of this integer division to a "double".</a:t>
-            </a:r>
-            <a:endParaRPr lang="zh-CN" altLang="en-US" dirty="0"/>
-          </a:p>
-        </p:txBody>
-      </p:sp>
-      <p:pic>
-        <p:nvPicPr>
-          <p:cNvPr id="3" name="图片 2">
-            <a:extLst>
-              <a:ext uri="{FF2B5EF4-FFF2-40B4-BE49-F238E27FC236}">
-                <a16:creationId xmlns:a16="http://schemas.microsoft.com/office/drawing/2014/main" id="{DD295F86-0409-43C5-B675-6FF877CCA28D}"/>
-              </a:ext>
-            </a:extLst>
-          </p:cNvPr>
-          <p:cNvPicPr>
-            <a:picLocks noChangeAspect="1"/>
-          </p:cNvPicPr>
-          <p:nvPr/>
-        </p:nvPicPr>
-        <p:blipFill>
-          <a:blip r:embed="rId3"/>
-          <a:stretch>
-            <a:fillRect/>
-          </a:stretch>
-        </p:blipFill>
-        <p:spPr>
-          <a:xfrm>
             <a:off x="687561" y="3707833"/>
             <a:ext cx="11323313" cy="540526"/>
           </a:xfrm>
@@ -7177,11 +6396,6 @@
         </p:spPr>
       </p:pic>
     </p:spTree>
-    <p:extLst>
-      <p:ext uri="{BB962C8B-B14F-4D97-AF65-F5344CB8AC3E}">
-        <p14:creationId xmlns:p14="http://schemas.microsoft.com/office/powerpoint/2010/main" val="2343050330"/>
-      </p:ext>
-    </p:extLst>
   </p:cSld>
   <p:clrMapOvr>
     <a:masterClrMapping/>
@@ -7208,13 +6422,7 @@
       </p:grpSpPr>
       <p:sp>
         <p:nvSpPr>
-          <p:cNvPr id="2" name="标题 1">
-            <a:extLst>
-              <a:ext uri="{FF2B5EF4-FFF2-40B4-BE49-F238E27FC236}">
-                <a16:creationId xmlns:a16="http://schemas.microsoft.com/office/drawing/2014/main" id="{277C3EF6-1452-43F3-974C-10C8FEF53107}"/>
-              </a:ext>
-            </a:extLst>
-          </p:cNvPr>
+          <p:cNvPr id="2" name="标题 1"/>
           <p:cNvSpPr>
             <a:spLocks noGrp="1"/>
           </p:cNvSpPr>
@@ -7237,13 +6445,7 @@
       </p:sp>
       <p:sp>
         <p:nvSpPr>
-          <p:cNvPr id="4" name="文本框 3">
-            <a:extLst>
-              <a:ext uri="{FF2B5EF4-FFF2-40B4-BE49-F238E27FC236}">
-                <a16:creationId xmlns:a16="http://schemas.microsoft.com/office/drawing/2014/main" id="{FE6C1187-DFEB-46BF-882B-6591B2508DD6}"/>
-              </a:ext>
-            </a:extLst>
-          </p:cNvPr>
+          <p:cNvPr id="4" name="文本框 3"/>
           <p:cNvSpPr txBox="1"/>
           <p:nvPr/>
         </p:nvSpPr>
@@ -7271,18 +6473,101 @@
               <a:rPr lang="zh-CN" altLang="en-US" dirty="0"/>
               <a:t>次要</a:t>
             </a:r>
+            <a:endParaRPr lang="zh-CN" altLang="en-US" dirty="0"/>
           </a:p>
         </p:txBody>
       </p:sp>
       <p:pic>
         <p:nvPicPr>
-          <p:cNvPr id="5" name="图片 4">
-            <a:extLst>
-              <a:ext uri="{FF2B5EF4-FFF2-40B4-BE49-F238E27FC236}">
-                <a16:creationId xmlns:a16="http://schemas.microsoft.com/office/drawing/2014/main" id="{9ED62B86-7C1A-4CA6-AD3F-B3E11B772BD2}"/>
-              </a:ext>
-            </a:extLst>
-          </p:cNvPr>
+          <p:cNvPr id="5" name="图片 4"/>
+          <p:cNvPicPr>
+            <a:picLocks noChangeAspect="1"/>
+          </p:cNvPicPr>
+          <p:nvPr/>
+        </p:nvPicPr>
+        <p:blipFill>
+          <a:blip r:embed="rId1"/>
+          <a:stretch>
+            <a:fillRect/>
+          </a:stretch>
+        </p:blipFill>
+        <p:spPr>
+          <a:xfrm>
+            <a:off x="1589649" y="1484409"/>
+            <a:ext cx="647114" cy="647114"/>
+          </a:xfrm>
+          <a:prstGeom prst="rect">
+            <a:avLst/>
+          </a:prstGeom>
+        </p:spPr>
+      </p:pic>
+      <p:sp>
+        <p:nvSpPr>
+          <p:cNvPr id="8" name="文本框 7"/>
+          <p:cNvSpPr txBox="1"/>
+          <p:nvPr/>
+        </p:nvSpPr>
+        <p:spPr>
+          <a:xfrm>
+            <a:off x="838198" y="3146609"/>
+            <a:ext cx="9580099" cy="369332"/>
+          </a:xfrm>
+          <a:prstGeom prst="rect">
+            <a:avLst/>
+          </a:prstGeom>
+          <a:noFill/>
+        </p:spPr>
+        <p:txBody>
+          <a:bodyPr wrap="square" rtlCol="0">
+            <a:spAutoFit/>
+          </a:bodyPr>
+          <a:lstStyle/>
+          <a:p>
+            <a:r>
+              <a:rPr lang="zh-CN" altLang="en-US" dirty="0"/>
+              <a:t>用其他方式进行实例化这个实例</a:t>
+            </a:r>
+            <a:endParaRPr lang="en-US" altLang="zh-CN" dirty="0"/>
+          </a:p>
+        </p:txBody>
+      </p:sp>
+      <p:sp>
+        <p:nvSpPr>
+          <p:cNvPr id="7" name="矩形 6"/>
+          <p:cNvSpPr/>
+          <p:nvPr/>
+        </p:nvSpPr>
+        <p:spPr>
+          <a:xfrm>
+            <a:off x="852266" y="2351286"/>
+            <a:ext cx="4814138" cy="369332"/>
+          </a:xfrm>
+          <a:prstGeom prst="rect">
+            <a:avLst/>
+          </a:prstGeom>
+        </p:spPr>
+        <p:txBody>
+          <a:bodyPr wrap="none">
+            <a:spAutoFit/>
+          </a:bodyPr>
+          <a:lstStyle/>
+          <a:p>
+            <a:r>
+              <a:rPr lang="en-US" altLang="zh-CN" b="1" dirty="0">
+                <a:solidFill>
+                  <a:srgbClr val="444444"/>
+                </a:solidFill>
+                <a:latin typeface="Helvetica Neue"/>
+              </a:rPr>
+              <a:t>Use another way to initialize this instance.</a:t>
+            </a:r>
+            <a:endParaRPr lang="zh-CN" altLang="en-US" dirty="0"/>
+          </a:p>
+        </p:txBody>
+      </p:sp>
+      <p:pic>
+        <p:nvPicPr>
+          <p:cNvPr id="9" name="图片 8"/>
           <p:cNvPicPr>
             <a:picLocks noChangeAspect="1"/>
           </p:cNvPicPr>
@@ -7296,112 +6581,6 @@
         </p:blipFill>
         <p:spPr>
           <a:xfrm>
-            <a:off x="1589649" y="1484409"/>
-            <a:ext cx="647114" cy="647114"/>
-          </a:xfrm>
-          <a:prstGeom prst="rect">
-            <a:avLst/>
-          </a:prstGeom>
-        </p:spPr>
-      </p:pic>
-      <p:sp>
-        <p:nvSpPr>
-          <p:cNvPr id="8" name="文本框 7">
-            <a:extLst>
-              <a:ext uri="{FF2B5EF4-FFF2-40B4-BE49-F238E27FC236}">
-                <a16:creationId xmlns:a16="http://schemas.microsoft.com/office/drawing/2014/main" id="{5708CDC3-345E-450C-9F51-52336FA10967}"/>
-              </a:ext>
-            </a:extLst>
-          </p:cNvPr>
-          <p:cNvSpPr txBox="1"/>
-          <p:nvPr/>
-        </p:nvSpPr>
-        <p:spPr>
-          <a:xfrm>
-            <a:off x="838198" y="3146609"/>
-            <a:ext cx="9580099" cy="369332"/>
-          </a:xfrm>
-          <a:prstGeom prst="rect">
-            <a:avLst/>
-          </a:prstGeom>
-          <a:noFill/>
-        </p:spPr>
-        <p:txBody>
-          <a:bodyPr wrap="square" rtlCol="0">
-            <a:spAutoFit/>
-          </a:bodyPr>
-          <a:lstStyle/>
-          <a:p>
-            <a:r>
-              <a:rPr lang="zh-CN" altLang="en-US" dirty="0"/>
-              <a:t>用其他方式进行实例化这个实例</a:t>
-            </a:r>
-            <a:endParaRPr lang="en-US" altLang="zh-CN" dirty="0"/>
-          </a:p>
-        </p:txBody>
-      </p:sp>
-      <p:sp>
-        <p:nvSpPr>
-          <p:cNvPr id="7" name="矩形 6">
-            <a:extLst>
-              <a:ext uri="{FF2B5EF4-FFF2-40B4-BE49-F238E27FC236}">
-                <a16:creationId xmlns:a16="http://schemas.microsoft.com/office/drawing/2014/main" id="{1CF24FD0-D5C2-48C2-809C-CB7D304BF931}"/>
-              </a:ext>
-            </a:extLst>
-          </p:cNvPr>
-          <p:cNvSpPr/>
-          <p:nvPr/>
-        </p:nvSpPr>
-        <p:spPr>
-          <a:xfrm>
-            <a:off x="852266" y="2351286"/>
-            <a:ext cx="4814138" cy="369332"/>
-          </a:xfrm>
-          <a:prstGeom prst="rect">
-            <a:avLst/>
-          </a:prstGeom>
-        </p:spPr>
-        <p:txBody>
-          <a:bodyPr wrap="none">
-            <a:spAutoFit/>
-          </a:bodyPr>
-          <a:lstStyle/>
-          <a:p>
-            <a:r>
-              <a:rPr lang="en-US" altLang="zh-CN" b="1" dirty="0">
-                <a:solidFill>
-                  <a:srgbClr val="444444"/>
-                </a:solidFill>
-                <a:latin typeface="Helvetica Neue"/>
-              </a:rPr>
-              <a:t>Use another way to initialize this instance.</a:t>
-            </a:r>
-            <a:endParaRPr lang="zh-CN" altLang="en-US" dirty="0"/>
-          </a:p>
-        </p:txBody>
-      </p:sp>
-      <p:pic>
-        <p:nvPicPr>
-          <p:cNvPr id="9" name="图片 8">
-            <a:extLst>
-              <a:ext uri="{FF2B5EF4-FFF2-40B4-BE49-F238E27FC236}">
-                <a16:creationId xmlns:a16="http://schemas.microsoft.com/office/drawing/2014/main" id="{C1BF6D97-5AE4-4030-99BE-E6EED6921F5F}"/>
-              </a:ext>
-            </a:extLst>
-          </p:cNvPr>
-          <p:cNvPicPr>
-            <a:picLocks noChangeAspect="1"/>
-          </p:cNvPicPr>
-          <p:nvPr/>
-        </p:nvPicPr>
-        <p:blipFill>
-          <a:blip r:embed="rId3"/>
-          <a:stretch>
-            <a:fillRect/>
-          </a:stretch>
-        </p:blipFill>
-        <p:spPr>
-          <a:xfrm>
             <a:off x="6525598" y="2131523"/>
             <a:ext cx="4390430" cy="3825947"/>
           </a:xfrm>
@@ -7411,11 +6590,6 @@
         </p:spPr>
       </p:pic>
     </p:spTree>
-    <p:extLst>
-      <p:ext uri="{BB962C8B-B14F-4D97-AF65-F5344CB8AC3E}">
-        <p14:creationId xmlns:p14="http://schemas.microsoft.com/office/powerpoint/2010/main" val="3454659924"/>
-      </p:ext>
-    </p:extLst>
   </p:cSld>
   <p:clrMapOvr>
     <a:masterClrMapping/>
@@ -7442,13 +6616,7 @@
       </p:grpSpPr>
       <p:sp>
         <p:nvSpPr>
-          <p:cNvPr id="2" name="标题 1">
-            <a:extLst>
-              <a:ext uri="{FF2B5EF4-FFF2-40B4-BE49-F238E27FC236}">
-                <a16:creationId xmlns:a16="http://schemas.microsoft.com/office/drawing/2014/main" id="{277C3EF6-1452-43F3-974C-10C8FEF53107}"/>
-              </a:ext>
-            </a:extLst>
-          </p:cNvPr>
+          <p:cNvPr id="2" name="标题 1"/>
           <p:cNvSpPr>
             <a:spLocks noGrp="1"/>
           </p:cNvSpPr>
@@ -7471,13 +6639,7 @@
       </p:sp>
       <p:sp>
         <p:nvSpPr>
-          <p:cNvPr id="3" name="内容占位符 2">
-            <a:extLst>
-              <a:ext uri="{FF2B5EF4-FFF2-40B4-BE49-F238E27FC236}">
-                <a16:creationId xmlns:a16="http://schemas.microsoft.com/office/drawing/2014/main" id="{76F18EEF-24CD-40F9-A932-5A17976CE6D0}"/>
-              </a:ext>
-            </a:extLst>
-          </p:cNvPr>
+          <p:cNvPr id="3" name="内容占位符 2"/>
           <p:cNvSpPr>
             <a:spLocks noGrp="1"/>
           </p:cNvSpPr>
@@ -7508,13 +6670,7 @@
       </p:sp>
       <p:sp>
         <p:nvSpPr>
-          <p:cNvPr id="4" name="文本框 3">
-            <a:extLst>
-              <a:ext uri="{FF2B5EF4-FFF2-40B4-BE49-F238E27FC236}">
-                <a16:creationId xmlns:a16="http://schemas.microsoft.com/office/drawing/2014/main" id="{FE6C1187-DFEB-46BF-882B-6591B2508DD6}"/>
-              </a:ext>
-            </a:extLst>
-          </p:cNvPr>
+          <p:cNvPr id="4" name="文本框 3"/>
           <p:cNvSpPr txBox="1"/>
           <p:nvPr/>
         </p:nvSpPr>
@@ -7542,25 +6698,20 @@
               <a:rPr lang="zh-CN" altLang="en-US" dirty="0"/>
               <a:t>阻断</a:t>
             </a:r>
+            <a:endParaRPr lang="zh-CN" altLang="en-US" dirty="0"/>
           </a:p>
         </p:txBody>
       </p:sp>
       <p:pic>
         <p:nvPicPr>
-          <p:cNvPr id="5" name="图片 4">
-            <a:extLst>
-              <a:ext uri="{FF2B5EF4-FFF2-40B4-BE49-F238E27FC236}">
-                <a16:creationId xmlns:a16="http://schemas.microsoft.com/office/drawing/2014/main" id="{CE506017-E8FA-4378-8A93-5548ABDF70FE}"/>
-              </a:ext>
-            </a:extLst>
-          </p:cNvPr>
+          <p:cNvPr id="5" name="图片 4"/>
           <p:cNvPicPr>
             <a:picLocks noChangeAspect="1"/>
           </p:cNvPicPr>
           <p:nvPr/>
         </p:nvPicPr>
         <p:blipFill>
-          <a:blip r:embed="rId2"/>
+          <a:blip r:embed="rId1"/>
           <a:stretch>
             <a:fillRect/>
           </a:stretch>
@@ -7577,13 +6728,7 @@
       </p:pic>
       <p:sp>
         <p:nvSpPr>
-          <p:cNvPr id="6" name="矩形 5">
-            <a:extLst>
-              <a:ext uri="{FF2B5EF4-FFF2-40B4-BE49-F238E27FC236}">
-                <a16:creationId xmlns:a16="http://schemas.microsoft.com/office/drawing/2014/main" id="{469D32CF-B562-4DB9-AA68-86D8AC93316D}"/>
-              </a:ext>
-            </a:extLst>
-          </p:cNvPr>
+          <p:cNvPr id="6" name="矩形 5"/>
           <p:cNvSpPr/>
           <p:nvPr/>
         </p:nvSpPr>
@@ -7611,6 +6756,12 @@
               </a:rPr>
               <a:t>Use try-with-resources or close this “******" in a "finally" clause.</a:t>
             </a:r>
+            <a:endParaRPr lang="en-US" altLang="zh-CN" b="1" dirty="0">
+              <a:solidFill>
+                <a:srgbClr val="444444"/>
+              </a:solidFill>
+              <a:latin typeface="Helvetica Neue"/>
+            </a:endParaRPr>
           </a:p>
           <a:p>
             <a:r>
@@ -7664,13 +6815,7 @@
       </p:sp>
       <p:sp>
         <p:nvSpPr>
-          <p:cNvPr id="7" name="文本框 6">
-            <a:extLst>
-              <a:ext uri="{FF2B5EF4-FFF2-40B4-BE49-F238E27FC236}">
-                <a16:creationId xmlns:a16="http://schemas.microsoft.com/office/drawing/2014/main" id="{4CC92ECE-ADAA-40E3-B18F-00C251FF1BAA}"/>
-              </a:ext>
-            </a:extLst>
-          </p:cNvPr>
+          <p:cNvPr id="7" name="文本框 6"/>
           <p:cNvSpPr txBox="1"/>
           <p:nvPr/>
         </p:nvSpPr>
@@ -7739,13 +6884,7 @@
       </p:sp>
       <p:sp>
         <p:nvSpPr>
-          <p:cNvPr id="10" name="Rectangle 1">
-            <a:extLst>
-              <a:ext uri="{FF2B5EF4-FFF2-40B4-BE49-F238E27FC236}">
-                <a16:creationId xmlns:a16="http://schemas.microsoft.com/office/drawing/2014/main" id="{58411B36-DA1C-4F11-B3C6-E7F9E5FEDDD1}"/>
-              </a:ext>
-            </a:extLst>
-          </p:cNvPr>
+          <p:cNvPr id="10" name="Rectangle 1"/>
           <p:cNvSpPr>
             <a:spLocks noChangeArrowheads="1"/>
           </p:cNvSpPr>
@@ -7790,9 +6929,6 @@
         </p:spPr>
         <p:txBody>
           <a:bodyPr vert="horz" wrap="none" lIns="0" tIns="158700" rIns="0" bIns="158700" numCol="1" anchor="ctr" anchorCtr="0" compatLnSpc="1">
-            <a:prstTxWarp prst="textNoShape">
-              <a:avLst/>
-            </a:prstTxWarp>
             <a:spAutoFit/>
           </a:bodyPr>
           <a:lstStyle/>
@@ -7811,7 +6947,6 @@
               <a:buSzTx/>
               <a:buFontTx/>
               <a:buNone/>
-              <a:tabLst/>
             </a:pPr>
             <a:endParaRPr kumimoji="0" lang="zh-CN" altLang="zh-CN" sz="4400" b="0" i="0" u="none" strike="noStrike" cap="none" normalizeH="0" baseline="0" dirty="0">
               <a:ln>
@@ -7828,20 +6963,14 @@
       </p:sp>
       <p:pic>
         <p:nvPicPr>
-          <p:cNvPr id="13" name="图片 12">
-            <a:extLst>
-              <a:ext uri="{FF2B5EF4-FFF2-40B4-BE49-F238E27FC236}">
-                <a16:creationId xmlns:a16="http://schemas.microsoft.com/office/drawing/2014/main" id="{54816E13-2EDA-4598-ACAA-0C5915BED86F}"/>
-              </a:ext>
-            </a:extLst>
-          </p:cNvPr>
+          <p:cNvPr id="13" name="图片 12"/>
           <p:cNvPicPr>
             <a:picLocks noChangeAspect="1"/>
           </p:cNvPicPr>
           <p:nvPr/>
         </p:nvPicPr>
         <p:blipFill>
-          <a:blip r:embed="rId3"/>
+          <a:blip r:embed="rId2"/>
           <a:stretch>
             <a:fillRect/>
           </a:stretch>
@@ -7858,13 +6987,7 @@
       </p:pic>
       <p:sp>
         <p:nvSpPr>
-          <p:cNvPr id="14" name="文本框 13">
-            <a:extLst>
-              <a:ext uri="{FF2B5EF4-FFF2-40B4-BE49-F238E27FC236}">
-                <a16:creationId xmlns:a16="http://schemas.microsoft.com/office/drawing/2014/main" id="{A00CAE23-BD91-4319-AB11-EC8DB9653CF7}"/>
-              </a:ext>
-            </a:extLst>
-          </p:cNvPr>
+          <p:cNvPr id="14" name="文本框 13"/>
           <p:cNvSpPr txBox="1"/>
           <p:nvPr/>
         </p:nvSpPr>
@@ -7915,15 +7038,11 @@
               <a:rPr lang="zh-CN" altLang="en-US" dirty="0"/>
               <a:t>中手动关闭流</a:t>
             </a:r>
+            <a:endParaRPr lang="zh-CN" altLang="en-US" dirty="0"/>
           </a:p>
         </p:txBody>
       </p:sp>
     </p:spTree>
-    <p:extLst>
-      <p:ext uri="{BB962C8B-B14F-4D97-AF65-F5344CB8AC3E}">
-        <p14:creationId xmlns:p14="http://schemas.microsoft.com/office/powerpoint/2010/main" val="987561271"/>
-      </p:ext>
-    </p:extLst>
   </p:cSld>
   <p:clrMapOvr>
     <a:masterClrMapping/>
@@ -7950,13 +7069,7 @@
       </p:grpSpPr>
       <p:sp>
         <p:nvSpPr>
-          <p:cNvPr id="2" name="标题 1">
-            <a:extLst>
-              <a:ext uri="{FF2B5EF4-FFF2-40B4-BE49-F238E27FC236}">
-                <a16:creationId xmlns:a16="http://schemas.microsoft.com/office/drawing/2014/main" id="{277C3EF6-1452-43F3-974C-10C8FEF53107}"/>
-              </a:ext>
-            </a:extLst>
-          </p:cNvPr>
+          <p:cNvPr id="2" name="标题 1"/>
           <p:cNvSpPr>
             <a:spLocks noGrp="1"/>
           </p:cNvSpPr>
@@ -7977,18 +7090,13 @@
               <a:rPr lang="zh-CN" altLang="en-US" b="1" dirty="0"/>
               <a:t>漏洞</a:t>
             </a:r>
-          </a:p>
-        </p:txBody>
-      </p:sp>
-      <p:sp>
-        <p:nvSpPr>
-          <p:cNvPr id="4" name="文本框 3">
-            <a:extLst>
-              <a:ext uri="{FF2B5EF4-FFF2-40B4-BE49-F238E27FC236}">
-                <a16:creationId xmlns:a16="http://schemas.microsoft.com/office/drawing/2014/main" id="{FE6C1187-DFEB-46BF-882B-6591B2508DD6}"/>
-              </a:ext>
-            </a:extLst>
-          </p:cNvPr>
+            <a:endParaRPr lang="zh-CN" altLang="en-US" b="1" dirty="0"/>
+          </a:p>
+        </p:txBody>
+      </p:sp>
+      <p:sp>
+        <p:nvSpPr>
+          <p:cNvPr id="4" name="文本框 3"/>
           <p:cNvSpPr txBox="1"/>
           <p:nvPr/>
         </p:nvSpPr>
@@ -8016,18 +7124,106 @@
               <a:rPr lang="zh-CN" altLang="en-US" dirty="0"/>
               <a:t>阻断</a:t>
             </a:r>
+            <a:endParaRPr lang="zh-CN" altLang="en-US" dirty="0"/>
           </a:p>
         </p:txBody>
       </p:sp>
       <p:pic>
         <p:nvPicPr>
-          <p:cNvPr id="5" name="图片 4">
-            <a:extLst>
-              <a:ext uri="{FF2B5EF4-FFF2-40B4-BE49-F238E27FC236}">
-                <a16:creationId xmlns:a16="http://schemas.microsoft.com/office/drawing/2014/main" id="{CE506017-E8FA-4378-8A93-5548ABDF70FE}"/>
-              </a:ext>
-            </a:extLst>
-          </p:cNvPr>
+          <p:cNvPr id="5" name="图片 4"/>
+          <p:cNvPicPr>
+            <a:picLocks noChangeAspect="1"/>
+          </p:cNvPicPr>
+          <p:nvPr/>
+        </p:nvPicPr>
+        <p:blipFill>
+          <a:blip r:embed="rId1"/>
+          <a:stretch>
+            <a:fillRect/>
+          </a:stretch>
+        </p:blipFill>
+        <p:spPr>
+          <a:xfrm>
+            <a:off x="1437497" y="1591869"/>
+            <a:ext cx="495063" cy="400764"/>
+          </a:xfrm>
+          <a:prstGeom prst="rect">
+            <a:avLst/>
+          </a:prstGeom>
+        </p:spPr>
+      </p:pic>
+      <p:sp>
+        <p:nvSpPr>
+          <p:cNvPr id="7" name="矩形 6"/>
+          <p:cNvSpPr/>
+          <p:nvPr/>
+        </p:nvSpPr>
+        <p:spPr>
+          <a:xfrm>
+            <a:off x="721469" y="2302533"/>
+            <a:ext cx="10515600" cy="646331"/>
+          </a:xfrm>
+          <a:prstGeom prst="rect">
+            <a:avLst/>
+          </a:prstGeom>
+        </p:spPr>
+        <p:txBody>
+          <a:bodyPr wrap="square">
+            <a:spAutoFit/>
+          </a:bodyPr>
+          <a:lstStyle/>
+          <a:p>
+            <a:r>
+              <a:rPr lang="en-US" altLang="zh-CN" b="1" dirty="0">
+                <a:solidFill>
+                  <a:srgbClr val="444444"/>
+                </a:solidFill>
+                <a:latin typeface="Helvetica Neue"/>
+              </a:rPr>
+              <a:t>'PASSWORD' detected in this expression, review this potentially hard-coded credential.</a:t>
+            </a:r>
+            <a:endParaRPr lang="en-US" altLang="zh-CN" b="1" dirty="0">
+              <a:solidFill>
+                <a:srgbClr val="444444"/>
+              </a:solidFill>
+              <a:latin typeface="Helvetica Neue"/>
+            </a:endParaRPr>
+          </a:p>
+          <a:p>
+            <a:r>
+              <a:rPr lang="zh-CN" altLang="en-US" b="1" dirty="0">
+                <a:solidFill>
+                  <a:srgbClr val="444444"/>
+                </a:solidFill>
+                <a:latin typeface="Helvetica Neue"/>
+              </a:rPr>
+              <a:t>表达式中检测到了</a:t>
+            </a:r>
+            <a:r>
+              <a:rPr lang="en-US" altLang="zh-CN" b="1" dirty="0">
+                <a:solidFill>
+                  <a:srgbClr val="444444"/>
+                </a:solidFill>
+                <a:latin typeface="Helvetica Neue"/>
+              </a:rPr>
+              <a:t>password</a:t>
+            </a:r>
+            <a:r>
+              <a:rPr lang="zh-CN" altLang="en-US" b="1" dirty="0">
+                <a:solidFill>
+                  <a:srgbClr val="444444"/>
+                </a:solidFill>
+                <a:latin typeface="Helvetica Neue"/>
+              </a:rPr>
+              <a:t>，请查看硬编码凭据（纯文本密码） </a:t>
+            </a:r>
+            <a:endParaRPr lang="zh-CN" altLang="en-US" dirty="0"/>
+          </a:p>
+        </p:txBody>
+      </p:sp>
+      <p:pic>
+        <p:nvPicPr>
+          <p:cNvPr id="10" name="图片 9"/>
           <p:cNvPicPr>
             <a:picLocks noChangeAspect="1"/>
           </p:cNvPicPr>
@@ -8041,105 +7237,6 @@
         </p:blipFill>
         <p:spPr>
           <a:xfrm>
-            <a:off x="1437497" y="1591869"/>
-            <a:ext cx="495063" cy="400764"/>
-          </a:xfrm>
-          <a:prstGeom prst="rect">
-            <a:avLst/>
-          </a:prstGeom>
-        </p:spPr>
-      </p:pic>
-      <p:sp>
-        <p:nvSpPr>
-          <p:cNvPr id="7" name="矩形 6">
-            <a:extLst>
-              <a:ext uri="{FF2B5EF4-FFF2-40B4-BE49-F238E27FC236}">
-                <a16:creationId xmlns:a16="http://schemas.microsoft.com/office/drawing/2014/main" id="{D2F841AD-36B5-48FA-A294-34FEAC1796BA}"/>
-              </a:ext>
-            </a:extLst>
-          </p:cNvPr>
-          <p:cNvSpPr/>
-          <p:nvPr/>
-        </p:nvSpPr>
-        <p:spPr>
-          <a:xfrm>
-            <a:off x="721469" y="2302533"/>
-            <a:ext cx="10515600" cy="646331"/>
-          </a:xfrm>
-          <a:prstGeom prst="rect">
-            <a:avLst/>
-          </a:prstGeom>
-        </p:spPr>
-        <p:txBody>
-          <a:bodyPr wrap="square">
-            <a:spAutoFit/>
-          </a:bodyPr>
-          <a:lstStyle/>
-          <a:p>
-            <a:r>
-              <a:rPr lang="en-US" altLang="zh-CN" b="1" dirty="0">
-                <a:solidFill>
-                  <a:srgbClr val="444444"/>
-                </a:solidFill>
-                <a:latin typeface="Helvetica Neue"/>
-              </a:rPr>
-              <a:t>'PASSWORD' detected in this expression, review this potentially hard-coded credential.</a:t>
-            </a:r>
-          </a:p>
-          <a:p>
-            <a:r>
-              <a:rPr lang="zh-CN" altLang="en-US" b="1" dirty="0">
-                <a:solidFill>
-                  <a:srgbClr val="444444"/>
-                </a:solidFill>
-                <a:latin typeface="Helvetica Neue"/>
-              </a:rPr>
-              <a:t>表达式中检测到了</a:t>
-            </a:r>
-            <a:r>
-              <a:rPr lang="en-US" altLang="zh-CN" b="1" dirty="0">
-                <a:solidFill>
-                  <a:srgbClr val="444444"/>
-                </a:solidFill>
-                <a:latin typeface="Helvetica Neue"/>
-              </a:rPr>
-              <a:t>password</a:t>
-            </a:r>
-            <a:r>
-              <a:rPr lang="zh-CN" altLang="en-US" b="1" dirty="0">
-                <a:solidFill>
-                  <a:srgbClr val="444444"/>
-                </a:solidFill>
-                <a:latin typeface="Helvetica Neue"/>
-              </a:rPr>
-              <a:t>，请查看硬编码凭据（纯文本密码） </a:t>
-            </a:r>
-            <a:endParaRPr lang="zh-CN" altLang="en-US" dirty="0"/>
-          </a:p>
-        </p:txBody>
-      </p:sp>
-      <p:pic>
-        <p:nvPicPr>
-          <p:cNvPr id="10" name="图片 9">
-            <a:extLst>
-              <a:ext uri="{FF2B5EF4-FFF2-40B4-BE49-F238E27FC236}">
-                <a16:creationId xmlns:a16="http://schemas.microsoft.com/office/drawing/2014/main" id="{5DCBA462-F317-4D00-A3B2-BC4A2A9CBA2F}"/>
-              </a:ext>
-            </a:extLst>
-          </p:cNvPr>
-          <p:cNvPicPr>
-            <a:picLocks noChangeAspect="1"/>
-          </p:cNvPicPr>
-          <p:nvPr/>
-        </p:nvPicPr>
-        <p:blipFill>
-          <a:blip r:embed="rId3"/>
-          <a:stretch>
-            <a:fillRect/>
-          </a:stretch>
-        </p:blipFill>
-        <p:spPr>
-          <a:xfrm>
             <a:off x="721469" y="3429000"/>
             <a:ext cx="6204841" cy="853165"/>
           </a:xfrm>
@@ -8150,13 +7247,7 @@
       </p:pic>
       <p:sp>
         <p:nvSpPr>
-          <p:cNvPr id="11" name="文本框 10">
-            <a:extLst>
-              <a:ext uri="{FF2B5EF4-FFF2-40B4-BE49-F238E27FC236}">
-                <a16:creationId xmlns:a16="http://schemas.microsoft.com/office/drawing/2014/main" id="{CE67A838-E82F-4D0F-8B45-F2F14E658EC8}"/>
-              </a:ext>
-            </a:extLst>
-          </p:cNvPr>
+          <p:cNvPr id="11" name="文本框 10"/>
           <p:cNvSpPr txBox="1"/>
           <p:nvPr/>
         </p:nvSpPr>
@@ -8180,18 +7271,13 @@
               <a:rPr lang="zh-CN" altLang="en-US" dirty="0"/>
               <a:t>硬编码密码可以简化开发，但易被发现，造成隐患</a:t>
             </a:r>
-          </a:p>
-        </p:txBody>
-      </p:sp>
-      <p:sp>
-        <p:nvSpPr>
-          <p:cNvPr id="12" name="文本框 11">
-            <a:extLst>
-              <a:ext uri="{FF2B5EF4-FFF2-40B4-BE49-F238E27FC236}">
-                <a16:creationId xmlns:a16="http://schemas.microsoft.com/office/drawing/2014/main" id="{C23098DD-E64E-4829-B25D-E0044219A865}"/>
-              </a:ext>
-            </a:extLst>
-          </p:cNvPr>
+            <a:endParaRPr lang="zh-CN" altLang="en-US" dirty="0"/>
+          </a:p>
+        </p:txBody>
+      </p:sp>
+      <p:sp>
+        <p:nvSpPr>
+          <p:cNvPr id="12" name="文本框 11"/>
           <p:cNvSpPr txBox="1"/>
           <p:nvPr/>
         </p:nvSpPr>
@@ -8234,15 +7320,11 @@
               <a:rPr lang="zh-CN" altLang="en-US" dirty="0"/>
               <a:t>中，再通过工具类取出</a:t>
             </a:r>
+            <a:endParaRPr lang="zh-CN" altLang="en-US" dirty="0"/>
           </a:p>
         </p:txBody>
       </p:sp>
     </p:spTree>
-    <p:extLst>
-      <p:ext uri="{BB962C8B-B14F-4D97-AF65-F5344CB8AC3E}">
-        <p14:creationId xmlns:p14="http://schemas.microsoft.com/office/powerpoint/2010/main" val="1780996105"/>
-      </p:ext>
-    </p:extLst>
   </p:cSld>
   <p:clrMapOvr>
     <a:masterClrMapping/>
@@ -8269,13 +7351,7 @@
       </p:grpSpPr>
       <p:sp>
         <p:nvSpPr>
-          <p:cNvPr id="2" name="标题 1">
-            <a:extLst>
-              <a:ext uri="{FF2B5EF4-FFF2-40B4-BE49-F238E27FC236}">
-                <a16:creationId xmlns:a16="http://schemas.microsoft.com/office/drawing/2014/main" id="{277C3EF6-1452-43F3-974C-10C8FEF53107}"/>
-              </a:ext>
-            </a:extLst>
-          </p:cNvPr>
+          <p:cNvPr id="2" name="标题 1"/>
           <p:cNvSpPr>
             <a:spLocks noGrp="1"/>
           </p:cNvSpPr>
@@ -8296,18 +7372,13 @@
               <a:rPr lang="zh-CN" altLang="en-US" b="1" dirty="0"/>
               <a:t>漏洞</a:t>
             </a:r>
-          </a:p>
-        </p:txBody>
-      </p:sp>
-      <p:sp>
-        <p:nvSpPr>
-          <p:cNvPr id="4" name="文本框 3">
-            <a:extLst>
-              <a:ext uri="{FF2B5EF4-FFF2-40B4-BE49-F238E27FC236}">
-                <a16:creationId xmlns:a16="http://schemas.microsoft.com/office/drawing/2014/main" id="{FE6C1187-DFEB-46BF-882B-6591B2508DD6}"/>
-              </a:ext>
-            </a:extLst>
-          </p:cNvPr>
+            <a:endParaRPr lang="zh-CN" altLang="en-US" b="1" dirty="0"/>
+          </a:p>
+        </p:txBody>
+      </p:sp>
+      <p:sp>
+        <p:nvSpPr>
+          <p:cNvPr id="4" name="文本框 3"/>
           <p:cNvSpPr txBox="1"/>
           <p:nvPr/>
         </p:nvSpPr>
@@ -8335,25 +7406,20 @@
               <a:rPr lang="zh-CN" altLang="en-US" dirty="0"/>
               <a:t>阻断</a:t>
             </a:r>
+            <a:endParaRPr lang="zh-CN" altLang="en-US" dirty="0"/>
           </a:p>
         </p:txBody>
       </p:sp>
       <p:pic>
         <p:nvPicPr>
-          <p:cNvPr id="5" name="图片 4">
-            <a:extLst>
-              <a:ext uri="{FF2B5EF4-FFF2-40B4-BE49-F238E27FC236}">
-                <a16:creationId xmlns:a16="http://schemas.microsoft.com/office/drawing/2014/main" id="{CE506017-E8FA-4378-8A93-5548ABDF70FE}"/>
-              </a:ext>
-            </a:extLst>
-          </p:cNvPr>
+          <p:cNvPr id="5" name="图片 4"/>
           <p:cNvPicPr>
             <a:picLocks noChangeAspect="1"/>
           </p:cNvPicPr>
           <p:nvPr/>
         </p:nvPicPr>
         <p:blipFill>
-          <a:blip r:embed="rId2"/>
+          <a:blip r:embed="rId1"/>
           <a:stretch>
             <a:fillRect/>
           </a:stretch>
@@ -8370,13 +7436,7 @@
       </p:pic>
       <p:sp>
         <p:nvSpPr>
-          <p:cNvPr id="3" name="矩形 2">
-            <a:extLst>
-              <a:ext uri="{FF2B5EF4-FFF2-40B4-BE49-F238E27FC236}">
-                <a16:creationId xmlns:a16="http://schemas.microsoft.com/office/drawing/2014/main" id="{EED4316A-1C8F-440A-890E-7ABB9C0A4FBE}"/>
-              </a:ext>
-            </a:extLst>
-          </p:cNvPr>
+          <p:cNvPr id="3" name="矩形 2"/>
           <p:cNvSpPr/>
           <p:nvPr/>
         </p:nvSpPr>
@@ -8404,6 +7464,12 @@
               </a:rPr>
               <a:t>Use the recommended AES (Advanced Encryption Standard) instead.</a:t>
             </a:r>
+            <a:endParaRPr lang="en-US" altLang="zh-CN" b="1" dirty="0">
+              <a:solidFill>
+                <a:srgbClr val="444444"/>
+              </a:solidFill>
+              <a:latin typeface="Helvetica Neue"/>
+            </a:endParaRPr>
           </a:p>
           <a:p>
             <a:r>
@@ -8448,13 +7514,7 @@
       </p:sp>
       <p:sp>
         <p:nvSpPr>
-          <p:cNvPr id="8" name="Rectangle 2">
-            <a:extLst>
-              <a:ext uri="{FF2B5EF4-FFF2-40B4-BE49-F238E27FC236}">
-                <a16:creationId xmlns:a16="http://schemas.microsoft.com/office/drawing/2014/main" id="{7B7B6BC5-F670-4266-89C5-8EA996F940A8}"/>
-              </a:ext>
-            </a:extLst>
-          </p:cNvPr>
+          <p:cNvPr id="8" name="Rectangle 2"/>
           <p:cNvSpPr>
             <a:spLocks noChangeArrowheads="1"/>
           </p:cNvSpPr>
@@ -8499,9 +7559,6 @@
         </p:spPr>
         <p:txBody>
           <a:bodyPr vert="horz" wrap="none" lIns="91440" tIns="45720" rIns="91440" bIns="45720" numCol="1" anchor="ctr" anchorCtr="0" compatLnSpc="1">
-            <a:prstTxWarp prst="textNoShape">
-              <a:avLst/>
-            </a:prstTxWarp>
             <a:spAutoFit/>
           </a:bodyPr>
           <a:lstStyle/>
@@ -8520,7 +7577,6 @@
               <a:buSzTx/>
               <a:buFontTx/>
               <a:buNone/>
-              <a:tabLst/>
             </a:pPr>
             <a:r>
               <a:rPr kumimoji="0" lang="zh-CN" altLang="zh-CN" sz="2400" b="0" i="0" u="none" strike="noStrike" cap="none" normalizeH="0" baseline="0" dirty="0">
@@ -8615,13 +7671,7 @@
       </p:sp>
       <p:sp>
         <p:nvSpPr>
-          <p:cNvPr id="9" name="文本框 8">
-            <a:extLst>
-              <a:ext uri="{FF2B5EF4-FFF2-40B4-BE49-F238E27FC236}">
-                <a16:creationId xmlns:a16="http://schemas.microsoft.com/office/drawing/2014/main" id="{18A3A7DA-6441-4771-91BF-34DCD0B23209}"/>
-              </a:ext>
-            </a:extLst>
-          </p:cNvPr>
+          <p:cNvPr id="9" name="文本框 8"/>
           <p:cNvSpPr txBox="1"/>
           <p:nvPr/>
         </p:nvSpPr>
@@ -8704,11 +7754,6 @@
         </p:txBody>
       </p:sp>
     </p:spTree>
-    <p:extLst>
-      <p:ext uri="{BB962C8B-B14F-4D97-AF65-F5344CB8AC3E}">
-        <p14:creationId xmlns:p14="http://schemas.microsoft.com/office/powerpoint/2010/main" val="2931977519"/>
-      </p:ext>
-    </p:extLst>
   </p:cSld>
   <p:clrMapOvr>
     <a:masterClrMapping/>
@@ -8735,13 +7780,7 @@
       </p:grpSpPr>
       <p:sp>
         <p:nvSpPr>
-          <p:cNvPr id="2" name="标题 1">
-            <a:extLst>
-              <a:ext uri="{FF2B5EF4-FFF2-40B4-BE49-F238E27FC236}">
-                <a16:creationId xmlns:a16="http://schemas.microsoft.com/office/drawing/2014/main" id="{277C3EF6-1452-43F3-974C-10C8FEF53107}"/>
-              </a:ext>
-            </a:extLst>
-          </p:cNvPr>
+          <p:cNvPr id="2" name="标题 1"/>
           <p:cNvSpPr>
             <a:spLocks noGrp="1"/>
           </p:cNvSpPr>
@@ -8764,13 +7803,7 @@
       </p:sp>
       <p:sp>
         <p:nvSpPr>
-          <p:cNvPr id="4" name="文本框 3">
-            <a:extLst>
-              <a:ext uri="{FF2B5EF4-FFF2-40B4-BE49-F238E27FC236}">
-                <a16:creationId xmlns:a16="http://schemas.microsoft.com/office/drawing/2014/main" id="{FE6C1187-DFEB-46BF-882B-6591B2508DD6}"/>
-              </a:ext>
-            </a:extLst>
-          </p:cNvPr>
+          <p:cNvPr id="4" name="文本框 3"/>
           <p:cNvSpPr txBox="1"/>
           <p:nvPr/>
         </p:nvSpPr>
@@ -8798,25 +7831,20 @@
               <a:rPr lang="zh-CN" altLang="en-US" dirty="0"/>
               <a:t>严重</a:t>
             </a:r>
+            <a:endParaRPr lang="zh-CN" altLang="en-US" dirty="0"/>
           </a:p>
         </p:txBody>
       </p:sp>
       <p:pic>
         <p:nvPicPr>
-          <p:cNvPr id="6" name="图片 5">
-            <a:extLst>
-              <a:ext uri="{FF2B5EF4-FFF2-40B4-BE49-F238E27FC236}">
-                <a16:creationId xmlns:a16="http://schemas.microsoft.com/office/drawing/2014/main" id="{24C8FBF6-BAC4-40F7-A553-130938186DC4}"/>
-              </a:ext>
-            </a:extLst>
-          </p:cNvPr>
+          <p:cNvPr id="6" name="图片 5"/>
           <p:cNvPicPr>
             <a:picLocks noChangeAspect="1"/>
           </p:cNvPicPr>
           <p:nvPr/>
         </p:nvPicPr>
         <p:blipFill>
-          <a:blip r:embed="rId2"/>
+          <a:blip r:embed="rId1"/>
           <a:stretch>
             <a:fillRect/>
           </a:stretch>
@@ -8833,13 +7861,7 @@
       </p:pic>
       <p:sp>
         <p:nvSpPr>
-          <p:cNvPr id="8" name="文本框 7">
-            <a:extLst>
-              <a:ext uri="{FF2B5EF4-FFF2-40B4-BE49-F238E27FC236}">
-                <a16:creationId xmlns:a16="http://schemas.microsoft.com/office/drawing/2014/main" id="{E5DE92DF-CCA2-4BDD-8472-5E22590CE9F5}"/>
-              </a:ext>
-            </a:extLst>
-          </p:cNvPr>
+          <p:cNvPr id="8" name="文本框 7"/>
           <p:cNvSpPr txBox="1"/>
           <p:nvPr/>
         </p:nvSpPr>
@@ -8887,13 +7909,7 @@
       </p:sp>
       <p:sp>
         <p:nvSpPr>
-          <p:cNvPr id="12" name="文本框 11">
-            <a:extLst>
-              <a:ext uri="{FF2B5EF4-FFF2-40B4-BE49-F238E27FC236}">
-                <a16:creationId xmlns:a16="http://schemas.microsoft.com/office/drawing/2014/main" id="{F0FEB908-B3B1-4CA8-9632-7C97ADE668AA}"/>
-              </a:ext>
-            </a:extLst>
-          </p:cNvPr>
+          <p:cNvPr id="12" name="文本框 11"/>
           <p:cNvSpPr txBox="1"/>
           <p:nvPr/>
         </p:nvSpPr>
@@ -8936,18 +7952,13 @@
               <a:rPr lang="zh-CN" altLang="en-US" dirty="0"/>
               <a:t>对象，每次都调用这个对象</a:t>
             </a:r>
-          </a:p>
-        </p:txBody>
-      </p:sp>
-      <p:sp>
-        <p:nvSpPr>
-          <p:cNvPr id="13" name="矩形 12">
-            <a:extLst>
-              <a:ext uri="{FF2B5EF4-FFF2-40B4-BE49-F238E27FC236}">
-                <a16:creationId xmlns:a16="http://schemas.microsoft.com/office/drawing/2014/main" id="{0313FB8D-FD3B-4A4C-8713-AE8E9FFDCEA1}"/>
-              </a:ext>
-            </a:extLst>
-          </p:cNvPr>
+            <a:endParaRPr lang="zh-CN" altLang="en-US" dirty="0"/>
+          </a:p>
+        </p:txBody>
+      </p:sp>
+      <p:sp>
+        <p:nvSpPr>
+          <p:cNvPr id="13" name="矩形 12"/>
           <p:cNvSpPr/>
           <p:nvPr/>
         </p:nvSpPr>
@@ -9024,11 +8035,6 @@
         </p:txBody>
       </p:sp>
     </p:spTree>
-    <p:extLst>
-      <p:ext uri="{BB962C8B-B14F-4D97-AF65-F5344CB8AC3E}">
-        <p14:creationId xmlns:p14="http://schemas.microsoft.com/office/powerpoint/2010/main" val="2642368018"/>
-      </p:ext>
-    </p:extLst>
   </p:cSld>
   <p:clrMapOvr>
     <a:masterClrMapping/>
@@ -9055,13 +8061,7 @@
       </p:grpSpPr>
       <p:sp>
         <p:nvSpPr>
-          <p:cNvPr id="2" name="标题 1">
-            <a:extLst>
-              <a:ext uri="{FF2B5EF4-FFF2-40B4-BE49-F238E27FC236}">
-                <a16:creationId xmlns:a16="http://schemas.microsoft.com/office/drawing/2014/main" id="{277C3EF6-1452-43F3-974C-10C8FEF53107}"/>
-              </a:ext>
-            </a:extLst>
-          </p:cNvPr>
+          <p:cNvPr id="2" name="标题 1"/>
           <p:cNvSpPr>
             <a:spLocks noGrp="1"/>
           </p:cNvSpPr>
@@ -9084,13 +8084,7 @@
       </p:sp>
       <p:sp>
         <p:nvSpPr>
-          <p:cNvPr id="4" name="文本框 3">
-            <a:extLst>
-              <a:ext uri="{FF2B5EF4-FFF2-40B4-BE49-F238E27FC236}">
-                <a16:creationId xmlns:a16="http://schemas.microsoft.com/office/drawing/2014/main" id="{FE6C1187-DFEB-46BF-882B-6591B2508DD6}"/>
-              </a:ext>
-            </a:extLst>
-          </p:cNvPr>
+          <p:cNvPr id="4" name="文本框 3"/>
           <p:cNvSpPr txBox="1"/>
           <p:nvPr/>
         </p:nvSpPr>
@@ -9126,25 +8120,20 @@
               <a:rPr lang="zh-CN" altLang="en-US" dirty="0"/>
               <a:t>阻断</a:t>
             </a:r>
+            <a:endParaRPr lang="zh-CN" altLang="en-US" dirty="0"/>
           </a:p>
         </p:txBody>
       </p:sp>
       <p:pic>
         <p:nvPicPr>
-          <p:cNvPr id="6" name="图片 5">
-            <a:extLst>
-              <a:ext uri="{FF2B5EF4-FFF2-40B4-BE49-F238E27FC236}">
-                <a16:creationId xmlns:a16="http://schemas.microsoft.com/office/drawing/2014/main" id="{24C8FBF6-BAC4-40F7-A553-130938186DC4}"/>
-              </a:ext>
-            </a:extLst>
-          </p:cNvPr>
+          <p:cNvPr id="6" name="图片 5"/>
           <p:cNvPicPr>
             <a:picLocks noChangeAspect="1"/>
           </p:cNvPicPr>
           <p:nvPr/>
         </p:nvPicPr>
         <p:blipFill>
-          <a:blip r:embed="rId2"/>
+          <a:blip r:embed="rId1"/>
           <a:stretch>
             <a:fillRect/>
           </a:stretch>
@@ -9161,13 +8150,7 @@
       </p:pic>
       <p:sp>
         <p:nvSpPr>
-          <p:cNvPr id="5" name="矩形 4">
-            <a:extLst>
-              <a:ext uri="{FF2B5EF4-FFF2-40B4-BE49-F238E27FC236}">
-                <a16:creationId xmlns:a16="http://schemas.microsoft.com/office/drawing/2014/main" id="{AAE0E0ED-A775-4978-A9C5-5FFE624F7D5E}"/>
-              </a:ext>
-            </a:extLst>
-          </p:cNvPr>
+          <p:cNvPr id="5" name="矩形 4"/>
           <p:cNvSpPr/>
           <p:nvPr/>
         </p:nvSpPr>
@@ -9195,6 +8178,12 @@
               </a:rPr>
               <a:t>Use the "equals" method if value comparison was intended.</a:t>
             </a:r>
+            <a:endParaRPr lang="en-US" altLang="zh-CN" b="1" dirty="0">
+              <a:solidFill>
+                <a:srgbClr val="444444"/>
+              </a:solidFill>
+              <a:latin typeface="Helvetica Neue"/>
+            </a:endParaRPr>
           </a:p>
           <a:p>
             <a:r>
@@ -9221,13 +8210,7 @@
       </p:sp>
       <p:sp>
         <p:nvSpPr>
-          <p:cNvPr id="7" name="文本框 6">
-            <a:extLst>
-              <a:ext uri="{FF2B5EF4-FFF2-40B4-BE49-F238E27FC236}">
-                <a16:creationId xmlns:a16="http://schemas.microsoft.com/office/drawing/2014/main" id="{4705E417-F171-4808-92B2-E67DFD1BAFA0}"/>
-              </a:ext>
-            </a:extLst>
-          </p:cNvPr>
+          <p:cNvPr id="7" name="文本框 6"/>
           <p:cNvSpPr txBox="1"/>
           <p:nvPr/>
         </p:nvSpPr>
@@ -9282,18 +8265,13 @@
               <a:rPr lang="zh-CN" altLang="en-US" dirty="0"/>
               <a:t>比较的是变量值</a:t>
             </a:r>
-          </a:p>
-        </p:txBody>
-      </p:sp>
-      <p:sp>
-        <p:nvSpPr>
-          <p:cNvPr id="10" name="文本框 9">
-            <a:extLst>
-              <a:ext uri="{FF2B5EF4-FFF2-40B4-BE49-F238E27FC236}">
-                <a16:creationId xmlns:a16="http://schemas.microsoft.com/office/drawing/2014/main" id="{4E154BD5-00AB-406B-ABF0-C5C646D81E89}"/>
-              </a:ext>
-            </a:extLst>
-          </p:cNvPr>
+            <a:endParaRPr lang="zh-CN" altLang="en-US" dirty="0"/>
+          </a:p>
+        </p:txBody>
+      </p:sp>
+      <p:sp>
+        <p:nvSpPr>
+          <p:cNvPr id="10" name="文本框 9"/>
           <p:cNvSpPr txBox="1"/>
           <p:nvPr/>
         </p:nvSpPr>
@@ -9348,6 +8326,7 @@
               <a:rPr lang="en-US" altLang="zh-CN" dirty="0"/>
               <a:t>!=</a:t>
             </a:r>
+            <a:endParaRPr lang="en-US" altLang="zh-CN" dirty="0"/>
           </a:p>
           <a:p>
             <a:r>
@@ -9374,15 +8353,11 @@
               <a:rPr lang="zh-CN" altLang="en-US" dirty="0"/>
               <a:t>， 避免空指针报错</a:t>
             </a:r>
+            <a:endParaRPr lang="zh-CN" altLang="en-US" dirty="0"/>
           </a:p>
         </p:txBody>
       </p:sp>
     </p:spTree>
-    <p:extLst>
-      <p:ext uri="{BB962C8B-B14F-4D97-AF65-F5344CB8AC3E}">
-        <p14:creationId xmlns:p14="http://schemas.microsoft.com/office/powerpoint/2010/main" val="1319834957"/>
-      </p:ext>
-    </p:extLst>
   </p:cSld>
   <p:clrMapOvr>
     <a:masterClrMapping/>
@@ -9415,13 +8390,7 @@
       </p:grpSpPr>
       <p:sp>
         <p:nvSpPr>
-          <p:cNvPr id="2" name="标题 1">
-            <a:extLst>
-              <a:ext uri="{FF2B5EF4-FFF2-40B4-BE49-F238E27FC236}">
-                <a16:creationId xmlns:a16="http://schemas.microsoft.com/office/drawing/2014/main" id="{277C3EF6-1452-43F3-974C-10C8FEF53107}"/>
-              </a:ext>
-            </a:extLst>
-          </p:cNvPr>
+          <p:cNvPr id="2" name="标题 1"/>
           <p:cNvSpPr>
             <a:spLocks noGrp="1"/>
           </p:cNvSpPr>
@@ -9444,13 +8413,7 @@
       </p:sp>
       <p:sp>
         <p:nvSpPr>
-          <p:cNvPr id="4" name="文本框 3">
-            <a:extLst>
-              <a:ext uri="{FF2B5EF4-FFF2-40B4-BE49-F238E27FC236}">
-                <a16:creationId xmlns:a16="http://schemas.microsoft.com/office/drawing/2014/main" id="{FE6C1187-DFEB-46BF-882B-6591B2508DD6}"/>
-              </a:ext>
-            </a:extLst>
-          </p:cNvPr>
+          <p:cNvPr id="4" name="文本框 3"/>
           <p:cNvSpPr txBox="1"/>
           <p:nvPr/>
         </p:nvSpPr>
@@ -9478,18 +8441,13 @@
               <a:rPr lang="zh-CN" altLang="en-US" dirty="0"/>
               <a:t>主要</a:t>
             </a:r>
-          </a:p>
-        </p:txBody>
-      </p:sp>
-      <p:sp>
-        <p:nvSpPr>
-          <p:cNvPr id="12" name="文本框 11">
-            <a:extLst>
-              <a:ext uri="{FF2B5EF4-FFF2-40B4-BE49-F238E27FC236}">
-                <a16:creationId xmlns:a16="http://schemas.microsoft.com/office/drawing/2014/main" id="{F0FEB908-B3B1-4CA8-9632-7C97ADE668AA}"/>
-              </a:ext>
-            </a:extLst>
-          </p:cNvPr>
+            <a:endParaRPr lang="zh-CN" altLang="en-US" dirty="0"/>
+          </a:p>
+        </p:txBody>
+      </p:sp>
+      <p:sp>
+        <p:nvSpPr>
+          <p:cNvPr id="12" name="文本框 11"/>
           <p:cNvSpPr txBox="1"/>
           <p:nvPr/>
         </p:nvSpPr>
@@ -9553,20 +8511,14 @@
       </p:sp>
       <p:pic>
         <p:nvPicPr>
-          <p:cNvPr id="3" name="图片 2">
-            <a:extLst>
-              <a:ext uri="{FF2B5EF4-FFF2-40B4-BE49-F238E27FC236}">
-                <a16:creationId xmlns:a16="http://schemas.microsoft.com/office/drawing/2014/main" id="{2CEDB773-8620-4C65-B9DF-B164A995DF5E}"/>
-              </a:ext>
-            </a:extLst>
-          </p:cNvPr>
+          <p:cNvPr id="3" name="图片 2"/>
           <p:cNvPicPr>
             <a:picLocks noChangeAspect="1"/>
           </p:cNvPicPr>
           <p:nvPr/>
         </p:nvPicPr>
         <p:blipFill>
-          <a:blip r:embed="rId2"/>
+          <a:blip r:embed="rId1"/>
           <a:stretch>
             <a:fillRect/>
           </a:stretch>
@@ -9583,13 +8535,7 @@
       </p:pic>
       <p:sp>
         <p:nvSpPr>
-          <p:cNvPr id="9" name="Rectangle 3">
-            <a:extLst>
-              <a:ext uri="{FF2B5EF4-FFF2-40B4-BE49-F238E27FC236}">
-                <a16:creationId xmlns:a16="http://schemas.microsoft.com/office/drawing/2014/main" id="{DA02884E-B896-4A93-B89F-17DBEEF32A21}"/>
-              </a:ext>
-            </a:extLst>
-          </p:cNvPr>
+          <p:cNvPr id="9" name="Rectangle 3"/>
           <p:cNvSpPr>
             <a:spLocks noChangeArrowheads="1"/>
           </p:cNvSpPr>
@@ -9634,9 +8580,6 @@
         </p:spPr>
         <p:txBody>
           <a:bodyPr vert="horz" wrap="square" lIns="253920" tIns="31740" rIns="0" bIns="15870" numCol="1" anchor="ctr" anchorCtr="0" compatLnSpc="1">
-            <a:prstTxWarp prst="textNoShape">
-              <a:avLst/>
-            </a:prstTxWarp>
             <a:spAutoFit/>
           </a:bodyPr>
           <a:lstStyle>
@@ -9779,13 +8722,7 @@
       </p:sp>
       <p:sp>
         <p:nvSpPr>
-          <p:cNvPr id="10" name="矩形 9">
-            <a:extLst>
-              <a:ext uri="{FF2B5EF4-FFF2-40B4-BE49-F238E27FC236}">
-                <a16:creationId xmlns:a16="http://schemas.microsoft.com/office/drawing/2014/main" id="{ED1D9BC9-EA3E-417A-BA08-9BD4A1838124}"/>
-              </a:ext>
-            </a:extLst>
-          </p:cNvPr>
+          <p:cNvPr id="10" name="矩形 9"/>
           <p:cNvSpPr/>
           <p:nvPr/>
         </p:nvSpPr>
@@ -9831,6 +8768,12 @@
               </a:rPr>
               <a:t>" could be thrown; “***" is nullable here.</a:t>
             </a:r>
+            <a:endParaRPr lang="en-US" altLang="zh-CN" b="1" dirty="0">
+              <a:solidFill>
+                <a:srgbClr val="444444"/>
+              </a:solidFill>
+              <a:latin typeface="Helvetica Neue"/>
+            </a:endParaRPr>
           </a:p>
           <a:p>
             <a:r>
@@ -9847,11 +8790,6 @@
         </p:txBody>
       </p:sp>
     </p:spTree>
-    <p:extLst>
-      <p:ext uri="{BB962C8B-B14F-4D97-AF65-F5344CB8AC3E}">
-        <p14:creationId xmlns:p14="http://schemas.microsoft.com/office/powerpoint/2010/main" val="1153502393"/>
-      </p:ext>
-    </p:extLst>
   </p:cSld>
   <p:clrMapOvr>
     <a:masterClrMapping/>
@@ -9878,13 +8816,7 @@
       </p:grpSpPr>
       <p:sp>
         <p:nvSpPr>
-          <p:cNvPr id="2" name="标题 1">
-            <a:extLst>
-              <a:ext uri="{FF2B5EF4-FFF2-40B4-BE49-F238E27FC236}">
-                <a16:creationId xmlns:a16="http://schemas.microsoft.com/office/drawing/2014/main" id="{277C3EF6-1452-43F3-974C-10C8FEF53107}"/>
-              </a:ext>
-            </a:extLst>
-          </p:cNvPr>
+          <p:cNvPr id="2" name="标题 1"/>
           <p:cNvSpPr>
             <a:spLocks noGrp="1"/>
           </p:cNvSpPr>
@@ -9907,13 +8839,7 @@
       </p:sp>
       <p:sp>
         <p:nvSpPr>
-          <p:cNvPr id="4" name="文本框 3">
-            <a:extLst>
-              <a:ext uri="{FF2B5EF4-FFF2-40B4-BE49-F238E27FC236}">
-                <a16:creationId xmlns:a16="http://schemas.microsoft.com/office/drawing/2014/main" id="{FE6C1187-DFEB-46BF-882B-6591B2508DD6}"/>
-              </a:ext>
-            </a:extLst>
-          </p:cNvPr>
+          <p:cNvPr id="4" name="文本框 3"/>
           <p:cNvSpPr txBox="1"/>
           <p:nvPr/>
         </p:nvSpPr>
@@ -9941,25 +8867,20 @@
               <a:rPr lang="zh-CN" altLang="en-US" dirty="0"/>
               <a:t>主要</a:t>
             </a:r>
-          </a:p>
-        </p:txBody>
-      </p:sp>
-      <p:sp>
-        <p:nvSpPr>
-          <p:cNvPr id="8" name="文本框 7">
-            <a:extLst>
-              <a:ext uri="{FF2B5EF4-FFF2-40B4-BE49-F238E27FC236}">
-                <a16:creationId xmlns:a16="http://schemas.microsoft.com/office/drawing/2014/main" id="{E5DE92DF-CCA2-4BDD-8472-5E22590CE9F5}"/>
-              </a:ext>
-            </a:extLst>
-          </p:cNvPr>
+            <a:endParaRPr lang="zh-CN" altLang="en-US" dirty="0"/>
+          </a:p>
+        </p:txBody>
+      </p:sp>
+      <p:sp>
+        <p:nvSpPr>
+          <p:cNvPr id="8" name="文本框 7"/>
           <p:cNvSpPr txBox="1"/>
           <p:nvPr/>
         </p:nvSpPr>
         <p:spPr>
           <a:xfrm>
             <a:off x="838200" y="3601329"/>
-            <a:ext cx="10922391" cy="923330"/>
+            <a:ext cx="10922391" cy="1476375"/>
           </a:xfrm>
           <a:prstGeom prst="rect">
             <a:avLst/>
@@ -10015,6 +8936,12 @@
               <a:rPr lang="zh-CN" altLang="en-US" dirty="0"/>
               <a:t>无法比较字面量值 </a:t>
             </a:r>
+            <a:endParaRPr lang="zh-CN" altLang="en-US" dirty="0"/>
+          </a:p>
+          <a:p>
+            <a:endParaRPr lang="zh-CN" altLang="en-US" dirty="0"/>
+          </a:p>
+          <a:p>
             <a:endParaRPr lang="en-US" altLang="zh-CN" dirty="0"/>
           </a:p>
           <a:p>
@@ -10024,20 +8951,14 @@
       </p:sp>
       <p:sp>
         <p:nvSpPr>
-          <p:cNvPr id="12" name="文本框 11">
-            <a:extLst>
-              <a:ext uri="{FF2B5EF4-FFF2-40B4-BE49-F238E27FC236}">
-                <a16:creationId xmlns:a16="http://schemas.microsoft.com/office/drawing/2014/main" id="{F0FEB908-B3B1-4CA8-9632-7C97ADE668AA}"/>
-              </a:ext>
-            </a:extLst>
-          </p:cNvPr>
+          <p:cNvPr id="12" name="文本框 11"/>
           <p:cNvSpPr txBox="1"/>
           <p:nvPr/>
         </p:nvSpPr>
         <p:spPr>
           <a:xfrm>
-            <a:off x="978877" y="5050303"/>
-            <a:ext cx="6519203" cy="646331"/>
+            <a:off x="916647" y="4803288"/>
+            <a:ext cx="6519203" cy="645160"/>
           </a:xfrm>
           <a:prstGeom prst="rect">
             <a:avLst/>
@@ -10063,7 +8984,7 @@
             </a:r>
             <a:r>
               <a:rPr lang="zh-CN" altLang="en-US" dirty="0"/>
-              <a:t>使用</a:t>
+              <a:t>比较自变量值时， 使用</a:t>
             </a:r>
             <a:r>
               <a:rPr lang="en-US" altLang="zh-CN" dirty="0"/>
@@ -10075,20 +8996,14 @@
       </p:sp>
       <p:pic>
         <p:nvPicPr>
-          <p:cNvPr id="3" name="图片 2">
-            <a:extLst>
-              <a:ext uri="{FF2B5EF4-FFF2-40B4-BE49-F238E27FC236}">
-                <a16:creationId xmlns:a16="http://schemas.microsoft.com/office/drawing/2014/main" id="{2CEDB773-8620-4C65-B9DF-B164A995DF5E}"/>
-              </a:ext>
-            </a:extLst>
-          </p:cNvPr>
+          <p:cNvPr id="3" name="图片 2"/>
           <p:cNvPicPr>
             <a:picLocks noChangeAspect="1"/>
           </p:cNvPicPr>
           <p:nvPr/>
         </p:nvPicPr>
         <p:blipFill>
-          <a:blip r:embed="rId2"/>
+          <a:blip r:embed="rId1"/>
           <a:stretch>
             <a:fillRect/>
           </a:stretch>
@@ -10105,13 +9020,7 @@
       </p:pic>
       <p:sp>
         <p:nvSpPr>
-          <p:cNvPr id="5" name="Rectangle 1">
-            <a:extLst>
-              <a:ext uri="{FF2B5EF4-FFF2-40B4-BE49-F238E27FC236}">
-                <a16:creationId xmlns:a16="http://schemas.microsoft.com/office/drawing/2014/main" id="{FFC52981-A1D5-437D-B377-1BFEE183E322}"/>
-              </a:ext>
-            </a:extLst>
-          </p:cNvPr>
+          <p:cNvPr id="5" name="Rectangle 1"/>
           <p:cNvSpPr>
             <a:spLocks noChangeArrowheads="1"/>
           </p:cNvSpPr>
@@ -10156,9 +9065,6 @@
         </p:spPr>
         <p:txBody>
           <a:bodyPr vert="horz" wrap="none" lIns="0" tIns="0" rIns="0" bIns="0" numCol="1" anchor="ctr" anchorCtr="0" compatLnSpc="1">
-            <a:prstTxWarp prst="textNoShape">
-              <a:avLst/>
-            </a:prstTxWarp>
             <a:spAutoFit/>
           </a:bodyPr>
           <a:lstStyle/>
@@ -10177,7 +9083,6 @@
               <a:buSzTx/>
               <a:buFontTx/>
               <a:buNone/>
-              <a:tabLst/>
             </a:pPr>
             <a:r>
               <a:rPr kumimoji="0" lang="zh-CN" altLang="zh-CN" sz="2400" b="1" i="0" u="none" strike="noStrike" cap="none" normalizeH="0" baseline="0" dirty="0">
@@ -10193,6 +9098,17 @@
               </a:rPr>
               <a:t>Strings and Boxed types should be compared using "equals()"</a:t>
             </a:r>
+            <a:endParaRPr kumimoji="0" lang="zh-CN" altLang="zh-CN" sz="2400" b="1" i="0" u="none" strike="noStrike" cap="none" normalizeH="0" baseline="0" dirty="0">
+              <a:ln>
+                <a:noFill/>
+              </a:ln>
+              <a:solidFill>
+                <a:srgbClr val="444444"/>
+              </a:solidFill>
+              <a:effectLst/>
+              <a:latin typeface="Arial" panose="020B0604020202020204" pitchFamily="34" charset="0"/>
+              <a:ea typeface="Helvetica Neue"/>
+            </a:endParaRPr>
           </a:p>
           <a:p>
             <a:pPr marL="0" marR="0" lvl="0" indent="0" algn="l" defTabSz="914400" rtl="0" eaLnBrk="0" fontAlgn="base" latinLnBrk="0" hangingPunct="0">
@@ -10209,7 +9125,6 @@
               <a:buSzTx/>
               <a:buFontTx/>
               <a:buNone/>
-              <a:tabLst/>
             </a:pPr>
             <a:endParaRPr kumimoji="0" lang="zh-CN" altLang="zh-CN" sz="1800" b="0" i="0" u="none" strike="noStrike" cap="none" normalizeH="0" baseline="0" dirty="0">
               <a:ln>
@@ -10225,11 +9140,6 @@
         </p:txBody>
       </p:sp>
     </p:spTree>
-    <p:extLst>
-      <p:ext uri="{BB962C8B-B14F-4D97-AF65-F5344CB8AC3E}">
-        <p14:creationId xmlns:p14="http://schemas.microsoft.com/office/powerpoint/2010/main" val="3355677064"/>
-      </p:ext>
-    </p:extLst>
   </p:cSld>
   <p:clrMapOvr>
     <a:masterClrMapping/>
@@ -10256,13 +9166,7 @@
       </p:grpSpPr>
       <p:sp>
         <p:nvSpPr>
-          <p:cNvPr id="2" name="标题 1">
-            <a:extLst>
-              <a:ext uri="{FF2B5EF4-FFF2-40B4-BE49-F238E27FC236}">
-                <a16:creationId xmlns:a16="http://schemas.microsoft.com/office/drawing/2014/main" id="{277C3EF6-1452-43F3-974C-10C8FEF53107}"/>
-              </a:ext>
-            </a:extLst>
-          </p:cNvPr>
+          <p:cNvPr id="2" name="标题 1"/>
           <p:cNvSpPr>
             <a:spLocks noGrp="1"/>
           </p:cNvSpPr>
@@ -10285,13 +9189,7 @@
       </p:sp>
       <p:sp>
         <p:nvSpPr>
-          <p:cNvPr id="4" name="文本框 3">
-            <a:extLst>
-              <a:ext uri="{FF2B5EF4-FFF2-40B4-BE49-F238E27FC236}">
-                <a16:creationId xmlns:a16="http://schemas.microsoft.com/office/drawing/2014/main" id="{FE6C1187-DFEB-46BF-882B-6591B2508DD6}"/>
-              </a:ext>
-            </a:extLst>
-          </p:cNvPr>
+          <p:cNvPr id="4" name="文本框 3"/>
           <p:cNvSpPr txBox="1"/>
           <p:nvPr/>
         </p:nvSpPr>
@@ -10319,18 +9217,13 @@
               <a:rPr lang="zh-CN" altLang="en-US" dirty="0"/>
               <a:t>主要</a:t>
             </a:r>
-          </a:p>
-        </p:txBody>
-      </p:sp>
-      <p:sp>
-        <p:nvSpPr>
-          <p:cNvPr id="12" name="文本框 11">
-            <a:extLst>
-              <a:ext uri="{FF2B5EF4-FFF2-40B4-BE49-F238E27FC236}">
-                <a16:creationId xmlns:a16="http://schemas.microsoft.com/office/drawing/2014/main" id="{F0FEB908-B3B1-4CA8-9632-7C97ADE668AA}"/>
-              </a:ext>
-            </a:extLst>
-          </p:cNvPr>
+            <a:endParaRPr lang="zh-CN" altLang="en-US" dirty="0"/>
+          </a:p>
+        </p:txBody>
+      </p:sp>
+      <p:sp>
+        <p:nvSpPr>
+          <p:cNvPr id="12" name="文本框 11"/>
           <p:cNvSpPr txBox="1"/>
           <p:nvPr/>
         </p:nvSpPr>
@@ -10391,20 +9284,14 @@
       </p:sp>
       <p:pic>
         <p:nvPicPr>
-          <p:cNvPr id="3" name="图片 2">
-            <a:extLst>
-              <a:ext uri="{FF2B5EF4-FFF2-40B4-BE49-F238E27FC236}">
-                <a16:creationId xmlns:a16="http://schemas.microsoft.com/office/drawing/2014/main" id="{2CEDB773-8620-4C65-B9DF-B164A995DF5E}"/>
-              </a:ext>
-            </a:extLst>
-          </p:cNvPr>
+          <p:cNvPr id="3" name="图片 2"/>
           <p:cNvPicPr>
             <a:picLocks noChangeAspect="1"/>
           </p:cNvPicPr>
           <p:nvPr/>
         </p:nvPicPr>
         <p:blipFill>
-          <a:blip r:embed="rId2"/>
+          <a:blip r:embed="rId1"/>
           <a:stretch>
             <a:fillRect/>
           </a:stretch>
@@ -10421,13 +9308,7 @@
       </p:pic>
       <p:sp>
         <p:nvSpPr>
-          <p:cNvPr id="9" name="Rectangle 3">
-            <a:extLst>
-              <a:ext uri="{FF2B5EF4-FFF2-40B4-BE49-F238E27FC236}">
-                <a16:creationId xmlns:a16="http://schemas.microsoft.com/office/drawing/2014/main" id="{DA02884E-B896-4A93-B89F-17DBEEF32A21}"/>
-              </a:ext>
-            </a:extLst>
-          </p:cNvPr>
+          <p:cNvPr id="9" name="Rectangle 3"/>
           <p:cNvSpPr>
             <a:spLocks noChangeArrowheads="1"/>
           </p:cNvSpPr>
@@ -10472,9 +9353,6 @@
         </p:spPr>
         <p:txBody>
           <a:bodyPr vert="horz" wrap="square" lIns="253920" tIns="31740" rIns="0" bIns="15870" numCol="1" anchor="ctr" anchorCtr="0" compatLnSpc="1">
-            <a:prstTxWarp prst="textNoShape">
-              <a:avLst/>
-            </a:prstTxWarp>
             <a:spAutoFit/>
           </a:bodyPr>
           <a:lstStyle>
@@ -10627,6 +9505,7 @@
               <a:rPr lang="en-US" altLang="zh-CN" sz="2000" dirty="0"/>
               <a:t>false</a:t>
             </a:r>
+            <a:endParaRPr lang="en-US" altLang="zh-CN" sz="2000" dirty="0"/>
           </a:p>
           <a:p>
             <a:pPr lvl="1" indent="-457200"/>
@@ -10644,13 +9523,7 @@
       </p:sp>
       <p:sp>
         <p:nvSpPr>
-          <p:cNvPr id="7" name="矩形 6">
-            <a:extLst>
-              <a:ext uri="{FF2B5EF4-FFF2-40B4-BE49-F238E27FC236}">
-                <a16:creationId xmlns:a16="http://schemas.microsoft.com/office/drawing/2014/main" id="{E301049E-45A9-4955-BAF6-EB82EB5FC4D7}"/>
-              </a:ext>
-            </a:extLst>
-          </p:cNvPr>
+          <p:cNvPr id="7" name="矩形 6"/>
           <p:cNvSpPr/>
           <p:nvPr/>
         </p:nvSpPr>
@@ -10678,6 +9551,12 @@
               </a:rPr>
               <a:t>Change this condition so that it does not always evaluate to "false“</a:t>
             </a:r>
+            <a:endParaRPr lang="en-US" altLang="zh-CN" b="1" dirty="0">
+              <a:solidFill>
+                <a:srgbClr val="444444"/>
+              </a:solidFill>
+              <a:latin typeface="Helvetica Neue"/>
+            </a:endParaRPr>
           </a:p>
           <a:p>
             <a:r>
@@ -10703,11 +9582,6 @@
         </p:txBody>
       </p:sp>
     </p:spTree>
-    <p:extLst>
-      <p:ext uri="{BB962C8B-B14F-4D97-AF65-F5344CB8AC3E}">
-        <p14:creationId xmlns:p14="http://schemas.microsoft.com/office/powerpoint/2010/main" val="3566137312"/>
-      </p:ext>
-    </p:extLst>
   </p:cSld>
   <p:clrMapOvr>
     <a:masterClrMapping/>
@@ -10734,13 +9608,7 @@
       </p:grpSpPr>
       <p:sp>
         <p:nvSpPr>
-          <p:cNvPr id="2" name="标题 1">
-            <a:extLst>
-              <a:ext uri="{FF2B5EF4-FFF2-40B4-BE49-F238E27FC236}">
-                <a16:creationId xmlns:a16="http://schemas.microsoft.com/office/drawing/2014/main" id="{277C3EF6-1452-43F3-974C-10C8FEF53107}"/>
-              </a:ext>
-            </a:extLst>
-          </p:cNvPr>
+          <p:cNvPr id="2" name="标题 1"/>
           <p:cNvSpPr>
             <a:spLocks noGrp="1"/>
           </p:cNvSpPr>
@@ -10763,13 +9631,7 @@
       </p:sp>
       <p:sp>
         <p:nvSpPr>
-          <p:cNvPr id="4" name="文本框 3">
-            <a:extLst>
-              <a:ext uri="{FF2B5EF4-FFF2-40B4-BE49-F238E27FC236}">
-                <a16:creationId xmlns:a16="http://schemas.microsoft.com/office/drawing/2014/main" id="{FE6C1187-DFEB-46BF-882B-6591B2508DD6}"/>
-              </a:ext>
-            </a:extLst>
-          </p:cNvPr>
+          <p:cNvPr id="4" name="文本框 3"/>
           <p:cNvSpPr txBox="1"/>
           <p:nvPr/>
         </p:nvSpPr>
@@ -10797,18 +9659,13 @@
               <a:rPr lang="zh-CN" altLang="en-US" dirty="0"/>
               <a:t>主要</a:t>
             </a:r>
-          </a:p>
-        </p:txBody>
-      </p:sp>
-      <p:sp>
-        <p:nvSpPr>
-          <p:cNvPr id="12" name="文本框 11">
-            <a:extLst>
-              <a:ext uri="{FF2B5EF4-FFF2-40B4-BE49-F238E27FC236}">
-                <a16:creationId xmlns:a16="http://schemas.microsoft.com/office/drawing/2014/main" id="{F0FEB908-B3B1-4CA8-9632-7C97ADE668AA}"/>
-              </a:ext>
-            </a:extLst>
-          </p:cNvPr>
+            <a:endParaRPr lang="zh-CN" altLang="en-US" dirty="0"/>
+          </a:p>
+        </p:txBody>
+      </p:sp>
+      <p:sp>
+        <p:nvSpPr>
+          <p:cNvPr id="12" name="文本框 11"/>
           <p:cNvSpPr txBox="1"/>
           <p:nvPr/>
         </p:nvSpPr>
@@ -10843,25 +9700,20 @@
               <a:rPr lang="zh-CN" altLang="en-US" dirty="0"/>
               <a:t>如果要返回空， 返回一个空字符串，“”</a:t>
             </a:r>
+            <a:endParaRPr lang="zh-CN" altLang="en-US" dirty="0"/>
           </a:p>
         </p:txBody>
       </p:sp>
       <p:pic>
         <p:nvPicPr>
-          <p:cNvPr id="3" name="图片 2">
-            <a:extLst>
-              <a:ext uri="{FF2B5EF4-FFF2-40B4-BE49-F238E27FC236}">
-                <a16:creationId xmlns:a16="http://schemas.microsoft.com/office/drawing/2014/main" id="{2CEDB773-8620-4C65-B9DF-B164A995DF5E}"/>
-              </a:ext>
-            </a:extLst>
-          </p:cNvPr>
+          <p:cNvPr id="3" name="图片 2"/>
           <p:cNvPicPr>
             <a:picLocks noChangeAspect="1"/>
           </p:cNvPicPr>
           <p:nvPr/>
         </p:nvPicPr>
         <p:blipFill>
-          <a:blip r:embed="rId2"/>
+          <a:blip r:embed="rId1"/>
           <a:stretch>
             <a:fillRect/>
           </a:stretch>
@@ -10878,13 +9730,7 @@
       </p:pic>
       <p:sp>
         <p:nvSpPr>
-          <p:cNvPr id="9" name="Rectangle 3">
-            <a:extLst>
-              <a:ext uri="{FF2B5EF4-FFF2-40B4-BE49-F238E27FC236}">
-                <a16:creationId xmlns:a16="http://schemas.microsoft.com/office/drawing/2014/main" id="{DA02884E-B896-4A93-B89F-17DBEEF32A21}"/>
-              </a:ext>
-            </a:extLst>
-          </p:cNvPr>
+          <p:cNvPr id="9" name="Rectangle 3"/>
           <p:cNvSpPr>
             <a:spLocks noChangeArrowheads="1"/>
           </p:cNvSpPr>
@@ -10929,9 +9775,6 @@
         </p:spPr>
         <p:txBody>
           <a:bodyPr vert="horz" wrap="square" lIns="253920" tIns="31740" rIns="0" bIns="15870" numCol="1" anchor="ctr" anchorCtr="0" compatLnSpc="1">
-            <a:prstTxWarp prst="textNoShape">
-              <a:avLst/>
-            </a:prstTxWarp>
             <a:spAutoFit/>
           </a:bodyPr>
           <a:lstStyle>
@@ -11086,13 +9929,7 @@
       </p:sp>
       <p:sp>
         <p:nvSpPr>
-          <p:cNvPr id="7" name="矩形 6">
-            <a:extLst>
-              <a:ext uri="{FF2B5EF4-FFF2-40B4-BE49-F238E27FC236}">
-                <a16:creationId xmlns:a16="http://schemas.microsoft.com/office/drawing/2014/main" id="{1AADC39A-AD81-4D56-A21B-92804F4E8017}"/>
-              </a:ext>
-            </a:extLst>
-          </p:cNvPr>
+          <p:cNvPr id="7" name="矩形 6"/>
           <p:cNvSpPr/>
           <p:nvPr/>
         </p:nvSpPr>
@@ -11120,6 +9957,12 @@
               </a:rPr>
               <a:t>Return empty string instead.</a:t>
             </a:r>
+            <a:endParaRPr lang="en-US" altLang="zh-CN" b="1" dirty="0">
+              <a:solidFill>
+                <a:srgbClr val="444444"/>
+              </a:solidFill>
+              <a:latin typeface="Helvetica Neue"/>
+            </a:endParaRPr>
           </a:p>
           <a:p>
             <a:r>
@@ -11136,11 +9979,6 @@
         </p:txBody>
       </p:sp>
     </p:spTree>
-    <p:extLst>
-      <p:ext uri="{BB962C8B-B14F-4D97-AF65-F5344CB8AC3E}">
-        <p14:creationId xmlns:p14="http://schemas.microsoft.com/office/powerpoint/2010/main" val="3419970105"/>
-      </p:ext>
-    </p:extLst>
   </p:cSld>
   <p:clrMapOvr>
     <a:masterClrMapping/>
@@ -11167,13 +10005,7 @@
       </p:grpSpPr>
       <p:sp>
         <p:nvSpPr>
-          <p:cNvPr id="2" name="标题 1">
-            <a:extLst>
-              <a:ext uri="{FF2B5EF4-FFF2-40B4-BE49-F238E27FC236}">
-                <a16:creationId xmlns:a16="http://schemas.microsoft.com/office/drawing/2014/main" id="{277C3EF6-1452-43F3-974C-10C8FEF53107}"/>
-              </a:ext>
-            </a:extLst>
-          </p:cNvPr>
+          <p:cNvPr id="2" name="标题 1"/>
           <p:cNvSpPr>
             <a:spLocks noGrp="1"/>
           </p:cNvSpPr>
@@ -11196,13 +10028,7 @@
       </p:sp>
       <p:sp>
         <p:nvSpPr>
-          <p:cNvPr id="4" name="文本框 3">
-            <a:extLst>
-              <a:ext uri="{FF2B5EF4-FFF2-40B4-BE49-F238E27FC236}">
-                <a16:creationId xmlns:a16="http://schemas.microsoft.com/office/drawing/2014/main" id="{FE6C1187-DFEB-46BF-882B-6591B2508DD6}"/>
-              </a:ext>
-            </a:extLst>
-          </p:cNvPr>
+          <p:cNvPr id="4" name="文本框 3"/>
           <p:cNvSpPr txBox="1"/>
           <p:nvPr/>
         </p:nvSpPr>
@@ -11230,18 +10056,13 @@
               <a:rPr lang="zh-CN" altLang="en-US" dirty="0"/>
               <a:t>主要</a:t>
             </a:r>
-          </a:p>
-        </p:txBody>
-      </p:sp>
-      <p:sp>
-        <p:nvSpPr>
-          <p:cNvPr id="12" name="文本框 11">
-            <a:extLst>
-              <a:ext uri="{FF2B5EF4-FFF2-40B4-BE49-F238E27FC236}">
-                <a16:creationId xmlns:a16="http://schemas.microsoft.com/office/drawing/2014/main" id="{F0FEB908-B3B1-4CA8-9632-7C97ADE668AA}"/>
-              </a:ext>
-            </a:extLst>
-          </p:cNvPr>
+            <a:endParaRPr lang="zh-CN" altLang="en-US" dirty="0"/>
+          </a:p>
+        </p:txBody>
+      </p:sp>
+      <p:sp>
+        <p:nvSpPr>
+          <p:cNvPr id="12" name="文本框 11"/>
           <p:cNvSpPr txBox="1"/>
           <p:nvPr/>
         </p:nvSpPr>
@@ -11276,25 +10097,20 @@
               <a:rPr lang="zh-CN" altLang="en-US" dirty="0"/>
               <a:t>手动强转类型</a:t>
             </a:r>
+            <a:endParaRPr lang="zh-CN" altLang="en-US" dirty="0"/>
           </a:p>
         </p:txBody>
       </p:sp>
       <p:pic>
         <p:nvPicPr>
-          <p:cNvPr id="3" name="图片 2">
-            <a:extLst>
-              <a:ext uri="{FF2B5EF4-FFF2-40B4-BE49-F238E27FC236}">
-                <a16:creationId xmlns:a16="http://schemas.microsoft.com/office/drawing/2014/main" id="{2CEDB773-8620-4C65-B9DF-B164A995DF5E}"/>
-              </a:ext>
-            </a:extLst>
-          </p:cNvPr>
+          <p:cNvPr id="3" name="图片 2"/>
           <p:cNvPicPr>
             <a:picLocks noChangeAspect="1"/>
           </p:cNvPicPr>
           <p:nvPr/>
         </p:nvPicPr>
         <p:blipFill>
-          <a:blip r:embed="rId2"/>
+          <a:blip r:embed="rId1"/>
           <a:stretch>
             <a:fillRect/>
           </a:stretch>
@@ -11311,13 +10127,7 @@
       </p:pic>
       <p:sp>
         <p:nvSpPr>
-          <p:cNvPr id="9" name="Rectangle 3">
-            <a:extLst>
-              <a:ext uri="{FF2B5EF4-FFF2-40B4-BE49-F238E27FC236}">
-                <a16:creationId xmlns:a16="http://schemas.microsoft.com/office/drawing/2014/main" id="{DA02884E-B896-4A93-B89F-17DBEEF32A21}"/>
-              </a:ext>
-            </a:extLst>
-          </p:cNvPr>
+          <p:cNvPr id="9" name="Rectangle 3"/>
           <p:cNvSpPr>
             <a:spLocks noChangeArrowheads="1"/>
           </p:cNvSpPr>
@@ -11362,9 +10172,6 @@
         </p:spPr>
         <p:txBody>
           <a:bodyPr vert="horz" wrap="square" lIns="253920" tIns="31740" rIns="0" bIns="15870" numCol="1" anchor="ctr" anchorCtr="0" compatLnSpc="1">
-            <a:prstTxWarp prst="textNoShape">
-              <a:avLst/>
-            </a:prstTxWarp>
             <a:spAutoFit/>
           </a:bodyPr>
           <a:lstStyle>
@@ -11507,13 +10314,7 @@
       </p:sp>
       <p:sp>
         <p:nvSpPr>
-          <p:cNvPr id="7" name="Rectangle 2">
-            <a:extLst>
-              <a:ext uri="{FF2B5EF4-FFF2-40B4-BE49-F238E27FC236}">
-                <a16:creationId xmlns:a16="http://schemas.microsoft.com/office/drawing/2014/main" id="{371FDAC0-9E08-4BF7-9C00-B51781EEC6E7}"/>
-              </a:ext>
-            </a:extLst>
-          </p:cNvPr>
+          <p:cNvPr id="7" name="Rectangle 2"/>
           <p:cNvSpPr>
             <a:spLocks noChangeArrowheads="1"/>
           </p:cNvSpPr>
@@ -11558,9 +10359,6 @@
         </p:spPr>
         <p:txBody>
           <a:bodyPr vert="horz" wrap="none" lIns="0" tIns="158700" rIns="0" bIns="158700" numCol="1" anchor="ctr" anchorCtr="0" compatLnSpc="1">
-            <a:prstTxWarp prst="textNoShape">
-              <a:avLst/>
-            </a:prstTxWarp>
             <a:spAutoFit/>
           </a:bodyPr>
           <a:lstStyle/>
@@ -11579,7 +10377,6 @@
               <a:buSzTx/>
               <a:buFontTx/>
               <a:buNone/>
-              <a:tabLst/>
             </a:pPr>
             <a:r>
               <a:rPr kumimoji="0" lang="zh-CN" altLang="zh-CN" sz="2400" b="0" i="0" u="none" strike="noStrike" cap="none" normalizeH="0" baseline="0" dirty="0">
@@ -11621,13 +10418,7 @@
       </p:sp>
       <p:sp>
         <p:nvSpPr>
-          <p:cNvPr id="8" name="矩形 7">
-            <a:extLst>
-              <a:ext uri="{FF2B5EF4-FFF2-40B4-BE49-F238E27FC236}">
-                <a16:creationId xmlns:a16="http://schemas.microsoft.com/office/drawing/2014/main" id="{4CC381D9-C5DE-40C0-9223-5F2A55B6D1F6}"/>
-              </a:ext>
-            </a:extLst>
-          </p:cNvPr>
+          <p:cNvPr id="8" name="矩形 7"/>
           <p:cNvSpPr/>
           <p:nvPr/>
         </p:nvSpPr>
@@ -11655,6 +10446,12 @@
               </a:rPr>
               <a:t>Add an explicit cast to match types of operands.</a:t>
             </a:r>
+            <a:endParaRPr lang="en-US" altLang="zh-CN" b="1" dirty="0">
+              <a:solidFill>
+                <a:srgbClr val="444444"/>
+              </a:solidFill>
+              <a:latin typeface="Helvetica Neue"/>
+            </a:endParaRPr>
           </a:p>
           <a:p>
             <a:r>
@@ -11671,11 +10468,6 @@
         </p:txBody>
       </p:sp>
     </p:spTree>
-    <p:extLst>
-      <p:ext uri="{BB962C8B-B14F-4D97-AF65-F5344CB8AC3E}">
-        <p14:creationId xmlns:p14="http://schemas.microsoft.com/office/powerpoint/2010/main" val="1682898365"/>
-      </p:ext>
-    </p:extLst>
   </p:cSld>
   <p:clrMapOvr>
     <a:masterClrMapping/>
@@ -11726,7 +10518,7 @@
     </a:clrScheme>
     <a:fontScheme name="Office">
       <a:majorFont>
-        <a:latin typeface="等线 Light" panose="020F0302020204030204"/>
+        <a:latin typeface="等线 Light"/>
         <a:ea typeface=""/>
         <a:cs typeface=""/>
         <a:font script="Jpan" typeface="游ゴシック Light"/>
@@ -11759,26 +10551,9 @@
         <a:font script="Viet" typeface="Times New Roman"/>
         <a:font script="Uigh" typeface="Microsoft Uighur"/>
         <a:font script="Geor" typeface="Sylfaen"/>
-        <a:font script="Armn" typeface="Arial"/>
-        <a:font script="Bugi" typeface="Leelawadee UI"/>
-        <a:font script="Bopo" typeface="Microsoft JhengHei"/>
-        <a:font script="Java" typeface="Javanese Text"/>
-        <a:font script="Lisu" typeface="Segoe UI"/>
-        <a:font script="Mymr" typeface="Myanmar Text"/>
-        <a:font script="Nkoo" typeface="Ebrima"/>
-        <a:font script="Olck" typeface="Nirmala UI"/>
-        <a:font script="Osma" typeface="Ebrima"/>
-        <a:font script="Phag" typeface="Phagspa"/>
-        <a:font script="Syrn" typeface="Estrangelo Edessa"/>
-        <a:font script="Syrj" typeface="Estrangelo Edessa"/>
-        <a:font script="Syre" typeface="Estrangelo Edessa"/>
-        <a:font script="Sora" typeface="Nirmala UI"/>
-        <a:font script="Tale" typeface="Microsoft Tai Le"/>
-        <a:font script="Talu" typeface="Microsoft New Tai Lue"/>
-        <a:font script="Tfng" typeface="Ebrima"/>
       </a:majorFont>
       <a:minorFont>
-        <a:latin typeface="等线" panose="020F0502020204030204"/>
+        <a:latin typeface="等线"/>
         <a:ea typeface=""/>
         <a:cs typeface=""/>
         <a:font script="Jpan" typeface="游ゴシック"/>
@@ -11811,23 +10586,6 @@
         <a:font script="Viet" typeface="Arial"/>
         <a:font script="Uigh" typeface="Microsoft Uighur"/>
         <a:font script="Geor" typeface="Sylfaen"/>
-        <a:font script="Armn" typeface="Arial"/>
-        <a:font script="Bugi" typeface="Leelawadee UI"/>
-        <a:font script="Bopo" typeface="Microsoft JhengHei"/>
-        <a:font script="Java" typeface="Javanese Text"/>
-        <a:font script="Lisu" typeface="Segoe UI"/>
-        <a:font script="Mymr" typeface="Myanmar Text"/>
-        <a:font script="Nkoo" typeface="Ebrima"/>
-        <a:font script="Olck" typeface="Nirmala UI"/>
-        <a:font script="Osma" typeface="Ebrima"/>
-        <a:font script="Phag" typeface="Phagspa"/>
-        <a:font script="Syrn" typeface="Estrangelo Edessa"/>
-        <a:font script="Syrj" typeface="Estrangelo Edessa"/>
-        <a:font script="Syre" typeface="Estrangelo Edessa"/>
-        <a:font script="Sora" typeface="Nirmala UI"/>
-        <a:font script="Tale" typeface="Microsoft Tai Le"/>
-        <a:font script="Talu" typeface="Microsoft New Tai Lue"/>
-        <a:font script="Tfng" typeface="Ebrima"/>
       </a:minorFont>
     </a:fontScheme>
     <a:fmtScheme name="Office">
@@ -11968,8 +10726,6 @@
       </a:bgFillStyleLst>
     </a:fmtScheme>
   </a:themeElements>
-  <a:objectDefaults/>
-  <a:extraClrSchemeLst/>
   <a:extLst>
     <a:ext uri="{05A4C25C-085E-4340-85A3-A5531E510DB2}">
       <thm15:themeFamily xmlns:thm15="http://schemas.microsoft.com/office/thememl/2012/main" name="Office Theme" id="{62F939B6-93AF-4DB8-9C6B-D6C7DFDC589F}" vid="{4A3C46E8-61CC-4603-A589-7422A47A8E4A}"/>
